--- a/project_1/results/project1_presentation.pptx
+++ b/project_1/results/project1_presentation.pptx
@@ -1,26 +1,27 @@
 
 <file path=ppt/presentation.xml><?xml version="1.0" encoding="utf-8"?>
-<p:presentation xmlns:a="http://schemas.openxmlformats.org/drawingml/2006/main" xmlns:r="http://schemas.openxmlformats.org/officeDocument/2006/relationships" xmlns:mc="http://schemas.openxmlformats.org/markup-compatibility/2006" xmlns:mv="urn:schemas-microsoft-com:mac:vml" xmlns:p="http://schemas.openxmlformats.org/presentationml/2006/main" xmlns:c="http://schemas.openxmlformats.org/drawingml/2006/chart" xmlns:dgm="http://schemas.openxmlformats.org/drawingml/2006/diagram" xmlns:o="urn:schemas-microsoft-com:office:office" xmlns:v="urn:schemas-microsoft-com:vml" xmlns:pvml="urn:schemas-microsoft-com:office:powerpoint" xmlns:com="http://schemas.openxmlformats.org/drawingml/2006/compatibility" xmlns:p14="http://schemas.microsoft.com/office/powerpoint/2010/main" xmlns:p15="http://schemas.microsoft.com/office/powerpoint/2012/main" autoCompressPictures="0" strictFirstAndLastChars="0" saveSubsetFonts="1">
+<p:presentation xmlns:a="http://schemas.openxmlformats.org/drawingml/2006/main" xmlns:r="http://schemas.openxmlformats.org/officeDocument/2006/relationships" xmlns:p="http://schemas.openxmlformats.org/presentationml/2006/main" strictFirstAndLastChars="0" saveSubsetFonts="1" autoCompressPictures="0">
   <p:sldMasterIdLst>
-    <p:sldMasterId id="2147483659" r:id="rId4"/>
+    <p:sldMasterId id="2147483659" r:id="rId1"/>
   </p:sldMasterIdLst>
   <p:notesMasterIdLst>
-    <p:notesMasterId r:id="rId5"/>
+    <p:notesMasterId r:id="rId11"/>
   </p:notesMasterIdLst>
   <p:sldIdLst>
-    <p:sldId id="256" r:id="rId6"/>
-    <p:sldId id="257" r:id="rId7"/>
-    <p:sldId id="258" r:id="rId8"/>
-    <p:sldId id="259" r:id="rId9"/>
-    <p:sldId id="260" r:id="rId10"/>
-    <p:sldId id="261" r:id="rId11"/>
-    <p:sldId id="262" r:id="rId12"/>
-    <p:sldId id="263" r:id="rId13"/>
+    <p:sldId id="256" r:id="rId2"/>
+    <p:sldId id="257" r:id="rId3"/>
+    <p:sldId id="258" r:id="rId4"/>
+    <p:sldId id="259" r:id="rId5"/>
+    <p:sldId id="260" r:id="rId6"/>
+    <p:sldId id="261" r:id="rId7"/>
+    <p:sldId id="262" r:id="rId8"/>
+    <p:sldId id="263" r:id="rId9"/>
+    <p:sldId id="264" r:id="rId10"/>
   </p:sldIdLst>
-  <p:sldSz cy="5143500" cx="9144000"/>
+  <p:sldSz cx="9144000" cy="5143500" type="screen16x9"/>
   <p:notesSz cx="6858000" cy="9144000"/>
   <p:defaultTextStyle>
-    <a:defPPr lvl="0" marR="0" rtl="0" algn="l">
+    <a:defPPr marR="0" lvl="0" algn="l" rtl="0">
       <a:lnSpc>
         <a:spcPct val="100000"/>
       </a:lnSpc>
@@ -31,7 +32,7 @@
         <a:spcPts val="0"/>
       </a:spcAft>
     </a:defPPr>
-    <a:lvl1pPr lvl="0" marR="0" rtl="0" algn="l">
+    <a:lvl1pPr marR="0" lvl="0" algn="l" rtl="0">
       <a:lnSpc>
         <a:spcPct val="100000"/>
       </a:lnSpc>
@@ -45,7 +46,7 @@
         <a:srgbClr val="000000"/>
       </a:buClr>
       <a:buFont typeface="Arial"/>
-      <a:defRPr b="0" i="0" sz="1400" u="none" cap="none" strike="noStrike">
+      <a:defRPr sz="1400" b="0" i="0" u="none" strike="noStrike" cap="none">
         <a:solidFill>
           <a:srgbClr val="000000"/>
         </a:solidFill>
@@ -55,7 +56,7 @@
         <a:sym typeface="Arial"/>
       </a:defRPr>
     </a:lvl1pPr>
-    <a:lvl2pPr lvl="1" marR="0" rtl="0" algn="l">
+    <a:lvl2pPr marR="0" lvl="1" algn="l" rtl="0">
       <a:lnSpc>
         <a:spcPct val="100000"/>
       </a:lnSpc>
@@ -69,7 +70,7 @@
         <a:srgbClr val="000000"/>
       </a:buClr>
       <a:buFont typeface="Arial"/>
-      <a:defRPr b="0" i="0" sz="1400" u="none" cap="none" strike="noStrike">
+      <a:defRPr sz="1400" b="0" i="0" u="none" strike="noStrike" cap="none">
         <a:solidFill>
           <a:srgbClr val="000000"/>
         </a:solidFill>
@@ -79,7 +80,7 @@
         <a:sym typeface="Arial"/>
       </a:defRPr>
     </a:lvl2pPr>
-    <a:lvl3pPr lvl="2" marR="0" rtl="0" algn="l">
+    <a:lvl3pPr marR="0" lvl="2" algn="l" rtl="0">
       <a:lnSpc>
         <a:spcPct val="100000"/>
       </a:lnSpc>
@@ -93,7 +94,7 @@
         <a:srgbClr val="000000"/>
       </a:buClr>
       <a:buFont typeface="Arial"/>
-      <a:defRPr b="0" i="0" sz="1400" u="none" cap="none" strike="noStrike">
+      <a:defRPr sz="1400" b="0" i="0" u="none" strike="noStrike" cap="none">
         <a:solidFill>
           <a:srgbClr val="000000"/>
         </a:solidFill>
@@ -103,7 +104,7 @@
         <a:sym typeface="Arial"/>
       </a:defRPr>
     </a:lvl3pPr>
-    <a:lvl4pPr lvl="3" marR="0" rtl="0" algn="l">
+    <a:lvl4pPr marR="0" lvl="3" algn="l" rtl="0">
       <a:lnSpc>
         <a:spcPct val="100000"/>
       </a:lnSpc>
@@ -117,7 +118,7 @@
         <a:srgbClr val="000000"/>
       </a:buClr>
       <a:buFont typeface="Arial"/>
-      <a:defRPr b="0" i="0" sz="1400" u="none" cap="none" strike="noStrike">
+      <a:defRPr sz="1400" b="0" i="0" u="none" strike="noStrike" cap="none">
         <a:solidFill>
           <a:srgbClr val="000000"/>
         </a:solidFill>
@@ -127,7 +128,7 @@
         <a:sym typeface="Arial"/>
       </a:defRPr>
     </a:lvl4pPr>
-    <a:lvl5pPr lvl="4" marR="0" rtl="0" algn="l">
+    <a:lvl5pPr marR="0" lvl="4" algn="l" rtl="0">
       <a:lnSpc>
         <a:spcPct val="100000"/>
       </a:lnSpc>
@@ -141,7 +142,7 @@
         <a:srgbClr val="000000"/>
       </a:buClr>
       <a:buFont typeface="Arial"/>
-      <a:defRPr b="0" i="0" sz="1400" u="none" cap="none" strike="noStrike">
+      <a:defRPr sz="1400" b="0" i="0" u="none" strike="noStrike" cap="none">
         <a:solidFill>
           <a:srgbClr val="000000"/>
         </a:solidFill>
@@ -151,7 +152,7 @@
         <a:sym typeface="Arial"/>
       </a:defRPr>
     </a:lvl5pPr>
-    <a:lvl6pPr lvl="5" marR="0" rtl="0" algn="l">
+    <a:lvl6pPr marR="0" lvl="5" algn="l" rtl="0">
       <a:lnSpc>
         <a:spcPct val="100000"/>
       </a:lnSpc>
@@ -165,7 +166,7 @@
         <a:srgbClr val="000000"/>
       </a:buClr>
       <a:buFont typeface="Arial"/>
-      <a:defRPr b="0" i="0" sz="1400" u="none" cap="none" strike="noStrike">
+      <a:defRPr sz="1400" b="0" i="0" u="none" strike="noStrike" cap="none">
         <a:solidFill>
           <a:srgbClr val="000000"/>
         </a:solidFill>
@@ -175,7 +176,7 @@
         <a:sym typeface="Arial"/>
       </a:defRPr>
     </a:lvl6pPr>
-    <a:lvl7pPr lvl="6" marR="0" rtl="0" algn="l">
+    <a:lvl7pPr marR="0" lvl="6" algn="l" rtl="0">
       <a:lnSpc>
         <a:spcPct val="100000"/>
       </a:lnSpc>
@@ -189,7 +190,7 @@
         <a:srgbClr val="000000"/>
       </a:buClr>
       <a:buFont typeface="Arial"/>
-      <a:defRPr b="0" i="0" sz="1400" u="none" cap="none" strike="noStrike">
+      <a:defRPr sz="1400" b="0" i="0" u="none" strike="noStrike" cap="none">
         <a:solidFill>
           <a:srgbClr val="000000"/>
         </a:solidFill>
@@ -199,7 +200,7 @@
         <a:sym typeface="Arial"/>
       </a:defRPr>
     </a:lvl7pPr>
-    <a:lvl8pPr lvl="7" marR="0" rtl="0" algn="l">
+    <a:lvl8pPr marR="0" lvl="7" algn="l" rtl="0">
       <a:lnSpc>
         <a:spcPct val="100000"/>
       </a:lnSpc>
@@ -213,7 +214,7 @@
         <a:srgbClr val="000000"/>
       </a:buClr>
       <a:buFont typeface="Arial"/>
-      <a:defRPr b="0" i="0" sz="1400" u="none" cap="none" strike="noStrike">
+      <a:defRPr sz="1400" b="0" i="0" u="none" strike="noStrike" cap="none">
         <a:solidFill>
           <a:srgbClr val="000000"/>
         </a:solidFill>
@@ -223,7 +224,7 @@
         <a:sym typeface="Arial"/>
       </a:defRPr>
     </a:lvl8pPr>
-    <a:lvl9pPr lvl="8" marR="0" rtl="0" algn="l">
+    <a:lvl9pPr marR="0" lvl="8" algn="l" rtl="0">
       <a:lnSpc>
         <a:spcPct val="100000"/>
       </a:lnSpc>
@@ -237,7 +238,7 @@
         <a:srgbClr val="000000"/>
       </a:buClr>
       <a:buFont typeface="Arial"/>
-      <a:defRPr b="0" i="0" sz="1400" u="none" cap="none" strike="noStrike">
+      <a:defRPr sz="1400" b="0" i="0" u="none" strike="noStrike" cap="none">
         <a:solidFill>
           <a:srgbClr val="000000"/>
         </a:solidFill>
@@ -250,7 +251,7 @@
   </p:defaultTextStyle>
   <p:extLst>
     <p:ext uri="{EFAFB233-063F-42B5-8137-9DF3F51BA10A}">
-      <p15:sldGuideLst>
+      <p15:sldGuideLst xmlns:p15="http://schemas.microsoft.com/office/powerpoint/2012/main">
         <p15:guide id="1" orient="horz" pos="1620">
           <p15:clr>
             <a:srgbClr val="A4A3A4"/>
@@ -267,12 +268,62 @@
 </p:presentation>
 </file>
 
+<file path=ppt/changesInfos/changesInfo1.xml><?xml version="1.0" encoding="utf-8"?>
+<pc:chgInfo xmlns:a="http://schemas.openxmlformats.org/drawingml/2006/main" xmlns:r="http://schemas.openxmlformats.org/officeDocument/2006/relationships" xmlns:ac="http://schemas.microsoft.com/office/drawing/2013/main/command" xmlns:pc="http://schemas.microsoft.com/office/powerpoint/2013/main/command">
+  <pc:docChgLst>
+    <pc:chgData name="William King" userId="0a6a6781b79759f6" providerId="LiveId" clId="{574D7F2F-FAAD-4487-8C9D-0A90FF1247F3}"/>
+    <pc:docChg chg="undo custSel addSld modSld">
+      <pc:chgData name="William King" userId="0a6a6781b79759f6" providerId="LiveId" clId="{574D7F2F-FAAD-4487-8C9D-0A90FF1247F3}" dt="2019-10-07T17:10:15.633" v="269" actId="14100"/>
+      <pc:docMkLst>
+        <pc:docMk/>
+      </pc:docMkLst>
+      <pc:sldChg chg="delSp modSp add">
+        <pc:chgData name="William King" userId="0a6a6781b79759f6" providerId="LiveId" clId="{574D7F2F-FAAD-4487-8C9D-0A90FF1247F3}" dt="2019-10-07T17:10:15.633" v="269" actId="14100"/>
+        <pc:sldMkLst>
+          <pc:docMk/>
+          <pc:sldMk cId="3124539673" sldId="264"/>
+        </pc:sldMkLst>
+        <pc:spChg chg="mod">
+          <ac:chgData name="William King" userId="0a6a6781b79759f6" providerId="LiveId" clId="{574D7F2F-FAAD-4487-8C9D-0A90FF1247F3}" dt="2019-10-07T17:09:05.764" v="256" actId="1076"/>
+          <ac:spMkLst>
+            <pc:docMk/>
+            <pc:sldMk cId="3124539673" sldId="264"/>
+            <ac:spMk id="110" creationId="{00000000-0000-0000-0000-000000000000}"/>
+          </ac:spMkLst>
+        </pc:spChg>
+        <pc:spChg chg="mod">
+          <ac:chgData name="William King" userId="0a6a6781b79759f6" providerId="LiveId" clId="{574D7F2F-FAAD-4487-8C9D-0A90FF1247F3}" dt="2019-10-07T17:10:15.633" v="269" actId="14100"/>
+          <ac:spMkLst>
+            <pc:docMk/>
+            <pc:sldMk cId="3124539673" sldId="264"/>
+            <ac:spMk id="111" creationId="{00000000-0000-0000-0000-000000000000}"/>
+          </ac:spMkLst>
+        </pc:spChg>
+        <pc:picChg chg="del">
+          <ac:chgData name="William King" userId="0a6a6781b79759f6" providerId="LiveId" clId="{574D7F2F-FAAD-4487-8C9D-0A90FF1247F3}" dt="2019-10-07T17:07:08.102" v="1" actId="478"/>
+          <ac:picMkLst>
+            <pc:docMk/>
+            <pc:sldMk cId="3124539673" sldId="264"/>
+            <ac:picMk id="113" creationId="{00000000-0000-0000-0000-000000000000}"/>
+          </ac:picMkLst>
+        </pc:picChg>
+      </pc:sldChg>
+    </pc:docChg>
+  </pc:docChgLst>
+</pc:chgInfo>
+</file>
+
 <file path=ppt/notesMasters/notesMaster1.xml><?xml version="1.0" encoding="utf-8"?>
-<p:notesMaster xmlns:a="http://schemas.openxmlformats.org/drawingml/2006/main" xmlns:r="http://schemas.openxmlformats.org/officeDocument/2006/relationships" xmlns:mc="http://schemas.openxmlformats.org/markup-compatibility/2006" xmlns:mv="urn:schemas-microsoft-com:mac:vml" xmlns:p="http://schemas.openxmlformats.org/presentationml/2006/main" xmlns:c="http://schemas.openxmlformats.org/drawingml/2006/chart" xmlns:dgm="http://schemas.openxmlformats.org/drawingml/2006/diagram" xmlns:o="urn:schemas-microsoft-com:office:office" xmlns:v="urn:schemas-microsoft-com:vml" xmlns:pvml="urn:schemas-microsoft-com:office:powerpoint" xmlns:com="http://schemas.openxmlformats.org/drawingml/2006/compatibility" xmlns:p14="http://schemas.microsoft.com/office/powerpoint/2010/main" xmlns:p15="http://schemas.microsoft.com/office/powerpoint/2012/main">
+<p:notesMaster xmlns:a="http://schemas.openxmlformats.org/drawingml/2006/main" xmlns:r="http://schemas.openxmlformats.org/officeDocument/2006/relationships" xmlns:p="http://schemas.openxmlformats.org/presentationml/2006/main">
   <p:cSld>
+    <p:bg>
+      <p:bgRef idx="1001">
+        <a:schemeClr val="bg1"/>
+      </p:bgRef>
+    </p:bg>
     <p:spTree>
       <p:nvGrpSpPr>
-        <p:cNvPr id="2" name="Shape 2"/>
+        <p:cNvPr id="1" name="Shape 2"/>
         <p:cNvGrpSpPr/>
         <p:nvPr/>
       </p:nvGrpSpPr>
@@ -287,9 +338,11 @@
       <p:sp>
         <p:nvSpPr>
           <p:cNvPr id="3" name="Google Shape;3;n"/>
-          <p:cNvSpPr/>
+          <p:cNvSpPr>
+            <a:spLocks noGrp="1" noRot="1" noChangeAspect="1"/>
+          </p:cNvSpPr>
           <p:nvPr>
-            <p:ph idx="2" type="sldImg"/>
+            <p:ph type="sldImg" idx="2"/>
           </p:nvPr>
         </p:nvSpPr>
         <p:spPr>
@@ -298,9 +351,13 @@
             <a:ext cx="6096075" cy="3429000"/>
           </a:xfrm>
           <a:custGeom>
-            <a:rect b="b" l="l" r="r" t="t"/>
+            <a:avLst/>
+            <a:gdLst/>
+            <a:ahLst/>
+            <a:cxnLst/>
+            <a:rect l="l" t="t" r="r" b="b"/>
             <a:pathLst>
-              <a:path extrusionOk="0" h="120000" w="120000">
+              <a:path w="120000" h="120000" extrusionOk="0">
                 <a:moveTo>
                   <a:pt x="0" y="0"/>
                 </a:moveTo>
@@ -318,23 +375,25 @@
             </a:pathLst>
           </a:custGeom>
           <a:noFill/>
-          <a:ln cap="flat" cmpd="sng" w="9525">
+          <a:ln w="9525" cap="flat" cmpd="sng">
             <a:solidFill>
               <a:srgbClr val="000000"/>
             </a:solidFill>
             <a:prstDash val="solid"/>
             <a:round/>
-            <a:headEnd len="sm" w="sm" type="none"/>
-            <a:tailEnd len="sm" w="sm" type="none"/>
+            <a:headEnd type="none" w="sm" len="sm"/>
+            <a:tailEnd type="none" w="sm" len="sm"/>
           </a:ln>
         </p:spPr>
       </p:sp>
       <p:sp>
         <p:nvSpPr>
           <p:cNvPr id="4" name="Google Shape;4;n"/>
-          <p:cNvSpPr txBox="1"/>
+          <p:cNvSpPr txBox="1">
+            <a:spLocks noGrp="1"/>
+          </p:cNvSpPr>
           <p:nvPr>
-            <p:ph idx="1" type="body"/>
+            <p:ph type="body" idx="1"/>
           </p:nvPr>
         </p:nvSpPr>
         <p:spPr>
@@ -351,11 +410,11 @@
           </a:ln>
         </p:spPr>
         <p:txBody>
-          <a:bodyPr anchorCtr="0" anchor="t" bIns="91425" lIns="91425" spcFirstLastPara="1" rIns="91425" wrap="square" tIns="91425">
+          <a:bodyPr spcFirstLastPara="1" wrap="square" lIns="91425" tIns="91425" rIns="91425" bIns="91425" anchor="t" anchorCtr="0">
             <a:noAutofit/>
           </a:bodyPr>
           <a:lstStyle>
-            <a:lvl1pPr indent="-298450" lvl="0" marL="457200">
+            <a:lvl1pPr marL="457200" lvl="0" indent="-298450">
               <a:spcBef>
                 <a:spcPts val="0"/>
               </a:spcBef>
@@ -366,7 +425,7 @@
               <a:buChar char="●"/>
               <a:defRPr sz="1100"/>
             </a:lvl1pPr>
-            <a:lvl2pPr indent="-298450" lvl="1" marL="914400">
+            <a:lvl2pPr marL="914400" lvl="1" indent="-298450">
               <a:spcBef>
                 <a:spcPts val="0"/>
               </a:spcBef>
@@ -377,7 +436,7 @@
               <a:buChar char="○"/>
               <a:defRPr sz="1100"/>
             </a:lvl2pPr>
-            <a:lvl3pPr indent="-298450" lvl="2" marL="1371600">
+            <a:lvl3pPr marL="1371600" lvl="2" indent="-298450">
               <a:spcBef>
                 <a:spcPts val="0"/>
               </a:spcBef>
@@ -388,7 +447,7 @@
               <a:buChar char="■"/>
               <a:defRPr sz="1100"/>
             </a:lvl3pPr>
-            <a:lvl4pPr indent="-298450" lvl="3" marL="1828800">
+            <a:lvl4pPr marL="1828800" lvl="3" indent="-298450">
               <a:spcBef>
                 <a:spcPts val="0"/>
               </a:spcBef>
@@ -399,7 +458,7 @@
               <a:buChar char="●"/>
               <a:defRPr sz="1100"/>
             </a:lvl4pPr>
-            <a:lvl5pPr indent="-298450" lvl="4" marL="2286000">
+            <a:lvl5pPr marL="2286000" lvl="4" indent="-298450">
               <a:spcBef>
                 <a:spcPts val="0"/>
               </a:spcBef>
@@ -410,7 +469,7 @@
               <a:buChar char="○"/>
               <a:defRPr sz="1100"/>
             </a:lvl5pPr>
-            <a:lvl6pPr indent="-298450" lvl="5" marL="2743200">
+            <a:lvl6pPr marL="2743200" lvl="5" indent="-298450">
               <a:spcBef>
                 <a:spcPts val="0"/>
               </a:spcBef>
@@ -421,7 +480,7 @@
               <a:buChar char="■"/>
               <a:defRPr sz="1100"/>
             </a:lvl6pPr>
-            <a:lvl7pPr indent="-298450" lvl="6" marL="3200400">
+            <a:lvl7pPr marL="3200400" lvl="6" indent="-298450">
               <a:spcBef>
                 <a:spcPts val="0"/>
               </a:spcBef>
@@ -432,7 +491,7 @@
               <a:buChar char="●"/>
               <a:defRPr sz="1100"/>
             </a:lvl7pPr>
-            <a:lvl8pPr indent="-298450" lvl="7" marL="3657600">
+            <a:lvl8pPr marL="3657600" lvl="7" indent="-298450">
               <a:spcBef>
                 <a:spcPts val="0"/>
               </a:spcBef>
@@ -443,7 +502,7 @@
               <a:buChar char="○"/>
               <a:defRPr sz="1100"/>
             </a:lvl8pPr>
-            <a:lvl9pPr indent="-298450" lvl="8" marL="4114800">
+            <a:lvl9pPr marL="4114800" lvl="8" indent="-298450">
               <a:spcBef>
                 <a:spcPts val="0"/>
               </a:spcBef>
@@ -455,14 +514,16 @@
               <a:defRPr sz="1100"/>
             </a:lvl9pPr>
           </a:lstStyle>
-          <a:p/>
+          <a:p>
+            <a:endParaRPr/>
+          </a:p>
         </p:txBody>
       </p:sp>
     </p:spTree>
   </p:cSld>
-  <p:clrMap accent1="accent1" accent2="accent2" accent3="accent3" accent4="accent4" accent5="accent5" accent6="accent6" bg1="lt1" bg2="dk2" tx1="dk1" tx2="lt2" folHlink="folHlink" hlink="hlink"/>
+  <p:clrMap bg1="lt1" tx1="dk1" bg2="dk2" tx2="lt2" accent1="accent1" accent2="accent2" accent3="accent3" accent4="accent4" accent5="accent5" accent6="accent6" hlink="hlink" folHlink="folHlink"/>
   <p:notesStyle>
-    <a:defPPr lvl="0" marR="0" rtl="0" algn="l">
+    <a:defPPr marR="0" lvl="0" algn="l" rtl="0">
       <a:lnSpc>
         <a:spcPct val="100000"/>
       </a:lnSpc>
@@ -473,7 +534,7 @@
         <a:spcPts val="0"/>
       </a:spcAft>
     </a:defPPr>
-    <a:lvl1pPr lvl="0" marR="0" rtl="0" algn="l">
+    <a:lvl1pPr marR="0" lvl="0" algn="l" rtl="0">
       <a:lnSpc>
         <a:spcPct val="100000"/>
       </a:lnSpc>
@@ -487,7 +548,7 @@
         <a:srgbClr val="000000"/>
       </a:buClr>
       <a:buFont typeface="Arial"/>
-      <a:defRPr b="0" i="0" sz="1400" u="none" cap="none" strike="noStrike">
+      <a:defRPr sz="1400" b="0" i="0" u="none" strike="noStrike" cap="none">
         <a:solidFill>
           <a:srgbClr val="000000"/>
         </a:solidFill>
@@ -497,7 +558,7 @@
         <a:sym typeface="Arial"/>
       </a:defRPr>
     </a:lvl1pPr>
-    <a:lvl2pPr lvl="1" marR="0" rtl="0" algn="l">
+    <a:lvl2pPr marR="0" lvl="1" algn="l" rtl="0">
       <a:lnSpc>
         <a:spcPct val="100000"/>
       </a:lnSpc>
@@ -511,7 +572,7 @@
         <a:srgbClr val="000000"/>
       </a:buClr>
       <a:buFont typeface="Arial"/>
-      <a:defRPr b="0" i="0" sz="1400" u="none" cap="none" strike="noStrike">
+      <a:defRPr sz="1400" b="0" i="0" u="none" strike="noStrike" cap="none">
         <a:solidFill>
           <a:srgbClr val="000000"/>
         </a:solidFill>
@@ -521,7 +582,7 @@
         <a:sym typeface="Arial"/>
       </a:defRPr>
     </a:lvl2pPr>
-    <a:lvl3pPr lvl="2" marR="0" rtl="0" algn="l">
+    <a:lvl3pPr marR="0" lvl="2" algn="l" rtl="0">
       <a:lnSpc>
         <a:spcPct val="100000"/>
       </a:lnSpc>
@@ -535,7 +596,7 @@
         <a:srgbClr val="000000"/>
       </a:buClr>
       <a:buFont typeface="Arial"/>
-      <a:defRPr b="0" i="0" sz="1400" u="none" cap="none" strike="noStrike">
+      <a:defRPr sz="1400" b="0" i="0" u="none" strike="noStrike" cap="none">
         <a:solidFill>
           <a:srgbClr val="000000"/>
         </a:solidFill>
@@ -545,7 +606,7 @@
         <a:sym typeface="Arial"/>
       </a:defRPr>
     </a:lvl3pPr>
-    <a:lvl4pPr lvl="3" marR="0" rtl="0" algn="l">
+    <a:lvl4pPr marR="0" lvl="3" algn="l" rtl="0">
       <a:lnSpc>
         <a:spcPct val="100000"/>
       </a:lnSpc>
@@ -559,7 +620,7 @@
         <a:srgbClr val="000000"/>
       </a:buClr>
       <a:buFont typeface="Arial"/>
-      <a:defRPr b="0" i="0" sz="1400" u="none" cap="none" strike="noStrike">
+      <a:defRPr sz="1400" b="0" i="0" u="none" strike="noStrike" cap="none">
         <a:solidFill>
           <a:srgbClr val="000000"/>
         </a:solidFill>
@@ -569,7 +630,7 @@
         <a:sym typeface="Arial"/>
       </a:defRPr>
     </a:lvl4pPr>
-    <a:lvl5pPr lvl="4" marR="0" rtl="0" algn="l">
+    <a:lvl5pPr marR="0" lvl="4" algn="l" rtl="0">
       <a:lnSpc>
         <a:spcPct val="100000"/>
       </a:lnSpc>
@@ -583,7 +644,7 @@
         <a:srgbClr val="000000"/>
       </a:buClr>
       <a:buFont typeface="Arial"/>
-      <a:defRPr b="0" i="0" sz="1400" u="none" cap="none" strike="noStrike">
+      <a:defRPr sz="1400" b="0" i="0" u="none" strike="noStrike" cap="none">
         <a:solidFill>
           <a:srgbClr val="000000"/>
         </a:solidFill>
@@ -593,7 +654,7 @@
         <a:sym typeface="Arial"/>
       </a:defRPr>
     </a:lvl5pPr>
-    <a:lvl6pPr lvl="5" marR="0" rtl="0" algn="l">
+    <a:lvl6pPr marR="0" lvl="5" algn="l" rtl="0">
       <a:lnSpc>
         <a:spcPct val="100000"/>
       </a:lnSpc>
@@ -607,7 +668,7 @@
         <a:srgbClr val="000000"/>
       </a:buClr>
       <a:buFont typeface="Arial"/>
-      <a:defRPr b="0" i="0" sz="1400" u="none" cap="none" strike="noStrike">
+      <a:defRPr sz="1400" b="0" i="0" u="none" strike="noStrike" cap="none">
         <a:solidFill>
           <a:srgbClr val="000000"/>
         </a:solidFill>
@@ -617,7 +678,7 @@
         <a:sym typeface="Arial"/>
       </a:defRPr>
     </a:lvl6pPr>
-    <a:lvl7pPr lvl="6" marR="0" rtl="0" algn="l">
+    <a:lvl7pPr marR="0" lvl="6" algn="l" rtl="0">
       <a:lnSpc>
         <a:spcPct val="100000"/>
       </a:lnSpc>
@@ -631,7 +692,7 @@
         <a:srgbClr val="000000"/>
       </a:buClr>
       <a:buFont typeface="Arial"/>
-      <a:defRPr b="0" i="0" sz="1400" u="none" cap="none" strike="noStrike">
+      <a:defRPr sz="1400" b="0" i="0" u="none" strike="noStrike" cap="none">
         <a:solidFill>
           <a:srgbClr val="000000"/>
         </a:solidFill>
@@ -641,7 +702,7 @@
         <a:sym typeface="Arial"/>
       </a:defRPr>
     </a:lvl7pPr>
-    <a:lvl8pPr lvl="7" marR="0" rtl="0" algn="l">
+    <a:lvl8pPr marR="0" lvl="7" algn="l" rtl="0">
       <a:lnSpc>
         <a:spcPct val="100000"/>
       </a:lnSpc>
@@ -655,7 +716,7 @@
         <a:srgbClr val="000000"/>
       </a:buClr>
       <a:buFont typeface="Arial"/>
-      <a:defRPr b="0" i="0" sz="1400" u="none" cap="none" strike="noStrike">
+      <a:defRPr sz="1400" b="0" i="0" u="none" strike="noStrike" cap="none">
         <a:solidFill>
           <a:srgbClr val="000000"/>
         </a:solidFill>
@@ -665,7 +726,7 @@
         <a:sym typeface="Arial"/>
       </a:defRPr>
     </a:lvl8pPr>
-    <a:lvl9pPr lvl="8" marR="0" rtl="0" algn="l">
+    <a:lvl9pPr marR="0" lvl="8" algn="l" rtl="0">
       <a:lnSpc>
         <a:spcPct val="100000"/>
       </a:lnSpc>
@@ -679,7 +740,7 @@
         <a:srgbClr val="000000"/>
       </a:buClr>
       <a:buFont typeface="Arial"/>
-      <a:defRPr b="0" i="0" sz="1400" u="none" cap="none" strike="noStrike">
+      <a:defRPr sz="1400" b="0" i="0" u="none" strike="noStrike" cap="none">
         <a:solidFill>
           <a:srgbClr val="000000"/>
         </a:solidFill>
@@ -694,11 +755,11 @@
 </file>
 
 <file path=ppt/notesSlides/notesSlide1.xml><?xml version="1.0" encoding="utf-8"?>
-<p:notes xmlns:a="http://schemas.openxmlformats.org/drawingml/2006/main" xmlns:r="http://schemas.openxmlformats.org/officeDocument/2006/relationships" xmlns:mc="http://schemas.openxmlformats.org/markup-compatibility/2006" xmlns:mv="urn:schemas-microsoft-com:mac:vml" xmlns:p="http://schemas.openxmlformats.org/presentationml/2006/main" xmlns:c="http://schemas.openxmlformats.org/drawingml/2006/chart" xmlns:dgm="http://schemas.openxmlformats.org/drawingml/2006/diagram" xmlns:o="urn:schemas-microsoft-com:office:office" xmlns:v="urn:schemas-microsoft-com:vml" xmlns:pvml="urn:schemas-microsoft-com:office:powerpoint" xmlns:com="http://schemas.openxmlformats.org/drawingml/2006/compatibility" xmlns:p14="http://schemas.microsoft.com/office/powerpoint/2010/main" xmlns:p15="http://schemas.microsoft.com/office/powerpoint/2012/main" showMasterPhAnim="0" showMasterSp="0">
+<p:notes xmlns:a="http://schemas.openxmlformats.org/drawingml/2006/main" xmlns:r="http://schemas.openxmlformats.org/officeDocument/2006/relationships" xmlns:p="http://schemas.openxmlformats.org/presentationml/2006/main" showMasterSp="0" showMasterPhAnim="0">
   <p:cSld>
     <p:spTree>
       <p:nvGrpSpPr>
-        <p:cNvPr id="50" name="Shape 50"/>
+        <p:cNvPr id="1" name="Shape 50"/>
         <p:cNvGrpSpPr/>
         <p:nvPr/>
       </p:nvGrpSpPr>
@@ -713,9 +774,11 @@
       <p:sp>
         <p:nvSpPr>
           <p:cNvPr id="51" name="Google Shape;51;p:notes"/>
-          <p:cNvSpPr/>
+          <p:cNvSpPr>
+            <a:spLocks noGrp="1" noRot="1" noChangeAspect="1"/>
+          </p:cNvSpPr>
           <p:nvPr>
-            <p:ph idx="2" type="sldImg"/>
+            <p:ph type="sldImg" idx="2"/>
           </p:nvPr>
         </p:nvSpPr>
         <p:spPr>
@@ -724,9 +787,13 @@
             <a:ext cx="6096075" cy="3429000"/>
           </a:xfrm>
           <a:custGeom>
-            <a:rect b="b" l="l" r="r" t="t"/>
+            <a:avLst/>
+            <a:gdLst/>
+            <a:ahLst/>
+            <a:cxnLst/>
+            <a:rect l="l" t="t" r="r" b="b"/>
             <a:pathLst>
-              <a:path extrusionOk="0" h="120000" w="120000">
+              <a:path w="120000" h="120000" extrusionOk="0">
                 <a:moveTo>
                   <a:pt x="0" y="0"/>
                 </a:moveTo>
@@ -748,9 +815,11 @@
       <p:sp>
         <p:nvSpPr>
           <p:cNvPr id="52" name="Google Shape;52;p:notes"/>
-          <p:cNvSpPr txBox="1"/>
+          <p:cNvSpPr txBox="1">
+            <a:spLocks noGrp="1"/>
+          </p:cNvSpPr>
           <p:nvPr>
-            <p:ph idx="1" type="body"/>
+            <p:ph type="body" idx="1"/>
           </p:nvPr>
         </p:nvSpPr>
         <p:spPr>
@@ -763,12 +832,12 @@
           </a:prstGeom>
         </p:spPr>
         <p:txBody>
-          <a:bodyPr anchorCtr="0" anchor="t" bIns="91425" lIns="91425" spcFirstLastPara="1" rIns="91425" wrap="square" tIns="91425">
+          <a:bodyPr spcFirstLastPara="1" wrap="square" lIns="91425" tIns="91425" rIns="91425" bIns="91425" anchor="t" anchorCtr="0">
             <a:noAutofit/>
           </a:bodyPr>
           <a:lstStyle/>
           <a:p>
-            <a:pPr indent="0" lvl="0" marL="0" rtl="0" algn="l">
+            <a:pPr marL="0" lvl="0" indent="0" algn="l" rtl="0">
               <a:spcBef>
                 <a:spcPts val="0"/>
               </a:spcBef>
@@ -777,9 +846,6 @@
               </a:spcAft>
               <a:buNone/>
             </a:pPr>
-            <a:r>
-              <a:t/>
-            </a:r>
             <a:endParaRPr/>
           </a:p>
         </p:txBody>
@@ -793,11 +859,11 @@
 </file>
 
 <file path=ppt/notesSlides/notesSlide2.xml><?xml version="1.0" encoding="utf-8"?>
-<p:notes xmlns:a="http://schemas.openxmlformats.org/drawingml/2006/main" xmlns:r="http://schemas.openxmlformats.org/officeDocument/2006/relationships" xmlns:mc="http://schemas.openxmlformats.org/markup-compatibility/2006" xmlns:mv="urn:schemas-microsoft-com:mac:vml" xmlns:p="http://schemas.openxmlformats.org/presentationml/2006/main" xmlns:c="http://schemas.openxmlformats.org/drawingml/2006/chart" xmlns:dgm="http://schemas.openxmlformats.org/drawingml/2006/diagram" xmlns:o="urn:schemas-microsoft-com:office:office" xmlns:v="urn:schemas-microsoft-com:vml" xmlns:pvml="urn:schemas-microsoft-com:office:powerpoint" xmlns:com="http://schemas.openxmlformats.org/drawingml/2006/compatibility" xmlns:p14="http://schemas.microsoft.com/office/powerpoint/2010/main" xmlns:p15="http://schemas.microsoft.com/office/powerpoint/2012/main" showMasterPhAnim="0" showMasterSp="0">
+<p:notes xmlns:a="http://schemas.openxmlformats.org/drawingml/2006/main" xmlns:r="http://schemas.openxmlformats.org/officeDocument/2006/relationships" xmlns:p="http://schemas.openxmlformats.org/presentationml/2006/main" showMasterSp="0" showMasterPhAnim="0">
   <p:cSld>
     <p:spTree>
       <p:nvGrpSpPr>
-        <p:cNvPr id="58" name="Shape 58"/>
+        <p:cNvPr id="1" name="Shape 58"/>
         <p:cNvGrpSpPr/>
         <p:nvPr/>
       </p:nvGrpSpPr>
@@ -812,9 +878,11 @@
       <p:sp>
         <p:nvSpPr>
           <p:cNvPr id="59" name="Google Shape;59;g62f227e1c7_0_27:notes"/>
-          <p:cNvSpPr/>
+          <p:cNvSpPr>
+            <a:spLocks noGrp="1" noRot="1" noChangeAspect="1"/>
+          </p:cNvSpPr>
           <p:nvPr>
-            <p:ph idx="2" type="sldImg"/>
+            <p:ph type="sldImg" idx="2"/>
           </p:nvPr>
         </p:nvSpPr>
         <p:spPr>
@@ -823,9 +891,13 @@
             <a:ext cx="6096000" cy="3429000"/>
           </a:xfrm>
           <a:custGeom>
-            <a:rect b="b" l="l" r="r" t="t"/>
+            <a:avLst/>
+            <a:gdLst/>
+            <a:ahLst/>
+            <a:cxnLst/>
+            <a:rect l="l" t="t" r="r" b="b"/>
             <a:pathLst>
-              <a:path extrusionOk="0" h="120000" w="120000">
+              <a:path w="120000" h="120000" extrusionOk="0">
                 <a:moveTo>
                   <a:pt x="0" y="0"/>
                 </a:moveTo>
@@ -847,9 +919,11 @@
       <p:sp>
         <p:nvSpPr>
           <p:cNvPr id="60" name="Google Shape;60;g62f227e1c7_0_27:notes"/>
-          <p:cNvSpPr txBox="1"/>
+          <p:cNvSpPr txBox="1">
+            <a:spLocks noGrp="1"/>
+          </p:cNvSpPr>
           <p:nvPr>
-            <p:ph idx="1" type="body"/>
+            <p:ph type="body" idx="1"/>
           </p:nvPr>
         </p:nvSpPr>
         <p:spPr>
@@ -862,12 +936,12 @@
           </a:prstGeom>
         </p:spPr>
         <p:txBody>
-          <a:bodyPr anchorCtr="0" anchor="t" bIns="91425" lIns="91425" spcFirstLastPara="1" rIns="91425" wrap="square" tIns="91425">
+          <a:bodyPr spcFirstLastPara="1" wrap="square" lIns="91425" tIns="91425" rIns="91425" bIns="91425" anchor="t" anchorCtr="0">
             <a:noAutofit/>
           </a:bodyPr>
           <a:lstStyle/>
           <a:p>
-            <a:pPr indent="0" lvl="0" marL="0" rtl="0" algn="l">
+            <a:pPr marL="0" lvl="0" indent="0" algn="l" rtl="0">
               <a:spcBef>
                 <a:spcPts val="0"/>
               </a:spcBef>
@@ -876,9 +950,6 @@
               </a:spcAft>
               <a:buNone/>
             </a:pPr>
-            <a:r>
-              <a:t/>
-            </a:r>
             <a:endParaRPr/>
           </a:p>
         </p:txBody>
@@ -892,11 +963,11 @@
 </file>
 
 <file path=ppt/notesSlides/notesSlide3.xml><?xml version="1.0" encoding="utf-8"?>
-<p:notes xmlns:a="http://schemas.openxmlformats.org/drawingml/2006/main" xmlns:r="http://schemas.openxmlformats.org/officeDocument/2006/relationships" xmlns:mc="http://schemas.openxmlformats.org/markup-compatibility/2006" xmlns:mv="urn:schemas-microsoft-com:mac:vml" xmlns:p="http://schemas.openxmlformats.org/presentationml/2006/main" xmlns:c="http://schemas.openxmlformats.org/drawingml/2006/chart" xmlns:dgm="http://schemas.openxmlformats.org/drawingml/2006/diagram" xmlns:o="urn:schemas-microsoft-com:office:office" xmlns:v="urn:schemas-microsoft-com:vml" xmlns:pvml="urn:schemas-microsoft-com:office:powerpoint" xmlns:com="http://schemas.openxmlformats.org/drawingml/2006/compatibility" xmlns:p14="http://schemas.microsoft.com/office/powerpoint/2010/main" xmlns:p15="http://schemas.microsoft.com/office/powerpoint/2012/main" showMasterPhAnim="0" showMasterSp="0">
+<p:notes xmlns:a="http://schemas.openxmlformats.org/drawingml/2006/main" xmlns:r="http://schemas.openxmlformats.org/officeDocument/2006/relationships" xmlns:p="http://schemas.openxmlformats.org/presentationml/2006/main" showMasterSp="0" showMasterPhAnim="0">
   <p:cSld>
     <p:spTree>
       <p:nvGrpSpPr>
-        <p:cNvPr id="65" name="Shape 65"/>
+        <p:cNvPr id="1" name="Shape 65"/>
         <p:cNvGrpSpPr/>
         <p:nvPr/>
       </p:nvGrpSpPr>
@@ -911,9 +982,11 @@
       <p:sp>
         <p:nvSpPr>
           <p:cNvPr id="66" name="Google Shape;66;g62f227e1c7_0_0:notes"/>
-          <p:cNvSpPr/>
+          <p:cNvSpPr>
+            <a:spLocks noGrp="1" noRot="1" noChangeAspect="1"/>
+          </p:cNvSpPr>
           <p:nvPr>
-            <p:ph idx="2" type="sldImg"/>
+            <p:ph type="sldImg" idx="2"/>
           </p:nvPr>
         </p:nvSpPr>
         <p:spPr>
@@ -922,9 +995,13 @@
             <a:ext cx="6096000" cy="3429000"/>
           </a:xfrm>
           <a:custGeom>
-            <a:rect b="b" l="l" r="r" t="t"/>
+            <a:avLst/>
+            <a:gdLst/>
+            <a:ahLst/>
+            <a:cxnLst/>
+            <a:rect l="l" t="t" r="r" b="b"/>
             <a:pathLst>
-              <a:path extrusionOk="0" h="120000" w="120000">
+              <a:path w="120000" h="120000" extrusionOk="0">
                 <a:moveTo>
                   <a:pt x="0" y="0"/>
                 </a:moveTo>
@@ -946,9 +1023,11 @@
       <p:sp>
         <p:nvSpPr>
           <p:cNvPr id="67" name="Google Shape;67;g62f227e1c7_0_0:notes"/>
-          <p:cNvSpPr txBox="1"/>
+          <p:cNvSpPr txBox="1">
+            <a:spLocks noGrp="1"/>
+          </p:cNvSpPr>
           <p:nvPr>
-            <p:ph idx="1" type="body"/>
+            <p:ph type="body" idx="1"/>
           </p:nvPr>
         </p:nvSpPr>
         <p:spPr>
@@ -961,12 +1040,12 @@
           </a:prstGeom>
         </p:spPr>
         <p:txBody>
-          <a:bodyPr anchorCtr="0" anchor="t" bIns="91425" lIns="91425" spcFirstLastPara="1" rIns="91425" wrap="square" tIns="91425">
+          <a:bodyPr spcFirstLastPara="1" wrap="square" lIns="91425" tIns="91425" rIns="91425" bIns="91425" anchor="t" anchorCtr="0">
             <a:noAutofit/>
           </a:bodyPr>
           <a:lstStyle/>
           <a:p>
-            <a:pPr indent="0" lvl="0" marL="0" rtl="0" algn="l">
+            <a:pPr marL="0" lvl="0" indent="0" algn="l" rtl="0">
               <a:spcBef>
                 <a:spcPts val="0"/>
               </a:spcBef>
@@ -975,9 +1054,6 @@
               </a:spcAft>
               <a:buNone/>
             </a:pPr>
-            <a:r>
-              <a:t/>
-            </a:r>
             <a:endParaRPr/>
           </a:p>
         </p:txBody>
@@ -991,11 +1067,11 @@
 </file>
 
 <file path=ppt/notesSlides/notesSlide4.xml><?xml version="1.0" encoding="utf-8"?>
-<p:notes xmlns:a="http://schemas.openxmlformats.org/drawingml/2006/main" xmlns:r="http://schemas.openxmlformats.org/officeDocument/2006/relationships" xmlns:mc="http://schemas.openxmlformats.org/markup-compatibility/2006" xmlns:mv="urn:schemas-microsoft-com:mac:vml" xmlns:p="http://schemas.openxmlformats.org/presentationml/2006/main" xmlns:c="http://schemas.openxmlformats.org/drawingml/2006/chart" xmlns:dgm="http://schemas.openxmlformats.org/drawingml/2006/diagram" xmlns:o="urn:schemas-microsoft-com:office:office" xmlns:v="urn:schemas-microsoft-com:vml" xmlns:pvml="urn:schemas-microsoft-com:office:powerpoint" xmlns:com="http://schemas.openxmlformats.org/drawingml/2006/compatibility" xmlns:p14="http://schemas.microsoft.com/office/powerpoint/2010/main" xmlns:p15="http://schemas.microsoft.com/office/powerpoint/2012/main" showMasterPhAnim="0" showMasterSp="0">
+<p:notes xmlns:a="http://schemas.openxmlformats.org/drawingml/2006/main" xmlns:r="http://schemas.openxmlformats.org/officeDocument/2006/relationships" xmlns:p="http://schemas.openxmlformats.org/presentationml/2006/main" showMasterSp="0" showMasterPhAnim="0">
   <p:cSld>
     <p:spTree>
       <p:nvGrpSpPr>
-        <p:cNvPr id="73" name="Shape 73"/>
+        <p:cNvPr id="1" name="Shape 73"/>
         <p:cNvGrpSpPr/>
         <p:nvPr/>
       </p:nvGrpSpPr>
@@ -1010,9 +1086,11 @@
       <p:sp>
         <p:nvSpPr>
           <p:cNvPr id="74" name="Google Shape;74;g62f227e1c7_0_34:notes"/>
-          <p:cNvSpPr/>
+          <p:cNvSpPr>
+            <a:spLocks noGrp="1" noRot="1" noChangeAspect="1"/>
+          </p:cNvSpPr>
           <p:nvPr>
-            <p:ph idx="2" type="sldImg"/>
+            <p:ph type="sldImg" idx="2"/>
           </p:nvPr>
         </p:nvSpPr>
         <p:spPr>
@@ -1021,9 +1099,13 @@
             <a:ext cx="6096000" cy="3429000"/>
           </a:xfrm>
           <a:custGeom>
-            <a:rect b="b" l="l" r="r" t="t"/>
+            <a:avLst/>
+            <a:gdLst/>
+            <a:ahLst/>
+            <a:cxnLst/>
+            <a:rect l="l" t="t" r="r" b="b"/>
             <a:pathLst>
-              <a:path extrusionOk="0" h="120000" w="120000">
+              <a:path w="120000" h="120000" extrusionOk="0">
                 <a:moveTo>
                   <a:pt x="0" y="0"/>
                 </a:moveTo>
@@ -1045,9 +1127,11 @@
       <p:sp>
         <p:nvSpPr>
           <p:cNvPr id="75" name="Google Shape;75;g62f227e1c7_0_34:notes"/>
-          <p:cNvSpPr txBox="1"/>
+          <p:cNvSpPr txBox="1">
+            <a:spLocks noGrp="1"/>
+          </p:cNvSpPr>
           <p:nvPr>
-            <p:ph idx="1" type="body"/>
+            <p:ph type="body" idx="1"/>
           </p:nvPr>
         </p:nvSpPr>
         <p:spPr>
@@ -1060,12 +1144,12 @@
           </a:prstGeom>
         </p:spPr>
         <p:txBody>
-          <a:bodyPr anchorCtr="0" anchor="t" bIns="91425" lIns="91425" spcFirstLastPara="1" rIns="91425" wrap="square" tIns="91425">
+          <a:bodyPr spcFirstLastPara="1" wrap="square" lIns="91425" tIns="91425" rIns="91425" bIns="91425" anchor="t" anchorCtr="0">
             <a:noAutofit/>
           </a:bodyPr>
           <a:lstStyle/>
           <a:p>
-            <a:pPr indent="0" lvl="0" marL="0" rtl="0" algn="l">
+            <a:pPr marL="0" lvl="0" indent="0" algn="l" rtl="0">
               <a:spcBef>
                 <a:spcPts val="0"/>
               </a:spcBef>
@@ -1074,9 +1158,6 @@
               </a:spcAft>
               <a:buNone/>
             </a:pPr>
-            <a:r>
-              <a:t/>
-            </a:r>
             <a:endParaRPr/>
           </a:p>
         </p:txBody>
@@ -1090,11 +1171,11 @@
 </file>
 
 <file path=ppt/notesSlides/notesSlide5.xml><?xml version="1.0" encoding="utf-8"?>
-<p:notes xmlns:a="http://schemas.openxmlformats.org/drawingml/2006/main" xmlns:r="http://schemas.openxmlformats.org/officeDocument/2006/relationships" xmlns:mc="http://schemas.openxmlformats.org/markup-compatibility/2006" xmlns:mv="urn:schemas-microsoft-com:mac:vml" xmlns:p="http://schemas.openxmlformats.org/presentationml/2006/main" xmlns:c="http://schemas.openxmlformats.org/drawingml/2006/chart" xmlns:dgm="http://schemas.openxmlformats.org/drawingml/2006/diagram" xmlns:o="urn:schemas-microsoft-com:office:office" xmlns:v="urn:schemas-microsoft-com:vml" xmlns:pvml="urn:schemas-microsoft-com:office:powerpoint" xmlns:com="http://schemas.openxmlformats.org/drawingml/2006/compatibility" xmlns:p14="http://schemas.microsoft.com/office/powerpoint/2010/main" xmlns:p15="http://schemas.microsoft.com/office/powerpoint/2012/main" showMasterPhAnim="0" showMasterSp="0">
+<p:notes xmlns:a="http://schemas.openxmlformats.org/drawingml/2006/main" xmlns:r="http://schemas.openxmlformats.org/officeDocument/2006/relationships" xmlns:p="http://schemas.openxmlformats.org/presentationml/2006/main" showMasterSp="0" showMasterPhAnim="0">
   <p:cSld>
     <p:spTree>
       <p:nvGrpSpPr>
-        <p:cNvPr id="81" name="Shape 81"/>
+        <p:cNvPr id="1" name="Shape 81"/>
         <p:cNvGrpSpPr/>
         <p:nvPr/>
       </p:nvGrpSpPr>
@@ -1109,9 +1190,11 @@
       <p:sp>
         <p:nvSpPr>
           <p:cNvPr id="82" name="Google Shape;82;g62f227e1c7_0_42:notes"/>
-          <p:cNvSpPr/>
+          <p:cNvSpPr>
+            <a:spLocks noGrp="1" noRot="1" noChangeAspect="1"/>
+          </p:cNvSpPr>
           <p:nvPr>
-            <p:ph idx="2" type="sldImg"/>
+            <p:ph type="sldImg" idx="2"/>
           </p:nvPr>
         </p:nvSpPr>
         <p:spPr>
@@ -1120,9 +1203,13 @@
             <a:ext cx="6096000" cy="3429000"/>
           </a:xfrm>
           <a:custGeom>
-            <a:rect b="b" l="l" r="r" t="t"/>
+            <a:avLst/>
+            <a:gdLst/>
+            <a:ahLst/>
+            <a:cxnLst/>
+            <a:rect l="l" t="t" r="r" b="b"/>
             <a:pathLst>
-              <a:path extrusionOk="0" h="120000" w="120000">
+              <a:path w="120000" h="120000" extrusionOk="0">
                 <a:moveTo>
                   <a:pt x="0" y="0"/>
                 </a:moveTo>
@@ -1144,9 +1231,11 @@
       <p:sp>
         <p:nvSpPr>
           <p:cNvPr id="83" name="Google Shape;83;g62f227e1c7_0_42:notes"/>
-          <p:cNvSpPr txBox="1"/>
+          <p:cNvSpPr txBox="1">
+            <a:spLocks noGrp="1"/>
+          </p:cNvSpPr>
           <p:nvPr>
-            <p:ph idx="1" type="body"/>
+            <p:ph type="body" idx="1"/>
           </p:nvPr>
         </p:nvSpPr>
         <p:spPr>
@@ -1159,12 +1248,12 @@
           </a:prstGeom>
         </p:spPr>
         <p:txBody>
-          <a:bodyPr anchorCtr="0" anchor="t" bIns="91425" lIns="91425" spcFirstLastPara="1" rIns="91425" wrap="square" tIns="91425">
+          <a:bodyPr spcFirstLastPara="1" wrap="square" lIns="91425" tIns="91425" rIns="91425" bIns="91425" anchor="t" anchorCtr="0">
             <a:noAutofit/>
           </a:bodyPr>
           <a:lstStyle/>
           <a:p>
-            <a:pPr indent="0" lvl="0" marL="0" rtl="0" algn="l">
+            <a:pPr marL="0" lvl="0" indent="0" algn="l" rtl="0">
               <a:spcBef>
                 <a:spcPts val="0"/>
               </a:spcBef>
@@ -1173,9 +1262,6 @@
               </a:spcAft>
               <a:buNone/>
             </a:pPr>
-            <a:r>
-              <a:t/>
-            </a:r>
             <a:endParaRPr/>
           </a:p>
         </p:txBody>
@@ -1189,11 +1275,11 @@
 </file>
 
 <file path=ppt/notesSlides/notesSlide6.xml><?xml version="1.0" encoding="utf-8"?>
-<p:notes xmlns:a="http://schemas.openxmlformats.org/drawingml/2006/main" xmlns:r="http://schemas.openxmlformats.org/officeDocument/2006/relationships" xmlns:mc="http://schemas.openxmlformats.org/markup-compatibility/2006" xmlns:mv="urn:schemas-microsoft-com:mac:vml" xmlns:p="http://schemas.openxmlformats.org/presentationml/2006/main" xmlns:c="http://schemas.openxmlformats.org/drawingml/2006/chart" xmlns:dgm="http://schemas.openxmlformats.org/drawingml/2006/diagram" xmlns:o="urn:schemas-microsoft-com:office:office" xmlns:v="urn:schemas-microsoft-com:vml" xmlns:pvml="urn:schemas-microsoft-com:office:powerpoint" xmlns:com="http://schemas.openxmlformats.org/drawingml/2006/compatibility" xmlns:p14="http://schemas.microsoft.com/office/powerpoint/2010/main" xmlns:p15="http://schemas.microsoft.com/office/powerpoint/2012/main" showMasterPhAnim="0" showMasterSp="0">
+<p:notes xmlns:a="http://schemas.openxmlformats.org/drawingml/2006/main" xmlns:r="http://schemas.openxmlformats.org/officeDocument/2006/relationships" xmlns:p="http://schemas.openxmlformats.org/presentationml/2006/main" showMasterSp="0" showMasterPhAnim="0">
   <p:cSld>
     <p:spTree>
       <p:nvGrpSpPr>
-        <p:cNvPr id="89" name="Shape 89"/>
+        <p:cNvPr id="1" name="Shape 89"/>
         <p:cNvGrpSpPr/>
         <p:nvPr/>
       </p:nvGrpSpPr>
@@ -1208,9 +1294,11 @@
       <p:sp>
         <p:nvSpPr>
           <p:cNvPr id="90" name="Google Shape;90;g62f227e1c7_0_50:notes"/>
-          <p:cNvSpPr/>
+          <p:cNvSpPr>
+            <a:spLocks noGrp="1" noRot="1" noChangeAspect="1"/>
+          </p:cNvSpPr>
           <p:nvPr>
-            <p:ph idx="2" type="sldImg"/>
+            <p:ph type="sldImg" idx="2"/>
           </p:nvPr>
         </p:nvSpPr>
         <p:spPr>
@@ -1219,9 +1307,13 @@
             <a:ext cx="6096000" cy="3429000"/>
           </a:xfrm>
           <a:custGeom>
-            <a:rect b="b" l="l" r="r" t="t"/>
+            <a:avLst/>
+            <a:gdLst/>
+            <a:ahLst/>
+            <a:cxnLst/>
+            <a:rect l="l" t="t" r="r" b="b"/>
             <a:pathLst>
-              <a:path extrusionOk="0" h="120000" w="120000">
+              <a:path w="120000" h="120000" extrusionOk="0">
                 <a:moveTo>
                   <a:pt x="0" y="0"/>
                 </a:moveTo>
@@ -1243,9 +1335,11 @@
       <p:sp>
         <p:nvSpPr>
           <p:cNvPr id="91" name="Google Shape;91;g62f227e1c7_0_50:notes"/>
-          <p:cNvSpPr txBox="1"/>
+          <p:cNvSpPr txBox="1">
+            <a:spLocks noGrp="1"/>
+          </p:cNvSpPr>
           <p:nvPr>
-            <p:ph idx="1" type="body"/>
+            <p:ph type="body" idx="1"/>
           </p:nvPr>
         </p:nvSpPr>
         <p:spPr>
@@ -1258,12 +1352,12 @@
           </a:prstGeom>
         </p:spPr>
         <p:txBody>
-          <a:bodyPr anchorCtr="0" anchor="t" bIns="91425" lIns="91425" spcFirstLastPara="1" rIns="91425" wrap="square" tIns="91425">
+          <a:bodyPr spcFirstLastPara="1" wrap="square" lIns="91425" tIns="91425" rIns="91425" bIns="91425" anchor="t" anchorCtr="0">
             <a:noAutofit/>
           </a:bodyPr>
           <a:lstStyle/>
           <a:p>
-            <a:pPr indent="0" lvl="0" marL="0" rtl="0" algn="l">
+            <a:pPr marL="0" lvl="0" indent="0" algn="l" rtl="0">
               <a:spcBef>
                 <a:spcPts val="0"/>
               </a:spcBef>
@@ -1272,9 +1366,6 @@
               </a:spcAft>
               <a:buNone/>
             </a:pPr>
-            <a:r>
-              <a:t/>
-            </a:r>
             <a:endParaRPr/>
           </a:p>
         </p:txBody>
@@ -1288,11 +1379,11 @@
 </file>
 
 <file path=ppt/notesSlides/notesSlide7.xml><?xml version="1.0" encoding="utf-8"?>
-<p:notes xmlns:a="http://schemas.openxmlformats.org/drawingml/2006/main" xmlns:r="http://schemas.openxmlformats.org/officeDocument/2006/relationships" xmlns:mc="http://schemas.openxmlformats.org/markup-compatibility/2006" xmlns:mv="urn:schemas-microsoft-com:mac:vml" xmlns:p="http://schemas.openxmlformats.org/presentationml/2006/main" xmlns:c="http://schemas.openxmlformats.org/drawingml/2006/chart" xmlns:dgm="http://schemas.openxmlformats.org/drawingml/2006/diagram" xmlns:o="urn:schemas-microsoft-com:office:office" xmlns:v="urn:schemas-microsoft-com:vml" xmlns:pvml="urn:schemas-microsoft-com:office:powerpoint" xmlns:com="http://schemas.openxmlformats.org/drawingml/2006/compatibility" xmlns:p14="http://schemas.microsoft.com/office/powerpoint/2010/main" xmlns:p15="http://schemas.microsoft.com/office/powerpoint/2012/main" showMasterPhAnim="0" showMasterSp="0">
+<p:notes xmlns:a="http://schemas.openxmlformats.org/drawingml/2006/main" xmlns:r="http://schemas.openxmlformats.org/officeDocument/2006/relationships" xmlns:p="http://schemas.openxmlformats.org/presentationml/2006/main" showMasterSp="0" showMasterPhAnim="0">
   <p:cSld>
     <p:spTree>
       <p:nvGrpSpPr>
-        <p:cNvPr id="98" name="Shape 98"/>
+        <p:cNvPr id="1" name="Shape 98"/>
         <p:cNvGrpSpPr/>
         <p:nvPr/>
       </p:nvGrpSpPr>
@@ -1307,9 +1398,11 @@
       <p:sp>
         <p:nvSpPr>
           <p:cNvPr id="99" name="Google Shape;99;g62f227e1c7_0_61:notes"/>
-          <p:cNvSpPr/>
+          <p:cNvSpPr>
+            <a:spLocks noGrp="1" noRot="1" noChangeAspect="1"/>
+          </p:cNvSpPr>
           <p:nvPr>
-            <p:ph idx="2" type="sldImg"/>
+            <p:ph type="sldImg" idx="2"/>
           </p:nvPr>
         </p:nvSpPr>
         <p:spPr>
@@ -1318,9 +1411,13 @@
             <a:ext cx="6096000" cy="3429000"/>
           </a:xfrm>
           <a:custGeom>
-            <a:rect b="b" l="l" r="r" t="t"/>
+            <a:avLst/>
+            <a:gdLst/>
+            <a:ahLst/>
+            <a:cxnLst/>
+            <a:rect l="l" t="t" r="r" b="b"/>
             <a:pathLst>
-              <a:path extrusionOk="0" h="120000" w="120000">
+              <a:path w="120000" h="120000" extrusionOk="0">
                 <a:moveTo>
                   <a:pt x="0" y="0"/>
                 </a:moveTo>
@@ -1342,9 +1439,11 @@
       <p:sp>
         <p:nvSpPr>
           <p:cNvPr id="100" name="Google Shape;100;g62f227e1c7_0_61:notes"/>
-          <p:cNvSpPr txBox="1"/>
+          <p:cNvSpPr txBox="1">
+            <a:spLocks noGrp="1"/>
+          </p:cNvSpPr>
           <p:nvPr>
-            <p:ph idx="1" type="body"/>
+            <p:ph type="body" idx="1"/>
           </p:nvPr>
         </p:nvSpPr>
         <p:spPr>
@@ -1357,12 +1456,12 @@
           </a:prstGeom>
         </p:spPr>
         <p:txBody>
-          <a:bodyPr anchorCtr="0" anchor="t" bIns="91425" lIns="91425" spcFirstLastPara="1" rIns="91425" wrap="square" tIns="91425">
+          <a:bodyPr spcFirstLastPara="1" wrap="square" lIns="91425" tIns="91425" rIns="91425" bIns="91425" anchor="t" anchorCtr="0">
             <a:noAutofit/>
           </a:bodyPr>
           <a:lstStyle/>
           <a:p>
-            <a:pPr indent="0" lvl="0" marL="0" rtl="0" algn="l">
+            <a:pPr marL="0" lvl="0" indent="0" algn="l" rtl="0">
               <a:spcBef>
                 <a:spcPts val="0"/>
               </a:spcBef>
@@ -1371,9 +1470,6 @@
               </a:spcAft>
               <a:buNone/>
             </a:pPr>
-            <a:r>
-              <a:t/>
-            </a:r>
             <a:endParaRPr/>
           </a:p>
         </p:txBody>
@@ -1387,11 +1483,11 @@
 </file>
 
 <file path=ppt/notesSlides/notesSlide8.xml><?xml version="1.0" encoding="utf-8"?>
-<p:notes xmlns:a="http://schemas.openxmlformats.org/drawingml/2006/main" xmlns:r="http://schemas.openxmlformats.org/officeDocument/2006/relationships" xmlns:mc="http://schemas.openxmlformats.org/markup-compatibility/2006" xmlns:mv="urn:schemas-microsoft-com:mac:vml" xmlns:p="http://schemas.openxmlformats.org/presentationml/2006/main" xmlns:c="http://schemas.openxmlformats.org/drawingml/2006/chart" xmlns:dgm="http://schemas.openxmlformats.org/drawingml/2006/diagram" xmlns:o="urn:schemas-microsoft-com:office:office" xmlns:v="urn:schemas-microsoft-com:vml" xmlns:pvml="urn:schemas-microsoft-com:office:powerpoint" xmlns:com="http://schemas.openxmlformats.org/drawingml/2006/compatibility" xmlns:p14="http://schemas.microsoft.com/office/powerpoint/2010/main" xmlns:p15="http://schemas.microsoft.com/office/powerpoint/2012/main" showMasterPhAnim="0" showMasterSp="0">
+<p:notes xmlns:a="http://schemas.openxmlformats.org/drawingml/2006/main" xmlns:r="http://schemas.openxmlformats.org/officeDocument/2006/relationships" xmlns:p="http://schemas.openxmlformats.org/presentationml/2006/main" showMasterSp="0" showMasterPhAnim="0">
   <p:cSld>
     <p:spTree>
       <p:nvGrpSpPr>
-        <p:cNvPr id="106" name="Shape 106"/>
+        <p:cNvPr id="1" name="Shape 106"/>
         <p:cNvGrpSpPr/>
         <p:nvPr/>
       </p:nvGrpSpPr>
@@ -1406,9 +1502,11 @@
       <p:sp>
         <p:nvSpPr>
           <p:cNvPr id="107" name="Google Shape;107;g62f227e1c7_0_70:notes"/>
-          <p:cNvSpPr/>
+          <p:cNvSpPr>
+            <a:spLocks noGrp="1" noRot="1" noChangeAspect="1"/>
+          </p:cNvSpPr>
           <p:nvPr>
-            <p:ph idx="2" type="sldImg"/>
+            <p:ph type="sldImg" idx="2"/>
           </p:nvPr>
         </p:nvSpPr>
         <p:spPr>
@@ -1417,9 +1515,13 @@
             <a:ext cx="6096000" cy="3429000"/>
           </a:xfrm>
           <a:custGeom>
-            <a:rect b="b" l="l" r="r" t="t"/>
+            <a:avLst/>
+            <a:gdLst/>
+            <a:ahLst/>
+            <a:cxnLst/>
+            <a:rect l="l" t="t" r="r" b="b"/>
             <a:pathLst>
-              <a:path extrusionOk="0" h="120000" w="120000">
+              <a:path w="120000" h="120000" extrusionOk="0">
                 <a:moveTo>
                   <a:pt x="0" y="0"/>
                 </a:moveTo>
@@ -1441,9 +1543,11 @@
       <p:sp>
         <p:nvSpPr>
           <p:cNvPr id="108" name="Google Shape;108;g62f227e1c7_0_70:notes"/>
-          <p:cNvSpPr txBox="1"/>
+          <p:cNvSpPr txBox="1">
+            <a:spLocks noGrp="1"/>
+          </p:cNvSpPr>
           <p:nvPr>
-            <p:ph idx="1" type="body"/>
+            <p:ph type="body" idx="1"/>
           </p:nvPr>
         </p:nvSpPr>
         <p:spPr>
@@ -1456,12 +1560,12 @@
           </a:prstGeom>
         </p:spPr>
         <p:txBody>
-          <a:bodyPr anchorCtr="0" anchor="t" bIns="91425" lIns="91425" spcFirstLastPara="1" rIns="91425" wrap="square" tIns="91425">
+          <a:bodyPr spcFirstLastPara="1" wrap="square" lIns="91425" tIns="91425" rIns="91425" bIns="91425" anchor="t" anchorCtr="0">
             <a:noAutofit/>
           </a:bodyPr>
           <a:lstStyle/>
           <a:p>
-            <a:pPr indent="0" lvl="0" marL="0" rtl="0" algn="l">
+            <a:pPr marL="0" lvl="0" indent="0" algn="l" rtl="0">
               <a:spcBef>
                 <a:spcPts val="0"/>
               </a:spcBef>
@@ -1470,9 +1574,6 @@
               </a:spcAft>
               <a:buNone/>
             </a:pPr>
-            <a:r>
-              <a:t/>
-            </a:r>
             <a:endParaRPr/>
           </a:p>
         </p:txBody>
@@ -1485,12 +1586,121 @@
 </p:notes>
 </file>
 
+<file path=ppt/notesSlides/notesSlide9.xml><?xml version="1.0" encoding="utf-8"?>
+<p:notes xmlns:a="http://schemas.openxmlformats.org/drawingml/2006/main" xmlns:r="http://schemas.openxmlformats.org/officeDocument/2006/relationships" xmlns:p="http://schemas.openxmlformats.org/presentationml/2006/main" showMasterSp="0" showMasterPhAnim="0">
+  <p:cSld>
+    <p:spTree>
+      <p:nvGrpSpPr>
+        <p:cNvPr id="1" name="Shape 106"/>
+        <p:cNvGrpSpPr/>
+        <p:nvPr/>
+      </p:nvGrpSpPr>
+      <p:grpSpPr>
+        <a:xfrm>
+          <a:off x="0" y="0"/>
+          <a:ext cx="0" cy="0"/>
+          <a:chOff x="0" y="0"/>
+          <a:chExt cx="0" cy="0"/>
+        </a:xfrm>
+      </p:grpSpPr>
+      <p:sp>
+        <p:nvSpPr>
+          <p:cNvPr id="107" name="Google Shape;107;g62f227e1c7_0_70:notes"/>
+          <p:cNvSpPr>
+            <a:spLocks noGrp="1" noRot="1" noChangeAspect="1"/>
+          </p:cNvSpPr>
+          <p:nvPr>
+            <p:ph type="sldImg" idx="2"/>
+          </p:nvPr>
+        </p:nvSpPr>
+        <p:spPr>
+          <a:xfrm>
+            <a:off x="381000" y="685800"/>
+            <a:ext cx="6096000" cy="3429000"/>
+          </a:xfrm>
+          <a:custGeom>
+            <a:avLst/>
+            <a:gdLst/>
+            <a:ahLst/>
+            <a:cxnLst/>
+            <a:rect l="l" t="t" r="r" b="b"/>
+            <a:pathLst>
+              <a:path w="120000" h="120000" extrusionOk="0">
+                <a:moveTo>
+                  <a:pt x="0" y="0"/>
+                </a:moveTo>
+                <a:lnTo>
+                  <a:pt x="120000" y="0"/>
+                </a:lnTo>
+                <a:lnTo>
+                  <a:pt x="120000" y="120000"/>
+                </a:lnTo>
+                <a:lnTo>
+                  <a:pt x="0" y="120000"/>
+                </a:lnTo>
+                <a:close/>
+              </a:path>
+            </a:pathLst>
+          </a:custGeom>
+        </p:spPr>
+      </p:sp>
+      <p:sp>
+        <p:nvSpPr>
+          <p:cNvPr id="108" name="Google Shape;108;g62f227e1c7_0_70:notes"/>
+          <p:cNvSpPr txBox="1">
+            <a:spLocks noGrp="1"/>
+          </p:cNvSpPr>
+          <p:nvPr>
+            <p:ph type="body" idx="1"/>
+          </p:nvPr>
+        </p:nvSpPr>
+        <p:spPr>
+          <a:xfrm>
+            <a:off x="685800" y="4343400"/>
+            <a:ext cx="5486400" cy="4114800"/>
+          </a:xfrm>
+          <a:prstGeom prst="rect">
+            <a:avLst/>
+          </a:prstGeom>
+        </p:spPr>
+        <p:txBody>
+          <a:bodyPr spcFirstLastPara="1" wrap="square" lIns="91425" tIns="91425" rIns="91425" bIns="91425" anchor="t" anchorCtr="0">
+            <a:noAutofit/>
+          </a:bodyPr>
+          <a:lstStyle/>
+          <a:p>
+            <a:pPr marL="0" lvl="0" indent="0" algn="l" rtl="0">
+              <a:spcBef>
+                <a:spcPts val="0"/>
+              </a:spcBef>
+              <a:spcAft>
+                <a:spcPts val="0"/>
+              </a:spcAft>
+              <a:buNone/>
+            </a:pPr>
+            <a:endParaRPr/>
+          </a:p>
+        </p:txBody>
+      </p:sp>
+    </p:spTree>
+    <p:extLst>
+      <p:ext uri="{BB962C8B-B14F-4D97-AF65-F5344CB8AC3E}">
+        <p14:creationId xmlns:p14="http://schemas.microsoft.com/office/powerpoint/2010/main" val="255514270"/>
+      </p:ext>
+    </p:extLst>
+  </p:cSld>
+  <p:clrMapOvr>
+    <a:masterClrMapping/>
+  </p:clrMapOvr>
+</p:notes>
+</file>
+
 <file path=ppt/slideLayouts/slideLayout1.xml><?xml version="1.0" encoding="utf-8"?>
-<p:sldLayout xmlns:a="http://schemas.openxmlformats.org/drawingml/2006/main" xmlns:r="http://schemas.openxmlformats.org/officeDocument/2006/relationships" xmlns:mc="http://schemas.openxmlformats.org/markup-compatibility/2006" xmlns:mv="urn:schemas-microsoft-com:mac:vml" xmlns:p="http://schemas.openxmlformats.org/presentationml/2006/main" xmlns:c="http://schemas.openxmlformats.org/drawingml/2006/chart" xmlns:dgm="http://schemas.openxmlformats.org/drawingml/2006/diagram" xmlns:o="urn:schemas-microsoft-com:office:office" xmlns:v="urn:schemas-microsoft-com:vml" xmlns:pvml="urn:schemas-microsoft-com:office:powerpoint" xmlns:com="http://schemas.openxmlformats.org/drawingml/2006/compatibility" xmlns:p14="http://schemas.microsoft.com/office/powerpoint/2010/main" xmlns:p15="http://schemas.microsoft.com/office/powerpoint/2012/main" matchingName="Title slide" type="title">
+<p:sldLayout xmlns:a="http://schemas.openxmlformats.org/drawingml/2006/main" xmlns:r="http://schemas.openxmlformats.org/officeDocument/2006/relationships" xmlns:p="http://schemas.openxmlformats.org/presentationml/2006/main" matchingName="Title slide" type="title">
   <p:cSld name="TITLE">
     <p:spTree>
       <p:nvGrpSpPr>
-        <p:cNvPr id="9" name="Shape 9"/>
+        <p:cNvPr id="1" name="Shape 9"/>
         <p:cNvGrpSpPr/>
         <p:nvPr/>
       </p:nvGrpSpPr>
@@ -1505,7 +1715,9 @@
       <p:sp>
         <p:nvSpPr>
           <p:cNvPr id="10" name="Google Shape;10;p2"/>
-          <p:cNvSpPr txBox="1"/>
+          <p:cNvSpPr txBox="1">
+            <a:spLocks noGrp="1"/>
+          </p:cNvSpPr>
           <p:nvPr>
             <p:ph type="ctrTitle"/>
           </p:nvPr>
@@ -1520,7 +1732,7 @@
           </a:prstGeom>
         </p:spPr>
         <p:txBody>
-          <a:bodyPr anchorCtr="0" anchor="b" bIns="91425" lIns="91425" spcFirstLastPara="1" rIns="91425" wrap="square" tIns="91425">
+          <a:bodyPr spcFirstLastPara="1" wrap="square" lIns="91425" tIns="91425" rIns="91425" bIns="91425" anchor="b" anchorCtr="0">
             <a:noAutofit/>
           </a:bodyPr>
           <a:lstStyle>
@@ -1624,15 +1836,19 @@
               <a:defRPr sz="5200"/>
             </a:lvl9pPr>
           </a:lstStyle>
-          <a:p/>
+          <a:p>
+            <a:endParaRPr/>
+          </a:p>
         </p:txBody>
       </p:sp>
       <p:sp>
         <p:nvSpPr>
           <p:cNvPr id="11" name="Google Shape;11;p2"/>
-          <p:cNvSpPr txBox="1"/>
+          <p:cNvSpPr txBox="1">
+            <a:spLocks noGrp="1"/>
+          </p:cNvSpPr>
           <p:nvPr>
-            <p:ph idx="1" type="subTitle"/>
+            <p:ph type="subTitle" idx="1"/>
           </p:nvPr>
         </p:nvSpPr>
         <p:spPr>
@@ -1645,7 +1861,7 @@
           </a:prstGeom>
         </p:spPr>
         <p:txBody>
-          <a:bodyPr anchorCtr="0" anchor="t" bIns="91425" lIns="91425" spcFirstLastPara="1" rIns="91425" wrap="square" tIns="91425">
+          <a:bodyPr spcFirstLastPara="1" wrap="square" lIns="91425" tIns="91425" rIns="91425" bIns="91425" anchor="t" anchorCtr="0">
             <a:noAutofit/>
           </a:bodyPr>
           <a:lstStyle>
@@ -1776,15 +1992,19 @@
               <a:defRPr sz="2800"/>
             </a:lvl9pPr>
           </a:lstStyle>
-          <a:p/>
+          <a:p>
+            <a:endParaRPr/>
+          </a:p>
         </p:txBody>
       </p:sp>
       <p:sp>
         <p:nvSpPr>
           <p:cNvPr id="12" name="Google Shape;12;p2"/>
-          <p:cNvSpPr txBox="1"/>
+          <p:cNvSpPr txBox="1">
+            <a:spLocks noGrp="1"/>
+          </p:cNvSpPr>
           <p:nvPr>
-            <p:ph idx="12" type="sldNum"/>
+            <p:ph type="sldNum" idx="12"/>
           </p:nvPr>
         </p:nvSpPr>
         <p:spPr>
@@ -1797,7 +2017,7 @@
           </a:prstGeom>
         </p:spPr>
         <p:txBody>
-          <a:bodyPr anchorCtr="0" anchor="ctr" bIns="91425" lIns="91425" spcFirstLastPara="1" rIns="91425" wrap="square" tIns="91425">
+          <a:bodyPr spcFirstLastPara="1" wrap="square" lIns="91425" tIns="91425" rIns="91425" bIns="91425" anchor="ctr" anchorCtr="0">
             <a:noAutofit/>
           </a:bodyPr>
           <a:lstStyle>
@@ -1839,7 +2059,7 @@
             </a:lvl9pPr>
           </a:lstStyle>
           <a:p>
-            <a:pPr indent="0" lvl="0" marL="0" rtl="0" algn="r">
+            <a:pPr marL="0" lvl="0" indent="0" algn="r" rtl="0">
               <a:spcBef>
                 <a:spcPts val="0"/>
               </a:spcBef>
@@ -1865,11 +2085,11 @@
 </file>
 
 <file path=ppt/slideLayouts/slideLayout10.xml><?xml version="1.0" encoding="utf-8"?>
-<p:sldLayout xmlns:a="http://schemas.openxmlformats.org/drawingml/2006/main" xmlns:r="http://schemas.openxmlformats.org/officeDocument/2006/relationships" xmlns:mc="http://schemas.openxmlformats.org/markup-compatibility/2006" xmlns:mv="urn:schemas-microsoft-com:mac:vml" xmlns:p="http://schemas.openxmlformats.org/presentationml/2006/main" xmlns:c="http://schemas.openxmlformats.org/drawingml/2006/chart" xmlns:dgm="http://schemas.openxmlformats.org/drawingml/2006/diagram" xmlns:o="urn:schemas-microsoft-com:office:office" xmlns:v="urn:schemas-microsoft-com:vml" xmlns:pvml="urn:schemas-microsoft-com:office:powerpoint" xmlns:com="http://schemas.openxmlformats.org/drawingml/2006/compatibility" xmlns:p14="http://schemas.microsoft.com/office/powerpoint/2010/main" xmlns:p15="http://schemas.microsoft.com/office/powerpoint/2012/main" matchingName="Big number">
+<p:sldLayout xmlns:a="http://schemas.openxmlformats.org/drawingml/2006/main" xmlns:r="http://schemas.openxmlformats.org/officeDocument/2006/relationships" xmlns:p="http://schemas.openxmlformats.org/presentationml/2006/main" matchingName="Big number">
   <p:cSld name="BIG_NUMBER">
     <p:spTree>
       <p:nvGrpSpPr>
-        <p:cNvPr id="44" name="Shape 44"/>
+        <p:cNvPr id="1" name="Shape 44"/>
         <p:cNvGrpSpPr/>
         <p:nvPr/>
       </p:nvGrpSpPr>
@@ -1884,9 +2104,11 @@
       <p:sp>
         <p:nvSpPr>
           <p:cNvPr id="45" name="Google Shape;45;p11"/>
-          <p:cNvSpPr txBox="1"/>
+          <p:cNvSpPr txBox="1">
+            <a:spLocks noGrp="1"/>
+          </p:cNvSpPr>
           <p:nvPr>
-            <p:ph hasCustomPrompt="1" type="title"/>
+            <p:ph type="title" hasCustomPrompt="1"/>
           </p:nvPr>
         </p:nvSpPr>
         <p:spPr>
@@ -1899,7 +2121,7 @@
           </a:prstGeom>
         </p:spPr>
         <p:txBody>
-          <a:bodyPr anchorCtr="0" anchor="b" bIns="91425" lIns="91425" spcFirstLastPara="1" rIns="91425" wrap="square" tIns="91425">
+          <a:bodyPr spcFirstLastPara="1" wrap="square" lIns="91425" tIns="91425" rIns="91425" bIns="91425" anchor="b" anchorCtr="0">
             <a:noAutofit/>
           </a:bodyPr>
           <a:lstStyle>
@@ -2013,9 +2235,11 @@
       <p:sp>
         <p:nvSpPr>
           <p:cNvPr id="46" name="Google Shape;46;p11"/>
-          <p:cNvSpPr txBox="1"/>
+          <p:cNvSpPr txBox="1">
+            <a:spLocks noGrp="1"/>
+          </p:cNvSpPr>
           <p:nvPr>
-            <p:ph idx="1" type="body"/>
+            <p:ph type="body" idx="1"/>
           </p:nvPr>
         </p:nvSpPr>
         <p:spPr>
@@ -2028,11 +2252,11 @@
           </a:prstGeom>
         </p:spPr>
         <p:txBody>
-          <a:bodyPr anchorCtr="0" anchor="t" bIns="91425" lIns="91425" spcFirstLastPara="1" rIns="91425" wrap="square" tIns="91425">
+          <a:bodyPr spcFirstLastPara="1" wrap="square" lIns="91425" tIns="91425" rIns="91425" bIns="91425" anchor="t" anchorCtr="0">
             <a:noAutofit/>
           </a:bodyPr>
           <a:lstStyle>
-            <a:lvl1pPr indent="-342900" lvl="0" marL="457200" algn="ctr">
+            <a:lvl1pPr marL="457200" lvl="0" indent="-342900" algn="ctr">
               <a:spcBef>
                 <a:spcPts val="0"/>
               </a:spcBef>
@@ -2043,7 +2267,7 @@
               <a:buChar char="●"/>
               <a:defRPr/>
             </a:lvl1pPr>
-            <a:lvl2pPr indent="-317500" lvl="1" marL="914400" algn="ctr">
+            <a:lvl2pPr marL="914400" lvl="1" indent="-317500" algn="ctr">
               <a:spcBef>
                 <a:spcPts val="1600"/>
               </a:spcBef>
@@ -2054,7 +2278,7 @@
               <a:buChar char="○"/>
               <a:defRPr/>
             </a:lvl2pPr>
-            <a:lvl3pPr indent="-317500" lvl="2" marL="1371600" algn="ctr">
+            <a:lvl3pPr marL="1371600" lvl="2" indent="-317500" algn="ctr">
               <a:spcBef>
                 <a:spcPts val="1600"/>
               </a:spcBef>
@@ -2065,7 +2289,7 @@
               <a:buChar char="■"/>
               <a:defRPr/>
             </a:lvl3pPr>
-            <a:lvl4pPr indent="-317500" lvl="3" marL="1828800" algn="ctr">
+            <a:lvl4pPr marL="1828800" lvl="3" indent="-317500" algn="ctr">
               <a:spcBef>
                 <a:spcPts val="1600"/>
               </a:spcBef>
@@ -2076,7 +2300,7 @@
               <a:buChar char="●"/>
               <a:defRPr/>
             </a:lvl4pPr>
-            <a:lvl5pPr indent="-317500" lvl="4" marL="2286000" algn="ctr">
+            <a:lvl5pPr marL="2286000" lvl="4" indent="-317500" algn="ctr">
               <a:spcBef>
                 <a:spcPts val="1600"/>
               </a:spcBef>
@@ -2087,7 +2311,7 @@
               <a:buChar char="○"/>
               <a:defRPr/>
             </a:lvl5pPr>
-            <a:lvl6pPr indent="-317500" lvl="5" marL="2743200" algn="ctr">
+            <a:lvl6pPr marL="2743200" lvl="5" indent="-317500" algn="ctr">
               <a:spcBef>
                 <a:spcPts val="1600"/>
               </a:spcBef>
@@ -2098,7 +2322,7 @@
               <a:buChar char="■"/>
               <a:defRPr/>
             </a:lvl6pPr>
-            <a:lvl7pPr indent="-317500" lvl="6" marL="3200400" algn="ctr">
+            <a:lvl7pPr marL="3200400" lvl="6" indent="-317500" algn="ctr">
               <a:spcBef>
                 <a:spcPts val="1600"/>
               </a:spcBef>
@@ -2109,7 +2333,7 @@
               <a:buChar char="●"/>
               <a:defRPr/>
             </a:lvl7pPr>
-            <a:lvl8pPr indent="-317500" lvl="7" marL="3657600" algn="ctr">
+            <a:lvl8pPr marL="3657600" lvl="7" indent="-317500" algn="ctr">
               <a:spcBef>
                 <a:spcPts val="1600"/>
               </a:spcBef>
@@ -2120,7 +2344,7 @@
               <a:buChar char="○"/>
               <a:defRPr/>
             </a:lvl8pPr>
-            <a:lvl9pPr indent="-317500" lvl="8" marL="4114800" algn="ctr">
+            <a:lvl9pPr marL="4114800" lvl="8" indent="-317500" algn="ctr">
               <a:spcBef>
                 <a:spcPts val="1600"/>
               </a:spcBef>
@@ -2132,15 +2356,19 @@
               <a:defRPr/>
             </a:lvl9pPr>
           </a:lstStyle>
-          <a:p/>
+          <a:p>
+            <a:endParaRPr/>
+          </a:p>
         </p:txBody>
       </p:sp>
       <p:sp>
         <p:nvSpPr>
           <p:cNvPr id="47" name="Google Shape;47;p11"/>
-          <p:cNvSpPr txBox="1"/>
+          <p:cNvSpPr txBox="1">
+            <a:spLocks noGrp="1"/>
+          </p:cNvSpPr>
           <p:nvPr>
-            <p:ph idx="12" type="sldNum"/>
+            <p:ph type="sldNum" idx="12"/>
           </p:nvPr>
         </p:nvSpPr>
         <p:spPr>
@@ -2153,7 +2381,7 @@
           </a:prstGeom>
         </p:spPr>
         <p:txBody>
-          <a:bodyPr anchorCtr="0" anchor="ctr" bIns="91425" lIns="91425" spcFirstLastPara="1" rIns="91425" wrap="square" tIns="91425">
+          <a:bodyPr spcFirstLastPara="1" wrap="square" lIns="91425" tIns="91425" rIns="91425" bIns="91425" anchor="ctr" anchorCtr="0">
             <a:noAutofit/>
           </a:bodyPr>
           <a:lstStyle>
@@ -2195,7 +2423,7 @@
             </a:lvl9pPr>
           </a:lstStyle>
           <a:p>
-            <a:pPr indent="0" lvl="0" marL="0" rtl="0" algn="r">
+            <a:pPr marL="0" lvl="0" indent="0" algn="r" rtl="0">
               <a:spcBef>
                 <a:spcPts val="0"/>
               </a:spcBef>
@@ -2221,11 +2449,11 @@
 </file>
 
 <file path=ppt/slideLayouts/slideLayout11.xml><?xml version="1.0" encoding="utf-8"?>
-<p:sldLayout xmlns:a="http://schemas.openxmlformats.org/drawingml/2006/main" xmlns:r="http://schemas.openxmlformats.org/officeDocument/2006/relationships" xmlns:mc="http://schemas.openxmlformats.org/markup-compatibility/2006" xmlns:mv="urn:schemas-microsoft-com:mac:vml" xmlns:p="http://schemas.openxmlformats.org/presentationml/2006/main" xmlns:c="http://schemas.openxmlformats.org/drawingml/2006/chart" xmlns:dgm="http://schemas.openxmlformats.org/drawingml/2006/diagram" xmlns:o="urn:schemas-microsoft-com:office:office" xmlns:v="urn:schemas-microsoft-com:vml" xmlns:pvml="urn:schemas-microsoft-com:office:powerpoint" xmlns:com="http://schemas.openxmlformats.org/drawingml/2006/compatibility" xmlns:p14="http://schemas.microsoft.com/office/powerpoint/2010/main" xmlns:p15="http://schemas.microsoft.com/office/powerpoint/2012/main" matchingName="Blank" type="blank">
+<p:sldLayout xmlns:a="http://schemas.openxmlformats.org/drawingml/2006/main" xmlns:r="http://schemas.openxmlformats.org/officeDocument/2006/relationships" xmlns:p="http://schemas.openxmlformats.org/presentationml/2006/main" matchingName="Blank" type="blank">
   <p:cSld name="BLANK">
     <p:spTree>
       <p:nvGrpSpPr>
-        <p:cNvPr id="48" name="Shape 48"/>
+        <p:cNvPr id="1" name="Shape 48"/>
         <p:cNvGrpSpPr/>
         <p:nvPr/>
       </p:nvGrpSpPr>
@@ -2240,9 +2468,11 @@
       <p:sp>
         <p:nvSpPr>
           <p:cNvPr id="49" name="Google Shape;49;p12"/>
-          <p:cNvSpPr txBox="1"/>
+          <p:cNvSpPr txBox="1">
+            <a:spLocks noGrp="1"/>
+          </p:cNvSpPr>
           <p:nvPr>
-            <p:ph idx="12" type="sldNum"/>
+            <p:ph type="sldNum" idx="12"/>
           </p:nvPr>
         </p:nvSpPr>
         <p:spPr>
@@ -2255,7 +2485,7 @@
           </a:prstGeom>
         </p:spPr>
         <p:txBody>
-          <a:bodyPr anchorCtr="0" anchor="ctr" bIns="91425" lIns="91425" spcFirstLastPara="1" rIns="91425" wrap="square" tIns="91425">
+          <a:bodyPr spcFirstLastPara="1" wrap="square" lIns="91425" tIns="91425" rIns="91425" bIns="91425" anchor="ctr" anchorCtr="0">
             <a:noAutofit/>
           </a:bodyPr>
           <a:lstStyle>
@@ -2297,7 +2527,7 @@
             </a:lvl9pPr>
           </a:lstStyle>
           <a:p>
-            <a:pPr indent="0" lvl="0" marL="0" rtl="0" algn="r">
+            <a:pPr marL="0" lvl="0" indent="0" algn="r" rtl="0">
               <a:spcBef>
                 <a:spcPts val="0"/>
               </a:spcBef>
@@ -2323,11 +2553,11 @@
 </file>
 
 <file path=ppt/slideLayouts/slideLayout2.xml><?xml version="1.0" encoding="utf-8"?>
-<p:sldLayout xmlns:a="http://schemas.openxmlformats.org/drawingml/2006/main" xmlns:r="http://schemas.openxmlformats.org/officeDocument/2006/relationships" xmlns:mc="http://schemas.openxmlformats.org/markup-compatibility/2006" xmlns:mv="urn:schemas-microsoft-com:mac:vml" xmlns:p="http://schemas.openxmlformats.org/presentationml/2006/main" xmlns:c="http://schemas.openxmlformats.org/drawingml/2006/chart" xmlns:dgm="http://schemas.openxmlformats.org/drawingml/2006/diagram" xmlns:o="urn:schemas-microsoft-com:office:office" xmlns:v="urn:schemas-microsoft-com:vml" xmlns:pvml="urn:schemas-microsoft-com:office:powerpoint" xmlns:com="http://schemas.openxmlformats.org/drawingml/2006/compatibility" xmlns:p14="http://schemas.microsoft.com/office/powerpoint/2010/main" xmlns:p15="http://schemas.microsoft.com/office/powerpoint/2012/main" matchingName="Section header" type="secHead">
+<p:sldLayout xmlns:a="http://schemas.openxmlformats.org/drawingml/2006/main" xmlns:r="http://schemas.openxmlformats.org/officeDocument/2006/relationships" xmlns:p="http://schemas.openxmlformats.org/presentationml/2006/main" matchingName="Section header" type="secHead">
   <p:cSld name="SECTION_HEADER">
     <p:spTree>
       <p:nvGrpSpPr>
-        <p:cNvPr id="13" name="Shape 13"/>
+        <p:cNvPr id="1" name="Shape 13"/>
         <p:cNvGrpSpPr/>
         <p:nvPr/>
       </p:nvGrpSpPr>
@@ -2342,7 +2572,9 @@
       <p:sp>
         <p:nvSpPr>
           <p:cNvPr id="14" name="Google Shape;14;p3"/>
-          <p:cNvSpPr txBox="1"/>
+          <p:cNvSpPr txBox="1">
+            <a:spLocks noGrp="1"/>
+          </p:cNvSpPr>
           <p:nvPr>
             <p:ph type="title"/>
           </p:nvPr>
@@ -2357,7 +2589,7 @@
           </a:prstGeom>
         </p:spPr>
         <p:txBody>
-          <a:bodyPr anchorCtr="0" anchor="ctr" bIns="91425" lIns="91425" spcFirstLastPara="1" rIns="91425" wrap="square" tIns="91425">
+          <a:bodyPr spcFirstLastPara="1" wrap="square" lIns="91425" tIns="91425" rIns="91425" bIns="91425" anchor="ctr" anchorCtr="0">
             <a:noAutofit/>
           </a:bodyPr>
           <a:lstStyle>
@@ -2461,15 +2693,19 @@
               <a:defRPr sz="3600"/>
             </a:lvl9pPr>
           </a:lstStyle>
-          <a:p/>
+          <a:p>
+            <a:endParaRPr/>
+          </a:p>
         </p:txBody>
       </p:sp>
       <p:sp>
         <p:nvSpPr>
           <p:cNvPr id="15" name="Google Shape;15;p3"/>
-          <p:cNvSpPr txBox="1"/>
+          <p:cNvSpPr txBox="1">
+            <a:spLocks noGrp="1"/>
+          </p:cNvSpPr>
           <p:nvPr>
-            <p:ph idx="12" type="sldNum"/>
+            <p:ph type="sldNum" idx="12"/>
           </p:nvPr>
         </p:nvSpPr>
         <p:spPr>
@@ -2482,7 +2718,7 @@
           </a:prstGeom>
         </p:spPr>
         <p:txBody>
-          <a:bodyPr anchorCtr="0" anchor="ctr" bIns="91425" lIns="91425" spcFirstLastPara="1" rIns="91425" wrap="square" tIns="91425">
+          <a:bodyPr spcFirstLastPara="1" wrap="square" lIns="91425" tIns="91425" rIns="91425" bIns="91425" anchor="ctr" anchorCtr="0">
             <a:noAutofit/>
           </a:bodyPr>
           <a:lstStyle>
@@ -2524,7 +2760,7 @@
             </a:lvl9pPr>
           </a:lstStyle>
           <a:p>
-            <a:pPr indent="0" lvl="0" marL="0" rtl="0" algn="r">
+            <a:pPr marL="0" lvl="0" indent="0" algn="r" rtl="0">
               <a:spcBef>
                 <a:spcPts val="0"/>
               </a:spcBef>
@@ -2550,11 +2786,11 @@
 </file>
 
 <file path=ppt/slideLayouts/slideLayout3.xml><?xml version="1.0" encoding="utf-8"?>
-<p:sldLayout xmlns:a="http://schemas.openxmlformats.org/drawingml/2006/main" xmlns:r="http://schemas.openxmlformats.org/officeDocument/2006/relationships" xmlns:mc="http://schemas.openxmlformats.org/markup-compatibility/2006" xmlns:mv="urn:schemas-microsoft-com:mac:vml" xmlns:p="http://schemas.openxmlformats.org/presentationml/2006/main" xmlns:c="http://schemas.openxmlformats.org/drawingml/2006/chart" xmlns:dgm="http://schemas.openxmlformats.org/drawingml/2006/diagram" xmlns:o="urn:schemas-microsoft-com:office:office" xmlns:v="urn:schemas-microsoft-com:vml" xmlns:pvml="urn:schemas-microsoft-com:office:powerpoint" xmlns:com="http://schemas.openxmlformats.org/drawingml/2006/compatibility" xmlns:p14="http://schemas.microsoft.com/office/powerpoint/2010/main" xmlns:p15="http://schemas.microsoft.com/office/powerpoint/2012/main" matchingName="Title and body" type="tx">
+<p:sldLayout xmlns:a="http://schemas.openxmlformats.org/drawingml/2006/main" xmlns:r="http://schemas.openxmlformats.org/officeDocument/2006/relationships" xmlns:p="http://schemas.openxmlformats.org/presentationml/2006/main" matchingName="Title and body" type="tx">
   <p:cSld name="TITLE_AND_BODY">
     <p:spTree>
       <p:nvGrpSpPr>
-        <p:cNvPr id="16" name="Shape 16"/>
+        <p:cNvPr id="1" name="Shape 16"/>
         <p:cNvGrpSpPr/>
         <p:nvPr/>
       </p:nvGrpSpPr>
@@ -2569,7 +2805,9 @@
       <p:sp>
         <p:nvSpPr>
           <p:cNvPr id="17" name="Google Shape;17;p4"/>
-          <p:cNvSpPr txBox="1"/>
+          <p:cNvSpPr txBox="1">
+            <a:spLocks noGrp="1"/>
+          </p:cNvSpPr>
           <p:nvPr>
             <p:ph type="title"/>
           </p:nvPr>
@@ -2584,7 +2822,7 @@
           </a:prstGeom>
         </p:spPr>
         <p:txBody>
-          <a:bodyPr anchorCtr="0" anchor="t" bIns="91425" lIns="91425" spcFirstLastPara="1" rIns="91425" wrap="square" tIns="91425">
+          <a:bodyPr spcFirstLastPara="1" wrap="square" lIns="91425" tIns="91425" rIns="91425" bIns="91425" anchor="t" anchorCtr="0">
             <a:noAutofit/>
           </a:bodyPr>
           <a:lstStyle>
@@ -2688,15 +2926,19 @@
               <a:defRPr/>
             </a:lvl9pPr>
           </a:lstStyle>
-          <a:p/>
+          <a:p>
+            <a:endParaRPr/>
+          </a:p>
         </p:txBody>
       </p:sp>
       <p:sp>
         <p:nvSpPr>
           <p:cNvPr id="18" name="Google Shape;18;p4"/>
-          <p:cNvSpPr txBox="1"/>
+          <p:cNvSpPr txBox="1">
+            <a:spLocks noGrp="1"/>
+          </p:cNvSpPr>
           <p:nvPr>
-            <p:ph idx="1" type="body"/>
+            <p:ph type="body" idx="1"/>
           </p:nvPr>
         </p:nvSpPr>
         <p:spPr>
@@ -2709,11 +2951,11 @@
           </a:prstGeom>
         </p:spPr>
         <p:txBody>
-          <a:bodyPr anchorCtr="0" anchor="t" bIns="91425" lIns="91425" spcFirstLastPara="1" rIns="91425" wrap="square" tIns="91425">
+          <a:bodyPr spcFirstLastPara="1" wrap="square" lIns="91425" tIns="91425" rIns="91425" bIns="91425" anchor="t" anchorCtr="0">
             <a:noAutofit/>
           </a:bodyPr>
           <a:lstStyle>
-            <a:lvl1pPr indent="-342900" lvl="0" marL="457200">
+            <a:lvl1pPr marL="457200" lvl="0" indent="-342900">
               <a:spcBef>
                 <a:spcPts val="0"/>
               </a:spcBef>
@@ -2724,7 +2966,7 @@
               <a:buChar char="●"/>
               <a:defRPr/>
             </a:lvl1pPr>
-            <a:lvl2pPr indent="-317500" lvl="1" marL="914400">
+            <a:lvl2pPr marL="914400" lvl="1" indent="-317500">
               <a:spcBef>
                 <a:spcPts val="1600"/>
               </a:spcBef>
@@ -2735,7 +2977,7 @@
               <a:buChar char="○"/>
               <a:defRPr/>
             </a:lvl2pPr>
-            <a:lvl3pPr indent="-317500" lvl="2" marL="1371600">
+            <a:lvl3pPr marL="1371600" lvl="2" indent="-317500">
               <a:spcBef>
                 <a:spcPts val="1600"/>
               </a:spcBef>
@@ -2746,7 +2988,7 @@
               <a:buChar char="■"/>
               <a:defRPr/>
             </a:lvl3pPr>
-            <a:lvl4pPr indent="-317500" lvl="3" marL="1828800">
+            <a:lvl4pPr marL="1828800" lvl="3" indent="-317500">
               <a:spcBef>
                 <a:spcPts val="1600"/>
               </a:spcBef>
@@ -2757,7 +2999,7 @@
               <a:buChar char="●"/>
               <a:defRPr/>
             </a:lvl4pPr>
-            <a:lvl5pPr indent="-317500" lvl="4" marL="2286000">
+            <a:lvl5pPr marL="2286000" lvl="4" indent="-317500">
               <a:spcBef>
                 <a:spcPts val="1600"/>
               </a:spcBef>
@@ -2768,7 +3010,7 @@
               <a:buChar char="○"/>
               <a:defRPr/>
             </a:lvl5pPr>
-            <a:lvl6pPr indent="-317500" lvl="5" marL="2743200">
+            <a:lvl6pPr marL="2743200" lvl="5" indent="-317500">
               <a:spcBef>
                 <a:spcPts val="1600"/>
               </a:spcBef>
@@ -2779,7 +3021,7 @@
               <a:buChar char="■"/>
               <a:defRPr/>
             </a:lvl6pPr>
-            <a:lvl7pPr indent="-317500" lvl="6" marL="3200400">
+            <a:lvl7pPr marL="3200400" lvl="6" indent="-317500">
               <a:spcBef>
                 <a:spcPts val="1600"/>
               </a:spcBef>
@@ -2790,7 +3032,7 @@
               <a:buChar char="●"/>
               <a:defRPr/>
             </a:lvl7pPr>
-            <a:lvl8pPr indent="-317500" lvl="7" marL="3657600">
+            <a:lvl8pPr marL="3657600" lvl="7" indent="-317500">
               <a:spcBef>
                 <a:spcPts val="1600"/>
               </a:spcBef>
@@ -2801,7 +3043,7 @@
               <a:buChar char="○"/>
               <a:defRPr/>
             </a:lvl8pPr>
-            <a:lvl9pPr indent="-317500" lvl="8" marL="4114800">
+            <a:lvl9pPr marL="4114800" lvl="8" indent="-317500">
               <a:spcBef>
                 <a:spcPts val="1600"/>
               </a:spcBef>
@@ -2813,15 +3055,19 @@
               <a:defRPr/>
             </a:lvl9pPr>
           </a:lstStyle>
-          <a:p/>
+          <a:p>
+            <a:endParaRPr/>
+          </a:p>
         </p:txBody>
       </p:sp>
       <p:sp>
         <p:nvSpPr>
           <p:cNvPr id="19" name="Google Shape;19;p4"/>
-          <p:cNvSpPr txBox="1"/>
+          <p:cNvSpPr txBox="1">
+            <a:spLocks noGrp="1"/>
+          </p:cNvSpPr>
           <p:nvPr>
-            <p:ph idx="12" type="sldNum"/>
+            <p:ph type="sldNum" idx="12"/>
           </p:nvPr>
         </p:nvSpPr>
         <p:spPr>
@@ -2834,7 +3080,7 @@
           </a:prstGeom>
         </p:spPr>
         <p:txBody>
-          <a:bodyPr anchorCtr="0" anchor="ctr" bIns="91425" lIns="91425" spcFirstLastPara="1" rIns="91425" wrap="square" tIns="91425">
+          <a:bodyPr spcFirstLastPara="1" wrap="square" lIns="91425" tIns="91425" rIns="91425" bIns="91425" anchor="ctr" anchorCtr="0">
             <a:noAutofit/>
           </a:bodyPr>
           <a:lstStyle>
@@ -2876,7 +3122,7 @@
             </a:lvl9pPr>
           </a:lstStyle>
           <a:p>
-            <a:pPr indent="0" lvl="0" marL="0" rtl="0" algn="r">
+            <a:pPr marL="0" lvl="0" indent="0" algn="r" rtl="0">
               <a:spcBef>
                 <a:spcPts val="0"/>
               </a:spcBef>
@@ -2902,11 +3148,11 @@
 </file>
 
 <file path=ppt/slideLayouts/slideLayout4.xml><?xml version="1.0" encoding="utf-8"?>
-<p:sldLayout xmlns:a="http://schemas.openxmlformats.org/drawingml/2006/main" xmlns:r="http://schemas.openxmlformats.org/officeDocument/2006/relationships" xmlns:mc="http://schemas.openxmlformats.org/markup-compatibility/2006" xmlns:mv="urn:schemas-microsoft-com:mac:vml" xmlns:p="http://schemas.openxmlformats.org/presentationml/2006/main" xmlns:c="http://schemas.openxmlformats.org/drawingml/2006/chart" xmlns:dgm="http://schemas.openxmlformats.org/drawingml/2006/diagram" xmlns:o="urn:schemas-microsoft-com:office:office" xmlns:v="urn:schemas-microsoft-com:vml" xmlns:pvml="urn:schemas-microsoft-com:office:powerpoint" xmlns:com="http://schemas.openxmlformats.org/drawingml/2006/compatibility" xmlns:p14="http://schemas.microsoft.com/office/powerpoint/2010/main" xmlns:p15="http://schemas.microsoft.com/office/powerpoint/2012/main" matchingName="Title and two columns" type="twoColTx">
+<p:sldLayout xmlns:a="http://schemas.openxmlformats.org/drawingml/2006/main" xmlns:r="http://schemas.openxmlformats.org/officeDocument/2006/relationships" xmlns:p="http://schemas.openxmlformats.org/presentationml/2006/main" matchingName="Title and two columns" type="twoColTx">
   <p:cSld name="TITLE_AND_TWO_COLUMNS">
     <p:spTree>
       <p:nvGrpSpPr>
-        <p:cNvPr id="20" name="Shape 20"/>
+        <p:cNvPr id="1" name="Shape 20"/>
         <p:cNvGrpSpPr/>
         <p:nvPr/>
       </p:nvGrpSpPr>
@@ -2921,7 +3167,9 @@
       <p:sp>
         <p:nvSpPr>
           <p:cNvPr id="21" name="Google Shape;21;p5"/>
-          <p:cNvSpPr txBox="1"/>
+          <p:cNvSpPr txBox="1">
+            <a:spLocks noGrp="1"/>
+          </p:cNvSpPr>
           <p:nvPr>
             <p:ph type="title"/>
           </p:nvPr>
@@ -2936,7 +3184,7 @@
           </a:prstGeom>
         </p:spPr>
         <p:txBody>
-          <a:bodyPr anchorCtr="0" anchor="t" bIns="91425" lIns="91425" spcFirstLastPara="1" rIns="91425" wrap="square" tIns="91425">
+          <a:bodyPr spcFirstLastPara="1" wrap="square" lIns="91425" tIns="91425" rIns="91425" bIns="91425" anchor="t" anchorCtr="0">
             <a:noAutofit/>
           </a:bodyPr>
           <a:lstStyle>
@@ -3040,15 +3288,19 @@
               <a:defRPr/>
             </a:lvl9pPr>
           </a:lstStyle>
-          <a:p/>
+          <a:p>
+            <a:endParaRPr/>
+          </a:p>
         </p:txBody>
       </p:sp>
       <p:sp>
         <p:nvSpPr>
           <p:cNvPr id="22" name="Google Shape;22;p5"/>
-          <p:cNvSpPr txBox="1"/>
+          <p:cNvSpPr txBox="1">
+            <a:spLocks noGrp="1"/>
+          </p:cNvSpPr>
           <p:nvPr>
-            <p:ph idx="1" type="body"/>
+            <p:ph type="body" idx="1"/>
           </p:nvPr>
         </p:nvSpPr>
         <p:spPr>
@@ -3061,11 +3313,11 @@
           </a:prstGeom>
         </p:spPr>
         <p:txBody>
-          <a:bodyPr anchorCtr="0" anchor="t" bIns="91425" lIns="91425" spcFirstLastPara="1" rIns="91425" wrap="square" tIns="91425">
+          <a:bodyPr spcFirstLastPara="1" wrap="square" lIns="91425" tIns="91425" rIns="91425" bIns="91425" anchor="t" anchorCtr="0">
             <a:noAutofit/>
           </a:bodyPr>
           <a:lstStyle>
-            <a:lvl1pPr indent="-317500" lvl="0" marL="457200">
+            <a:lvl1pPr marL="457200" lvl="0" indent="-317500">
               <a:spcBef>
                 <a:spcPts val="0"/>
               </a:spcBef>
@@ -3076,7 +3328,7 @@
               <a:buChar char="●"/>
               <a:defRPr sz="1400"/>
             </a:lvl1pPr>
-            <a:lvl2pPr indent="-304800" lvl="1" marL="914400">
+            <a:lvl2pPr marL="914400" lvl="1" indent="-304800">
               <a:spcBef>
                 <a:spcPts val="1600"/>
               </a:spcBef>
@@ -3087,7 +3339,7 @@
               <a:buChar char="○"/>
               <a:defRPr sz="1200"/>
             </a:lvl2pPr>
-            <a:lvl3pPr indent="-304800" lvl="2" marL="1371600">
+            <a:lvl3pPr marL="1371600" lvl="2" indent="-304800">
               <a:spcBef>
                 <a:spcPts val="1600"/>
               </a:spcBef>
@@ -3098,7 +3350,7 @@
               <a:buChar char="■"/>
               <a:defRPr sz="1200"/>
             </a:lvl3pPr>
-            <a:lvl4pPr indent="-304800" lvl="3" marL="1828800">
+            <a:lvl4pPr marL="1828800" lvl="3" indent="-304800">
               <a:spcBef>
                 <a:spcPts val="1600"/>
               </a:spcBef>
@@ -3109,7 +3361,7 @@
               <a:buChar char="●"/>
               <a:defRPr sz="1200"/>
             </a:lvl4pPr>
-            <a:lvl5pPr indent="-304800" lvl="4" marL="2286000">
+            <a:lvl5pPr marL="2286000" lvl="4" indent="-304800">
               <a:spcBef>
                 <a:spcPts val="1600"/>
               </a:spcBef>
@@ -3120,7 +3372,7 @@
               <a:buChar char="○"/>
               <a:defRPr sz="1200"/>
             </a:lvl5pPr>
-            <a:lvl6pPr indent="-304800" lvl="5" marL="2743200">
+            <a:lvl6pPr marL="2743200" lvl="5" indent="-304800">
               <a:spcBef>
                 <a:spcPts val="1600"/>
               </a:spcBef>
@@ -3131,7 +3383,7 @@
               <a:buChar char="■"/>
               <a:defRPr sz="1200"/>
             </a:lvl6pPr>
-            <a:lvl7pPr indent="-304800" lvl="6" marL="3200400">
+            <a:lvl7pPr marL="3200400" lvl="6" indent="-304800">
               <a:spcBef>
                 <a:spcPts val="1600"/>
               </a:spcBef>
@@ -3142,7 +3394,7 @@
               <a:buChar char="●"/>
               <a:defRPr sz="1200"/>
             </a:lvl7pPr>
-            <a:lvl8pPr indent="-304800" lvl="7" marL="3657600">
+            <a:lvl8pPr marL="3657600" lvl="7" indent="-304800">
               <a:spcBef>
                 <a:spcPts val="1600"/>
               </a:spcBef>
@@ -3153,7 +3405,7 @@
               <a:buChar char="○"/>
               <a:defRPr sz="1200"/>
             </a:lvl8pPr>
-            <a:lvl9pPr indent="-304800" lvl="8" marL="4114800">
+            <a:lvl9pPr marL="4114800" lvl="8" indent="-304800">
               <a:spcBef>
                 <a:spcPts val="1600"/>
               </a:spcBef>
@@ -3165,15 +3417,19 @@
               <a:defRPr sz="1200"/>
             </a:lvl9pPr>
           </a:lstStyle>
-          <a:p/>
+          <a:p>
+            <a:endParaRPr/>
+          </a:p>
         </p:txBody>
       </p:sp>
       <p:sp>
         <p:nvSpPr>
           <p:cNvPr id="23" name="Google Shape;23;p5"/>
-          <p:cNvSpPr txBox="1"/>
+          <p:cNvSpPr txBox="1">
+            <a:spLocks noGrp="1"/>
+          </p:cNvSpPr>
           <p:nvPr>
-            <p:ph idx="2" type="body"/>
+            <p:ph type="body" idx="2"/>
           </p:nvPr>
         </p:nvSpPr>
         <p:spPr>
@@ -3186,11 +3442,11 @@
           </a:prstGeom>
         </p:spPr>
         <p:txBody>
-          <a:bodyPr anchorCtr="0" anchor="t" bIns="91425" lIns="91425" spcFirstLastPara="1" rIns="91425" wrap="square" tIns="91425">
+          <a:bodyPr spcFirstLastPara="1" wrap="square" lIns="91425" tIns="91425" rIns="91425" bIns="91425" anchor="t" anchorCtr="0">
             <a:noAutofit/>
           </a:bodyPr>
           <a:lstStyle>
-            <a:lvl1pPr indent="-317500" lvl="0" marL="457200">
+            <a:lvl1pPr marL="457200" lvl="0" indent="-317500">
               <a:spcBef>
                 <a:spcPts val="0"/>
               </a:spcBef>
@@ -3201,7 +3457,7 @@
               <a:buChar char="●"/>
               <a:defRPr sz="1400"/>
             </a:lvl1pPr>
-            <a:lvl2pPr indent="-304800" lvl="1" marL="914400">
+            <a:lvl2pPr marL="914400" lvl="1" indent="-304800">
               <a:spcBef>
                 <a:spcPts val="1600"/>
               </a:spcBef>
@@ -3212,7 +3468,7 @@
               <a:buChar char="○"/>
               <a:defRPr sz="1200"/>
             </a:lvl2pPr>
-            <a:lvl3pPr indent="-304800" lvl="2" marL="1371600">
+            <a:lvl3pPr marL="1371600" lvl="2" indent="-304800">
               <a:spcBef>
                 <a:spcPts val="1600"/>
               </a:spcBef>
@@ -3223,7 +3479,7 @@
               <a:buChar char="■"/>
               <a:defRPr sz="1200"/>
             </a:lvl3pPr>
-            <a:lvl4pPr indent="-304800" lvl="3" marL="1828800">
+            <a:lvl4pPr marL="1828800" lvl="3" indent="-304800">
               <a:spcBef>
                 <a:spcPts val="1600"/>
               </a:spcBef>
@@ -3234,7 +3490,7 @@
               <a:buChar char="●"/>
               <a:defRPr sz="1200"/>
             </a:lvl4pPr>
-            <a:lvl5pPr indent="-304800" lvl="4" marL="2286000">
+            <a:lvl5pPr marL="2286000" lvl="4" indent="-304800">
               <a:spcBef>
                 <a:spcPts val="1600"/>
               </a:spcBef>
@@ -3245,7 +3501,7 @@
               <a:buChar char="○"/>
               <a:defRPr sz="1200"/>
             </a:lvl5pPr>
-            <a:lvl6pPr indent="-304800" lvl="5" marL="2743200">
+            <a:lvl6pPr marL="2743200" lvl="5" indent="-304800">
               <a:spcBef>
                 <a:spcPts val="1600"/>
               </a:spcBef>
@@ -3256,7 +3512,7 @@
               <a:buChar char="■"/>
               <a:defRPr sz="1200"/>
             </a:lvl6pPr>
-            <a:lvl7pPr indent="-304800" lvl="6" marL="3200400">
+            <a:lvl7pPr marL="3200400" lvl="6" indent="-304800">
               <a:spcBef>
                 <a:spcPts val="1600"/>
               </a:spcBef>
@@ -3267,7 +3523,7 @@
               <a:buChar char="●"/>
               <a:defRPr sz="1200"/>
             </a:lvl7pPr>
-            <a:lvl8pPr indent="-304800" lvl="7" marL="3657600">
+            <a:lvl8pPr marL="3657600" lvl="7" indent="-304800">
               <a:spcBef>
                 <a:spcPts val="1600"/>
               </a:spcBef>
@@ -3278,7 +3534,7 @@
               <a:buChar char="○"/>
               <a:defRPr sz="1200"/>
             </a:lvl8pPr>
-            <a:lvl9pPr indent="-304800" lvl="8" marL="4114800">
+            <a:lvl9pPr marL="4114800" lvl="8" indent="-304800">
               <a:spcBef>
                 <a:spcPts val="1600"/>
               </a:spcBef>
@@ -3290,15 +3546,19 @@
               <a:defRPr sz="1200"/>
             </a:lvl9pPr>
           </a:lstStyle>
-          <a:p/>
+          <a:p>
+            <a:endParaRPr/>
+          </a:p>
         </p:txBody>
       </p:sp>
       <p:sp>
         <p:nvSpPr>
           <p:cNvPr id="24" name="Google Shape;24;p5"/>
-          <p:cNvSpPr txBox="1"/>
+          <p:cNvSpPr txBox="1">
+            <a:spLocks noGrp="1"/>
+          </p:cNvSpPr>
           <p:nvPr>
-            <p:ph idx="12" type="sldNum"/>
+            <p:ph type="sldNum" idx="12"/>
           </p:nvPr>
         </p:nvSpPr>
         <p:spPr>
@@ -3311,7 +3571,7 @@
           </a:prstGeom>
         </p:spPr>
         <p:txBody>
-          <a:bodyPr anchorCtr="0" anchor="ctr" bIns="91425" lIns="91425" spcFirstLastPara="1" rIns="91425" wrap="square" tIns="91425">
+          <a:bodyPr spcFirstLastPara="1" wrap="square" lIns="91425" tIns="91425" rIns="91425" bIns="91425" anchor="ctr" anchorCtr="0">
             <a:noAutofit/>
           </a:bodyPr>
           <a:lstStyle>
@@ -3353,7 +3613,7 @@
             </a:lvl9pPr>
           </a:lstStyle>
           <a:p>
-            <a:pPr indent="0" lvl="0" marL="0" rtl="0" algn="r">
+            <a:pPr marL="0" lvl="0" indent="0" algn="r" rtl="0">
               <a:spcBef>
                 <a:spcPts val="0"/>
               </a:spcBef>
@@ -3379,11 +3639,11 @@
 </file>
 
 <file path=ppt/slideLayouts/slideLayout5.xml><?xml version="1.0" encoding="utf-8"?>
-<p:sldLayout xmlns:a="http://schemas.openxmlformats.org/drawingml/2006/main" xmlns:r="http://schemas.openxmlformats.org/officeDocument/2006/relationships" xmlns:mc="http://schemas.openxmlformats.org/markup-compatibility/2006" xmlns:mv="urn:schemas-microsoft-com:mac:vml" xmlns:p="http://schemas.openxmlformats.org/presentationml/2006/main" xmlns:c="http://schemas.openxmlformats.org/drawingml/2006/chart" xmlns:dgm="http://schemas.openxmlformats.org/drawingml/2006/diagram" xmlns:o="urn:schemas-microsoft-com:office:office" xmlns:v="urn:schemas-microsoft-com:vml" xmlns:pvml="urn:schemas-microsoft-com:office:powerpoint" xmlns:com="http://schemas.openxmlformats.org/drawingml/2006/compatibility" xmlns:p14="http://schemas.microsoft.com/office/powerpoint/2010/main" xmlns:p15="http://schemas.microsoft.com/office/powerpoint/2012/main" matchingName="Title only" type="titleOnly">
+<p:sldLayout xmlns:a="http://schemas.openxmlformats.org/drawingml/2006/main" xmlns:r="http://schemas.openxmlformats.org/officeDocument/2006/relationships" xmlns:p="http://schemas.openxmlformats.org/presentationml/2006/main" matchingName="Title only" type="titleOnly">
   <p:cSld name="TITLE_ONLY">
     <p:spTree>
       <p:nvGrpSpPr>
-        <p:cNvPr id="25" name="Shape 25"/>
+        <p:cNvPr id="1" name="Shape 25"/>
         <p:cNvGrpSpPr/>
         <p:nvPr/>
       </p:nvGrpSpPr>
@@ -3398,7 +3658,9 @@
       <p:sp>
         <p:nvSpPr>
           <p:cNvPr id="26" name="Google Shape;26;p6"/>
-          <p:cNvSpPr txBox="1"/>
+          <p:cNvSpPr txBox="1">
+            <a:spLocks noGrp="1"/>
+          </p:cNvSpPr>
           <p:nvPr>
             <p:ph type="title"/>
           </p:nvPr>
@@ -3413,7 +3675,7 @@
           </a:prstGeom>
         </p:spPr>
         <p:txBody>
-          <a:bodyPr anchorCtr="0" anchor="t" bIns="91425" lIns="91425" spcFirstLastPara="1" rIns="91425" wrap="square" tIns="91425">
+          <a:bodyPr spcFirstLastPara="1" wrap="square" lIns="91425" tIns="91425" rIns="91425" bIns="91425" anchor="t" anchorCtr="0">
             <a:noAutofit/>
           </a:bodyPr>
           <a:lstStyle>
@@ -3517,15 +3779,19 @@
               <a:defRPr/>
             </a:lvl9pPr>
           </a:lstStyle>
-          <a:p/>
+          <a:p>
+            <a:endParaRPr/>
+          </a:p>
         </p:txBody>
       </p:sp>
       <p:sp>
         <p:nvSpPr>
           <p:cNvPr id="27" name="Google Shape;27;p6"/>
-          <p:cNvSpPr txBox="1"/>
+          <p:cNvSpPr txBox="1">
+            <a:spLocks noGrp="1"/>
+          </p:cNvSpPr>
           <p:nvPr>
-            <p:ph idx="12" type="sldNum"/>
+            <p:ph type="sldNum" idx="12"/>
           </p:nvPr>
         </p:nvSpPr>
         <p:spPr>
@@ -3538,7 +3804,7 @@
           </a:prstGeom>
         </p:spPr>
         <p:txBody>
-          <a:bodyPr anchorCtr="0" anchor="ctr" bIns="91425" lIns="91425" spcFirstLastPara="1" rIns="91425" wrap="square" tIns="91425">
+          <a:bodyPr spcFirstLastPara="1" wrap="square" lIns="91425" tIns="91425" rIns="91425" bIns="91425" anchor="ctr" anchorCtr="0">
             <a:noAutofit/>
           </a:bodyPr>
           <a:lstStyle>
@@ -3580,7 +3846,7 @@
             </a:lvl9pPr>
           </a:lstStyle>
           <a:p>
-            <a:pPr indent="0" lvl="0" marL="0" rtl="0" algn="r">
+            <a:pPr marL="0" lvl="0" indent="0" algn="r" rtl="0">
               <a:spcBef>
                 <a:spcPts val="0"/>
               </a:spcBef>
@@ -3606,11 +3872,11 @@
 </file>
 
 <file path=ppt/slideLayouts/slideLayout6.xml><?xml version="1.0" encoding="utf-8"?>
-<p:sldLayout xmlns:a="http://schemas.openxmlformats.org/drawingml/2006/main" xmlns:r="http://schemas.openxmlformats.org/officeDocument/2006/relationships" xmlns:mc="http://schemas.openxmlformats.org/markup-compatibility/2006" xmlns:mv="urn:schemas-microsoft-com:mac:vml" xmlns:p="http://schemas.openxmlformats.org/presentationml/2006/main" xmlns:c="http://schemas.openxmlformats.org/drawingml/2006/chart" xmlns:dgm="http://schemas.openxmlformats.org/drawingml/2006/diagram" xmlns:o="urn:schemas-microsoft-com:office:office" xmlns:v="urn:schemas-microsoft-com:vml" xmlns:pvml="urn:schemas-microsoft-com:office:powerpoint" xmlns:com="http://schemas.openxmlformats.org/drawingml/2006/compatibility" xmlns:p14="http://schemas.microsoft.com/office/powerpoint/2010/main" xmlns:p15="http://schemas.microsoft.com/office/powerpoint/2012/main" matchingName="One column text">
+<p:sldLayout xmlns:a="http://schemas.openxmlformats.org/drawingml/2006/main" xmlns:r="http://schemas.openxmlformats.org/officeDocument/2006/relationships" xmlns:p="http://schemas.openxmlformats.org/presentationml/2006/main" matchingName="One column text">
   <p:cSld name="ONE_COLUMN_TEXT">
     <p:spTree>
       <p:nvGrpSpPr>
-        <p:cNvPr id="28" name="Shape 28"/>
+        <p:cNvPr id="1" name="Shape 28"/>
         <p:cNvGrpSpPr/>
         <p:nvPr/>
       </p:nvGrpSpPr>
@@ -3625,7 +3891,9 @@
       <p:sp>
         <p:nvSpPr>
           <p:cNvPr id="29" name="Google Shape;29;p7"/>
-          <p:cNvSpPr txBox="1"/>
+          <p:cNvSpPr txBox="1">
+            <a:spLocks noGrp="1"/>
+          </p:cNvSpPr>
           <p:nvPr>
             <p:ph type="title"/>
           </p:nvPr>
@@ -3640,7 +3908,7 @@
           </a:prstGeom>
         </p:spPr>
         <p:txBody>
-          <a:bodyPr anchorCtr="0" anchor="b" bIns="91425" lIns="91425" spcFirstLastPara="1" rIns="91425" wrap="square" tIns="91425">
+          <a:bodyPr spcFirstLastPara="1" wrap="square" lIns="91425" tIns="91425" rIns="91425" bIns="91425" anchor="b" anchorCtr="0">
             <a:noAutofit/>
           </a:bodyPr>
           <a:lstStyle>
@@ -3744,15 +4012,19 @@
               <a:defRPr sz="2400"/>
             </a:lvl9pPr>
           </a:lstStyle>
-          <a:p/>
+          <a:p>
+            <a:endParaRPr/>
+          </a:p>
         </p:txBody>
       </p:sp>
       <p:sp>
         <p:nvSpPr>
           <p:cNvPr id="30" name="Google Shape;30;p7"/>
-          <p:cNvSpPr txBox="1"/>
+          <p:cNvSpPr txBox="1">
+            <a:spLocks noGrp="1"/>
+          </p:cNvSpPr>
           <p:nvPr>
-            <p:ph idx="1" type="body"/>
+            <p:ph type="body" idx="1"/>
           </p:nvPr>
         </p:nvSpPr>
         <p:spPr>
@@ -3765,11 +4037,11 @@
           </a:prstGeom>
         </p:spPr>
         <p:txBody>
-          <a:bodyPr anchorCtr="0" anchor="t" bIns="91425" lIns="91425" spcFirstLastPara="1" rIns="91425" wrap="square" tIns="91425">
+          <a:bodyPr spcFirstLastPara="1" wrap="square" lIns="91425" tIns="91425" rIns="91425" bIns="91425" anchor="t" anchorCtr="0">
             <a:noAutofit/>
           </a:bodyPr>
           <a:lstStyle>
-            <a:lvl1pPr indent="-304800" lvl="0" marL="457200">
+            <a:lvl1pPr marL="457200" lvl="0" indent="-304800">
               <a:spcBef>
                 <a:spcPts val="0"/>
               </a:spcBef>
@@ -3780,7 +4052,7 @@
               <a:buChar char="●"/>
               <a:defRPr sz="1200"/>
             </a:lvl1pPr>
-            <a:lvl2pPr indent="-304800" lvl="1" marL="914400">
+            <a:lvl2pPr marL="914400" lvl="1" indent="-304800">
               <a:spcBef>
                 <a:spcPts val="1600"/>
               </a:spcBef>
@@ -3791,7 +4063,7 @@
               <a:buChar char="○"/>
               <a:defRPr sz="1200"/>
             </a:lvl2pPr>
-            <a:lvl3pPr indent="-304800" lvl="2" marL="1371600">
+            <a:lvl3pPr marL="1371600" lvl="2" indent="-304800">
               <a:spcBef>
                 <a:spcPts val="1600"/>
               </a:spcBef>
@@ -3802,7 +4074,7 @@
               <a:buChar char="■"/>
               <a:defRPr sz="1200"/>
             </a:lvl3pPr>
-            <a:lvl4pPr indent="-304800" lvl="3" marL="1828800">
+            <a:lvl4pPr marL="1828800" lvl="3" indent="-304800">
               <a:spcBef>
                 <a:spcPts val="1600"/>
               </a:spcBef>
@@ -3813,7 +4085,7 @@
               <a:buChar char="●"/>
               <a:defRPr sz="1200"/>
             </a:lvl4pPr>
-            <a:lvl5pPr indent="-304800" lvl="4" marL="2286000">
+            <a:lvl5pPr marL="2286000" lvl="4" indent="-304800">
               <a:spcBef>
                 <a:spcPts val="1600"/>
               </a:spcBef>
@@ -3824,7 +4096,7 @@
               <a:buChar char="○"/>
               <a:defRPr sz="1200"/>
             </a:lvl5pPr>
-            <a:lvl6pPr indent="-304800" lvl="5" marL="2743200">
+            <a:lvl6pPr marL="2743200" lvl="5" indent="-304800">
               <a:spcBef>
                 <a:spcPts val="1600"/>
               </a:spcBef>
@@ -3835,7 +4107,7 @@
               <a:buChar char="■"/>
               <a:defRPr sz="1200"/>
             </a:lvl6pPr>
-            <a:lvl7pPr indent="-304800" lvl="6" marL="3200400">
+            <a:lvl7pPr marL="3200400" lvl="6" indent="-304800">
               <a:spcBef>
                 <a:spcPts val="1600"/>
               </a:spcBef>
@@ -3846,7 +4118,7 @@
               <a:buChar char="●"/>
               <a:defRPr sz="1200"/>
             </a:lvl7pPr>
-            <a:lvl8pPr indent="-304800" lvl="7" marL="3657600">
+            <a:lvl8pPr marL="3657600" lvl="7" indent="-304800">
               <a:spcBef>
                 <a:spcPts val="1600"/>
               </a:spcBef>
@@ -3857,7 +4129,7 @@
               <a:buChar char="○"/>
               <a:defRPr sz="1200"/>
             </a:lvl8pPr>
-            <a:lvl9pPr indent="-304800" lvl="8" marL="4114800">
+            <a:lvl9pPr marL="4114800" lvl="8" indent="-304800">
               <a:spcBef>
                 <a:spcPts val="1600"/>
               </a:spcBef>
@@ -3869,15 +4141,19 @@
               <a:defRPr sz="1200"/>
             </a:lvl9pPr>
           </a:lstStyle>
-          <a:p/>
+          <a:p>
+            <a:endParaRPr/>
+          </a:p>
         </p:txBody>
       </p:sp>
       <p:sp>
         <p:nvSpPr>
           <p:cNvPr id="31" name="Google Shape;31;p7"/>
-          <p:cNvSpPr txBox="1"/>
+          <p:cNvSpPr txBox="1">
+            <a:spLocks noGrp="1"/>
+          </p:cNvSpPr>
           <p:nvPr>
-            <p:ph idx="12" type="sldNum"/>
+            <p:ph type="sldNum" idx="12"/>
           </p:nvPr>
         </p:nvSpPr>
         <p:spPr>
@@ -3890,7 +4166,7 @@
           </a:prstGeom>
         </p:spPr>
         <p:txBody>
-          <a:bodyPr anchorCtr="0" anchor="ctr" bIns="91425" lIns="91425" spcFirstLastPara="1" rIns="91425" wrap="square" tIns="91425">
+          <a:bodyPr spcFirstLastPara="1" wrap="square" lIns="91425" tIns="91425" rIns="91425" bIns="91425" anchor="ctr" anchorCtr="0">
             <a:noAutofit/>
           </a:bodyPr>
           <a:lstStyle>
@@ -3932,7 +4208,7 @@
             </a:lvl9pPr>
           </a:lstStyle>
           <a:p>
-            <a:pPr indent="0" lvl="0" marL="0" rtl="0" algn="r">
+            <a:pPr marL="0" lvl="0" indent="0" algn="r" rtl="0">
               <a:spcBef>
                 <a:spcPts val="0"/>
               </a:spcBef>
@@ -3958,11 +4234,11 @@
 </file>
 
 <file path=ppt/slideLayouts/slideLayout7.xml><?xml version="1.0" encoding="utf-8"?>
-<p:sldLayout xmlns:a="http://schemas.openxmlformats.org/drawingml/2006/main" xmlns:r="http://schemas.openxmlformats.org/officeDocument/2006/relationships" xmlns:mc="http://schemas.openxmlformats.org/markup-compatibility/2006" xmlns:mv="urn:schemas-microsoft-com:mac:vml" xmlns:p="http://schemas.openxmlformats.org/presentationml/2006/main" xmlns:c="http://schemas.openxmlformats.org/drawingml/2006/chart" xmlns:dgm="http://schemas.openxmlformats.org/drawingml/2006/diagram" xmlns:o="urn:schemas-microsoft-com:office:office" xmlns:v="urn:schemas-microsoft-com:vml" xmlns:pvml="urn:schemas-microsoft-com:office:powerpoint" xmlns:com="http://schemas.openxmlformats.org/drawingml/2006/compatibility" xmlns:p14="http://schemas.microsoft.com/office/powerpoint/2010/main" xmlns:p15="http://schemas.microsoft.com/office/powerpoint/2012/main" matchingName="Main point">
+<p:sldLayout xmlns:a="http://schemas.openxmlformats.org/drawingml/2006/main" xmlns:r="http://schemas.openxmlformats.org/officeDocument/2006/relationships" xmlns:p="http://schemas.openxmlformats.org/presentationml/2006/main" matchingName="Main point">
   <p:cSld name="MAIN_POINT">
     <p:spTree>
       <p:nvGrpSpPr>
-        <p:cNvPr id="32" name="Shape 32"/>
+        <p:cNvPr id="1" name="Shape 32"/>
         <p:cNvGrpSpPr/>
         <p:nvPr/>
       </p:nvGrpSpPr>
@@ -3977,7 +4253,9 @@
       <p:sp>
         <p:nvSpPr>
           <p:cNvPr id="33" name="Google Shape;33;p8"/>
-          <p:cNvSpPr txBox="1"/>
+          <p:cNvSpPr txBox="1">
+            <a:spLocks noGrp="1"/>
+          </p:cNvSpPr>
           <p:nvPr>
             <p:ph type="title"/>
           </p:nvPr>
@@ -3992,7 +4270,7 @@
           </a:prstGeom>
         </p:spPr>
         <p:txBody>
-          <a:bodyPr anchorCtr="0" anchor="ctr" bIns="91425" lIns="91425" spcFirstLastPara="1" rIns="91425" wrap="square" tIns="91425">
+          <a:bodyPr spcFirstLastPara="1" wrap="square" lIns="91425" tIns="91425" rIns="91425" bIns="91425" anchor="ctr" anchorCtr="0">
             <a:noAutofit/>
           </a:bodyPr>
           <a:lstStyle>
@@ -4096,15 +4374,19 @@
               <a:defRPr sz="4800"/>
             </a:lvl9pPr>
           </a:lstStyle>
-          <a:p/>
+          <a:p>
+            <a:endParaRPr/>
+          </a:p>
         </p:txBody>
       </p:sp>
       <p:sp>
         <p:nvSpPr>
           <p:cNvPr id="34" name="Google Shape;34;p8"/>
-          <p:cNvSpPr txBox="1"/>
+          <p:cNvSpPr txBox="1">
+            <a:spLocks noGrp="1"/>
+          </p:cNvSpPr>
           <p:nvPr>
-            <p:ph idx="12" type="sldNum"/>
+            <p:ph type="sldNum" idx="12"/>
           </p:nvPr>
         </p:nvSpPr>
         <p:spPr>
@@ -4117,7 +4399,7 @@
           </a:prstGeom>
         </p:spPr>
         <p:txBody>
-          <a:bodyPr anchorCtr="0" anchor="ctr" bIns="91425" lIns="91425" spcFirstLastPara="1" rIns="91425" wrap="square" tIns="91425">
+          <a:bodyPr spcFirstLastPara="1" wrap="square" lIns="91425" tIns="91425" rIns="91425" bIns="91425" anchor="ctr" anchorCtr="0">
             <a:noAutofit/>
           </a:bodyPr>
           <a:lstStyle>
@@ -4159,7 +4441,7 @@
             </a:lvl9pPr>
           </a:lstStyle>
           <a:p>
-            <a:pPr indent="0" lvl="0" marL="0" rtl="0" algn="r">
+            <a:pPr marL="0" lvl="0" indent="0" algn="r" rtl="0">
               <a:spcBef>
                 <a:spcPts val="0"/>
               </a:spcBef>
@@ -4185,11 +4467,11 @@
 </file>
 
 <file path=ppt/slideLayouts/slideLayout8.xml><?xml version="1.0" encoding="utf-8"?>
-<p:sldLayout xmlns:a="http://schemas.openxmlformats.org/drawingml/2006/main" xmlns:r="http://schemas.openxmlformats.org/officeDocument/2006/relationships" xmlns:mc="http://schemas.openxmlformats.org/markup-compatibility/2006" xmlns:mv="urn:schemas-microsoft-com:mac:vml" xmlns:p="http://schemas.openxmlformats.org/presentationml/2006/main" xmlns:c="http://schemas.openxmlformats.org/drawingml/2006/chart" xmlns:dgm="http://schemas.openxmlformats.org/drawingml/2006/diagram" xmlns:o="urn:schemas-microsoft-com:office:office" xmlns:v="urn:schemas-microsoft-com:vml" xmlns:pvml="urn:schemas-microsoft-com:office:powerpoint" xmlns:com="http://schemas.openxmlformats.org/drawingml/2006/compatibility" xmlns:p14="http://schemas.microsoft.com/office/powerpoint/2010/main" xmlns:p15="http://schemas.microsoft.com/office/powerpoint/2012/main" matchingName="Section title and description">
+<p:sldLayout xmlns:a="http://schemas.openxmlformats.org/drawingml/2006/main" xmlns:r="http://schemas.openxmlformats.org/officeDocument/2006/relationships" xmlns:p="http://schemas.openxmlformats.org/presentationml/2006/main" matchingName="Section title and description">
   <p:cSld name="SECTION_TITLE_AND_DESCRIPTION">
     <p:spTree>
       <p:nvGrpSpPr>
-        <p:cNvPr id="35" name="Shape 35"/>
+        <p:cNvPr id="1" name="Shape 35"/>
         <p:cNvGrpSpPr/>
         <p:nvPr/>
       </p:nvGrpSpPr>
@@ -4223,12 +4505,12 @@
           </a:ln>
         </p:spPr>
         <p:txBody>
-          <a:bodyPr anchorCtr="0" anchor="ctr" bIns="91425" lIns="91425" spcFirstLastPara="1" rIns="91425" wrap="square" tIns="91425">
+          <a:bodyPr spcFirstLastPara="1" wrap="square" lIns="91425" tIns="91425" rIns="91425" bIns="91425" anchor="ctr" anchorCtr="0">
             <a:noAutofit/>
           </a:bodyPr>
           <a:lstStyle/>
           <a:p>
-            <a:pPr indent="0" lvl="0" marL="0" rtl="0" algn="l">
+            <a:pPr marL="0" lvl="0" indent="0" algn="l" rtl="0">
               <a:spcBef>
                 <a:spcPts val="0"/>
               </a:spcBef>
@@ -4237,9 +4519,6 @@
               </a:spcAft>
               <a:buNone/>
             </a:pPr>
-            <a:r>
-              <a:t/>
-            </a:r>
             <a:endParaRPr/>
           </a:p>
         </p:txBody>
@@ -4247,7 +4526,9 @@
       <p:sp>
         <p:nvSpPr>
           <p:cNvPr id="37" name="Google Shape;37;p9"/>
-          <p:cNvSpPr txBox="1"/>
+          <p:cNvSpPr txBox="1">
+            <a:spLocks noGrp="1"/>
+          </p:cNvSpPr>
           <p:nvPr>
             <p:ph type="title"/>
           </p:nvPr>
@@ -4262,7 +4543,7 @@
           </a:prstGeom>
         </p:spPr>
         <p:txBody>
-          <a:bodyPr anchorCtr="0" anchor="b" bIns="91425" lIns="91425" spcFirstLastPara="1" rIns="91425" wrap="square" tIns="91425">
+          <a:bodyPr spcFirstLastPara="1" wrap="square" lIns="91425" tIns="91425" rIns="91425" bIns="91425" anchor="b" anchorCtr="0">
             <a:noAutofit/>
           </a:bodyPr>
           <a:lstStyle>
@@ -4366,15 +4647,19 @@
               <a:defRPr sz="4200"/>
             </a:lvl9pPr>
           </a:lstStyle>
-          <a:p/>
+          <a:p>
+            <a:endParaRPr/>
+          </a:p>
         </p:txBody>
       </p:sp>
       <p:sp>
         <p:nvSpPr>
           <p:cNvPr id="38" name="Google Shape;38;p9"/>
-          <p:cNvSpPr txBox="1"/>
+          <p:cNvSpPr txBox="1">
+            <a:spLocks noGrp="1"/>
+          </p:cNvSpPr>
           <p:nvPr>
-            <p:ph idx="1" type="subTitle"/>
+            <p:ph type="subTitle" idx="1"/>
           </p:nvPr>
         </p:nvSpPr>
         <p:spPr>
@@ -4387,7 +4672,7 @@
           </a:prstGeom>
         </p:spPr>
         <p:txBody>
-          <a:bodyPr anchorCtr="0" anchor="t" bIns="91425" lIns="91425" spcFirstLastPara="1" rIns="91425" wrap="square" tIns="91425">
+          <a:bodyPr spcFirstLastPara="1" wrap="square" lIns="91425" tIns="91425" rIns="91425" bIns="91425" anchor="t" anchorCtr="0">
             <a:noAutofit/>
           </a:bodyPr>
           <a:lstStyle>
@@ -4518,15 +4803,19 @@
               <a:defRPr sz="2100"/>
             </a:lvl9pPr>
           </a:lstStyle>
-          <a:p/>
+          <a:p>
+            <a:endParaRPr/>
+          </a:p>
         </p:txBody>
       </p:sp>
       <p:sp>
         <p:nvSpPr>
           <p:cNvPr id="39" name="Google Shape;39;p9"/>
-          <p:cNvSpPr txBox="1"/>
+          <p:cNvSpPr txBox="1">
+            <a:spLocks noGrp="1"/>
+          </p:cNvSpPr>
           <p:nvPr>
-            <p:ph idx="2" type="body"/>
+            <p:ph type="body" idx="2"/>
           </p:nvPr>
         </p:nvSpPr>
         <p:spPr>
@@ -4539,11 +4828,11 @@
           </a:prstGeom>
         </p:spPr>
         <p:txBody>
-          <a:bodyPr anchorCtr="0" anchor="ctr" bIns="91425" lIns="91425" spcFirstLastPara="1" rIns="91425" wrap="square" tIns="91425">
+          <a:bodyPr spcFirstLastPara="1" wrap="square" lIns="91425" tIns="91425" rIns="91425" bIns="91425" anchor="ctr" anchorCtr="0">
             <a:noAutofit/>
           </a:bodyPr>
           <a:lstStyle>
-            <a:lvl1pPr indent="-342900" lvl="0" marL="457200">
+            <a:lvl1pPr marL="457200" lvl="0" indent="-342900">
               <a:spcBef>
                 <a:spcPts val="0"/>
               </a:spcBef>
@@ -4554,7 +4843,7 @@
               <a:buChar char="●"/>
               <a:defRPr/>
             </a:lvl1pPr>
-            <a:lvl2pPr indent="-317500" lvl="1" marL="914400">
+            <a:lvl2pPr marL="914400" lvl="1" indent="-317500">
               <a:spcBef>
                 <a:spcPts val="1600"/>
               </a:spcBef>
@@ -4565,7 +4854,7 @@
               <a:buChar char="○"/>
               <a:defRPr/>
             </a:lvl2pPr>
-            <a:lvl3pPr indent="-317500" lvl="2" marL="1371600">
+            <a:lvl3pPr marL="1371600" lvl="2" indent="-317500">
               <a:spcBef>
                 <a:spcPts val="1600"/>
               </a:spcBef>
@@ -4576,7 +4865,7 @@
               <a:buChar char="■"/>
               <a:defRPr/>
             </a:lvl3pPr>
-            <a:lvl4pPr indent="-317500" lvl="3" marL="1828800">
+            <a:lvl4pPr marL="1828800" lvl="3" indent="-317500">
               <a:spcBef>
                 <a:spcPts val="1600"/>
               </a:spcBef>
@@ -4587,7 +4876,7 @@
               <a:buChar char="●"/>
               <a:defRPr/>
             </a:lvl4pPr>
-            <a:lvl5pPr indent="-317500" lvl="4" marL="2286000">
+            <a:lvl5pPr marL="2286000" lvl="4" indent="-317500">
               <a:spcBef>
                 <a:spcPts val="1600"/>
               </a:spcBef>
@@ -4598,7 +4887,7 @@
               <a:buChar char="○"/>
               <a:defRPr/>
             </a:lvl5pPr>
-            <a:lvl6pPr indent="-317500" lvl="5" marL="2743200">
+            <a:lvl6pPr marL="2743200" lvl="5" indent="-317500">
               <a:spcBef>
                 <a:spcPts val="1600"/>
               </a:spcBef>
@@ -4609,7 +4898,7 @@
               <a:buChar char="■"/>
               <a:defRPr/>
             </a:lvl6pPr>
-            <a:lvl7pPr indent="-317500" lvl="6" marL="3200400">
+            <a:lvl7pPr marL="3200400" lvl="6" indent="-317500">
               <a:spcBef>
                 <a:spcPts val="1600"/>
               </a:spcBef>
@@ -4620,7 +4909,7 @@
               <a:buChar char="●"/>
               <a:defRPr/>
             </a:lvl7pPr>
-            <a:lvl8pPr indent="-317500" lvl="7" marL="3657600">
+            <a:lvl8pPr marL="3657600" lvl="7" indent="-317500">
               <a:spcBef>
                 <a:spcPts val="1600"/>
               </a:spcBef>
@@ -4631,7 +4920,7 @@
               <a:buChar char="○"/>
               <a:defRPr/>
             </a:lvl8pPr>
-            <a:lvl9pPr indent="-317500" lvl="8" marL="4114800">
+            <a:lvl9pPr marL="4114800" lvl="8" indent="-317500">
               <a:spcBef>
                 <a:spcPts val="1600"/>
               </a:spcBef>
@@ -4643,15 +4932,19 @@
               <a:defRPr/>
             </a:lvl9pPr>
           </a:lstStyle>
-          <a:p/>
+          <a:p>
+            <a:endParaRPr/>
+          </a:p>
         </p:txBody>
       </p:sp>
       <p:sp>
         <p:nvSpPr>
           <p:cNvPr id="40" name="Google Shape;40;p9"/>
-          <p:cNvSpPr txBox="1"/>
+          <p:cNvSpPr txBox="1">
+            <a:spLocks noGrp="1"/>
+          </p:cNvSpPr>
           <p:nvPr>
-            <p:ph idx="12" type="sldNum"/>
+            <p:ph type="sldNum" idx="12"/>
           </p:nvPr>
         </p:nvSpPr>
         <p:spPr>
@@ -4664,7 +4957,7 @@
           </a:prstGeom>
         </p:spPr>
         <p:txBody>
-          <a:bodyPr anchorCtr="0" anchor="ctr" bIns="91425" lIns="91425" spcFirstLastPara="1" rIns="91425" wrap="square" tIns="91425">
+          <a:bodyPr spcFirstLastPara="1" wrap="square" lIns="91425" tIns="91425" rIns="91425" bIns="91425" anchor="ctr" anchorCtr="0">
             <a:noAutofit/>
           </a:bodyPr>
           <a:lstStyle>
@@ -4706,7 +4999,7 @@
             </a:lvl9pPr>
           </a:lstStyle>
           <a:p>
-            <a:pPr indent="0" lvl="0" marL="0" rtl="0" algn="r">
+            <a:pPr marL="0" lvl="0" indent="0" algn="r" rtl="0">
               <a:spcBef>
                 <a:spcPts val="0"/>
               </a:spcBef>
@@ -4732,11 +5025,11 @@
 </file>
 
 <file path=ppt/slideLayouts/slideLayout9.xml><?xml version="1.0" encoding="utf-8"?>
-<p:sldLayout xmlns:a="http://schemas.openxmlformats.org/drawingml/2006/main" xmlns:r="http://schemas.openxmlformats.org/officeDocument/2006/relationships" xmlns:mc="http://schemas.openxmlformats.org/markup-compatibility/2006" xmlns:mv="urn:schemas-microsoft-com:mac:vml" xmlns:p="http://schemas.openxmlformats.org/presentationml/2006/main" xmlns:c="http://schemas.openxmlformats.org/drawingml/2006/chart" xmlns:dgm="http://schemas.openxmlformats.org/drawingml/2006/diagram" xmlns:o="urn:schemas-microsoft-com:office:office" xmlns:v="urn:schemas-microsoft-com:vml" xmlns:pvml="urn:schemas-microsoft-com:office:powerpoint" xmlns:com="http://schemas.openxmlformats.org/drawingml/2006/compatibility" xmlns:p14="http://schemas.microsoft.com/office/powerpoint/2010/main" xmlns:p15="http://schemas.microsoft.com/office/powerpoint/2012/main" matchingName="Caption">
+<p:sldLayout xmlns:a="http://schemas.openxmlformats.org/drawingml/2006/main" xmlns:r="http://schemas.openxmlformats.org/officeDocument/2006/relationships" xmlns:p="http://schemas.openxmlformats.org/presentationml/2006/main" matchingName="Caption">
   <p:cSld name="CAPTION_ONLY">
     <p:spTree>
       <p:nvGrpSpPr>
-        <p:cNvPr id="41" name="Shape 41"/>
+        <p:cNvPr id="1" name="Shape 41"/>
         <p:cNvGrpSpPr/>
         <p:nvPr/>
       </p:nvGrpSpPr>
@@ -4751,9 +5044,11 @@
       <p:sp>
         <p:nvSpPr>
           <p:cNvPr id="42" name="Google Shape;42;p10"/>
-          <p:cNvSpPr txBox="1"/>
+          <p:cNvSpPr txBox="1">
+            <a:spLocks noGrp="1"/>
+          </p:cNvSpPr>
           <p:nvPr>
-            <p:ph idx="1" type="body"/>
+            <p:ph type="body" idx="1"/>
           </p:nvPr>
         </p:nvSpPr>
         <p:spPr>
@@ -4766,11 +5061,11 @@
           </a:prstGeom>
         </p:spPr>
         <p:txBody>
-          <a:bodyPr anchorCtr="0" anchor="ctr" bIns="91425" lIns="91425" spcFirstLastPara="1" rIns="91425" wrap="square" tIns="91425">
+          <a:bodyPr spcFirstLastPara="1" wrap="square" lIns="91425" tIns="91425" rIns="91425" bIns="91425" anchor="ctr" anchorCtr="0">
             <a:noAutofit/>
           </a:bodyPr>
           <a:lstStyle>
-            <a:lvl1pPr indent="-228600" lvl="0" marL="457200">
+            <a:lvl1pPr marL="457200" lvl="0" indent="-228600">
               <a:lnSpc>
                 <a:spcPct val="100000"/>
               </a:lnSpc>
@@ -4785,15 +5080,19 @@
               <a:defRPr/>
             </a:lvl1pPr>
           </a:lstStyle>
-          <a:p/>
+          <a:p>
+            <a:endParaRPr/>
+          </a:p>
         </p:txBody>
       </p:sp>
       <p:sp>
         <p:nvSpPr>
           <p:cNvPr id="43" name="Google Shape;43;p10"/>
-          <p:cNvSpPr txBox="1"/>
+          <p:cNvSpPr txBox="1">
+            <a:spLocks noGrp="1"/>
+          </p:cNvSpPr>
           <p:nvPr>
-            <p:ph idx="12" type="sldNum"/>
+            <p:ph type="sldNum" idx="12"/>
           </p:nvPr>
         </p:nvSpPr>
         <p:spPr>
@@ -4806,7 +5105,7 @@
           </a:prstGeom>
         </p:spPr>
         <p:txBody>
-          <a:bodyPr anchorCtr="0" anchor="ctr" bIns="91425" lIns="91425" spcFirstLastPara="1" rIns="91425" wrap="square" tIns="91425">
+          <a:bodyPr spcFirstLastPara="1" wrap="square" lIns="91425" tIns="91425" rIns="91425" bIns="91425" anchor="ctr" anchorCtr="0">
             <a:noAutofit/>
           </a:bodyPr>
           <a:lstStyle>
@@ -4848,7 +5147,7 @@
             </a:lvl9pPr>
           </a:lstStyle>
           <a:p>
-            <a:pPr indent="0" lvl="0" marL="0" rtl="0" algn="r">
+            <a:pPr marL="0" lvl="0" indent="0" algn="r" rtl="0">
               <a:spcBef>
                 <a:spcPts val="0"/>
               </a:spcBef>
@@ -4874,18 +5173,19 @@
 </file>
 
 <file path=ppt/slideMasters/slideMaster1.xml><?xml version="1.0" encoding="utf-8"?>
-<p:sldMaster xmlns:a="http://schemas.openxmlformats.org/drawingml/2006/main" xmlns:r="http://schemas.openxmlformats.org/officeDocument/2006/relationships" xmlns:mc="http://schemas.openxmlformats.org/markup-compatibility/2006" xmlns:mv="urn:schemas-microsoft-com:mac:vml" xmlns:p="http://schemas.openxmlformats.org/presentationml/2006/main" xmlns:c="http://schemas.openxmlformats.org/drawingml/2006/chart" xmlns:dgm="http://schemas.openxmlformats.org/drawingml/2006/diagram" xmlns:o="urn:schemas-microsoft-com:office:office" xmlns:v="urn:schemas-microsoft-com:vml" xmlns:pvml="urn:schemas-microsoft-com:office:powerpoint" xmlns:com="http://schemas.openxmlformats.org/drawingml/2006/compatibility" xmlns:p14="http://schemas.microsoft.com/office/powerpoint/2010/main" xmlns:p15="http://schemas.microsoft.com/office/powerpoint/2012/main">
+<p:sldMaster xmlns:a="http://schemas.openxmlformats.org/drawingml/2006/main" xmlns:r="http://schemas.openxmlformats.org/officeDocument/2006/relationships" xmlns:p="http://schemas.openxmlformats.org/presentationml/2006/main">
   <p:cSld name="simple-light-2">
     <p:bg>
       <p:bgPr>
         <a:solidFill>
           <a:schemeClr val="lt1"/>
         </a:solidFill>
+        <a:effectLst/>
       </p:bgPr>
     </p:bg>
     <p:spTree>
       <p:nvGrpSpPr>
-        <p:cNvPr id="5" name="Shape 5"/>
+        <p:cNvPr id="1" name="Shape 5"/>
         <p:cNvGrpSpPr/>
         <p:nvPr/>
       </p:nvGrpSpPr>
@@ -4900,7 +5200,9 @@
       <p:sp>
         <p:nvSpPr>
           <p:cNvPr id="6" name="Google Shape;6;p1"/>
-          <p:cNvSpPr txBox="1"/>
+          <p:cNvSpPr txBox="1">
+            <a:spLocks noGrp="1"/>
+          </p:cNvSpPr>
           <p:nvPr>
             <p:ph type="title"/>
           </p:nvPr>
@@ -4919,7 +5221,7 @@
           </a:ln>
         </p:spPr>
         <p:txBody>
-          <a:bodyPr anchorCtr="0" anchor="t" bIns="91425" lIns="91425" spcFirstLastPara="1" rIns="91425" wrap="square" tIns="91425">
+          <a:bodyPr spcFirstLastPara="1" wrap="square" lIns="91425" tIns="91425" rIns="91425" bIns="91425" anchor="t" anchorCtr="0">
             <a:noAutofit/>
           </a:bodyPr>
           <a:lstStyle>
@@ -5086,15 +5388,19 @@
               </a:defRPr>
             </a:lvl9pPr>
           </a:lstStyle>
-          <a:p/>
+          <a:p>
+            <a:endParaRPr/>
+          </a:p>
         </p:txBody>
       </p:sp>
       <p:sp>
         <p:nvSpPr>
           <p:cNvPr id="7" name="Google Shape;7;p1"/>
-          <p:cNvSpPr txBox="1"/>
+          <p:cNvSpPr txBox="1">
+            <a:spLocks noGrp="1"/>
+          </p:cNvSpPr>
           <p:nvPr>
-            <p:ph idx="1" type="body"/>
+            <p:ph type="body" idx="1"/>
           </p:nvPr>
         </p:nvSpPr>
         <p:spPr>
@@ -5111,11 +5417,11 @@
           </a:ln>
         </p:spPr>
         <p:txBody>
-          <a:bodyPr anchorCtr="0" anchor="t" bIns="91425" lIns="91425" spcFirstLastPara="1" rIns="91425" wrap="square" tIns="91425">
+          <a:bodyPr spcFirstLastPara="1" wrap="square" lIns="91425" tIns="91425" rIns="91425" bIns="91425" anchor="t" anchorCtr="0">
             <a:noAutofit/>
           </a:bodyPr>
           <a:lstStyle>
-            <a:lvl1pPr indent="-342900" lvl="0" marL="457200">
+            <a:lvl1pPr marL="457200" lvl="0" indent="-342900">
               <a:lnSpc>
                 <a:spcPct val="115000"/>
               </a:lnSpc>
@@ -5136,7 +5442,7 @@
                 </a:solidFill>
               </a:defRPr>
             </a:lvl1pPr>
-            <a:lvl2pPr indent="-317500" lvl="1" marL="914400">
+            <a:lvl2pPr marL="914400" lvl="1" indent="-317500">
               <a:lnSpc>
                 <a:spcPct val="115000"/>
               </a:lnSpc>
@@ -5157,7 +5463,7 @@
                 </a:solidFill>
               </a:defRPr>
             </a:lvl2pPr>
-            <a:lvl3pPr indent="-317500" lvl="2" marL="1371600">
+            <a:lvl3pPr marL="1371600" lvl="2" indent="-317500">
               <a:lnSpc>
                 <a:spcPct val="115000"/>
               </a:lnSpc>
@@ -5178,7 +5484,7 @@
                 </a:solidFill>
               </a:defRPr>
             </a:lvl3pPr>
-            <a:lvl4pPr indent="-317500" lvl="3" marL="1828800">
+            <a:lvl4pPr marL="1828800" lvl="3" indent="-317500">
               <a:lnSpc>
                 <a:spcPct val="115000"/>
               </a:lnSpc>
@@ -5199,7 +5505,7 @@
                 </a:solidFill>
               </a:defRPr>
             </a:lvl4pPr>
-            <a:lvl5pPr indent="-317500" lvl="4" marL="2286000">
+            <a:lvl5pPr marL="2286000" lvl="4" indent="-317500">
               <a:lnSpc>
                 <a:spcPct val="115000"/>
               </a:lnSpc>
@@ -5220,7 +5526,7 @@
                 </a:solidFill>
               </a:defRPr>
             </a:lvl5pPr>
-            <a:lvl6pPr indent="-317500" lvl="5" marL="2743200">
+            <a:lvl6pPr marL="2743200" lvl="5" indent="-317500">
               <a:lnSpc>
                 <a:spcPct val="115000"/>
               </a:lnSpc>
@@ -5241,7 +5547,7 @@
                 </a:solidFill>
               </a:defRPr>
             </a:lvl6pPr>
-            <a:lvl7pPr indent="-317500" lvl="6" marL="3200400">
+            <a:lvl7pPr marL="3200400" lvl="6" indent="-317500">
               <a:lnSpc>
                 <a:spcPct val="115000"/>
               </a:lnSpc>
@@ -5262,7 +5568,7 @@
                 </a:solidFill>
               </a:defRPr>
             </a:lvl7pPr>
-            <a:lvl8pPr indent="-317500" lvl="7" marL="3657600">
+            <a:lvl8pPr marL="3657600" lvl="7" indent="-317500">
               <a:lnSpc>
                 <a:spcPct val="115000"/>
               </a:lnSpc>
@@ -5283,7 +5589,7 @@
                 </a:solidFill>
               </a:defRPr>
             </a:lvl8pPr>
-            <a:lvl9pPr indent="-317500" lvl="8" marL="4114800">
+            <a:lvl9pPr marL="4114800" lvl="8" indent="-317500">
               <a:lnSpc>
                 <a:spcPct val="115000"/>
               </a:lnSpc>
@@ -5305,15 +5611,19 @@
               </a:defRPr>
             </a:lvl9pPr>
           </a:lstStyle>
-          <a:p/>
+          <a:p>
+            <a:endParaRPr/>
+          </a:p>
         </p:txBody>
       </p:sp>
       <p:sp>
         <p:nvSpPr>
           <p:cNvPr id="8" name="Google Shape;8;p1"/>
-          <p:cNvSpPr txBox="1"/>
+          <p:cNvSpPr txBox="1">
+            <a:spLocks noGrp="1"/>
+          </p:cNvSpPr>
           <p:nvPr>
-            <p:ph idx="12" type="sldNum"/>
+            <p:ph type="sldNum" idx="12"/>
           </p:nvPr>
         </p:nvSpPr>
         <p:spPr>
@@ -5330,7 +5640,7 @@
           </a:ln>
         </p:spPr>
         <p:txBody>
-          <a:bodyPr anchorCtr="0" anchor="ctr" bIns="91425" lIns="91425" spcFirstLastPara="1" rIns="91425" wrap="square" tIns="91425">
+          <a:bodyPr spcFirstLastPara="1" wrap="square" lIns="91425" tIns="91425" rIns="91425" bIns="91425" anchor="ctr" anchorCtr="0">
             <a:noAutofit/>
           </a:bodyPr>
           <a:lstStyle>
@@ -5408,7 +5718,7 @@
             </a:lvl9pPr>
           </a:lstStyle>
           <a:p>
-            <a:pPr indent="0" lvl="0" marL="0" rtl="0" algn="r">
+            <a:pPr marL="0" lvl="0" indent="0" algn="r" rtl="0">
               <a:spcBef>
                 <a:spcPts val="0"/>
               </a:spcBef>
@@ -5427,7 +5737,7 @@
       </p:sp>
     </p:spTree>
   </p:cSld>
-  <p:clrMap accent1="accent1" accent2="accent2" accent3="accent3" accent4="accent4" accent5="accent5" accent6="accent6" bg1="lt1" bg2="dk2" tx1="dk1" tx2="lt2" folHlink="folHlink" hlink="hlink"/>
+  <p:clrMap bg1="lt1" tx1="dk1" bg2="dk2" tx2="lt2" accent1="accent1" accent2="accent2" accent3="accent3" accent4="accent4" accent5="accent5" accent6="accent6" hlink="hlink" folHlink="folHlink"/>
   <p:sldLayoutIdLst>
     <p:sldLayoutId id="2147483648" r:id="rId1"/>
     <p:sldLayoutId id="2147483649" r:id="rId2"/>
@@ -5441,10 +5751,10 @@
     <p:sldLayoutId id="2147483657" r:id="rId10"/>
     <p:sldLayoutId id="2147483658" r:id="rId11"/>
   </p:sldLayoutIdLst>
-  <p:hf dt="0" ftr="0" hdr="0" sldNum="0"/>
+  <p:hf sldNum="0" hdr="0" ftr="0" dt="0"/>
   <p:txStyles>
     <p:titleStyle>
-      <a:defPPr lvl="0" marR="0" rtl="0" algn="l">
+      <a:defPPr marR="0" lvl="0" algn="l" rtl="0">
         <a:lnSpc>
           <a:spcPct val="100000"/>
         </a:lnSpc>
@@ -5455,7 +5765,7 @@
           <a:spcPts val="0"/>
         </a:spcAft>
       </a:defPPr>
-      <a:lvl1pPr lvl="0" marR="0" rtl="0" algn="l">
+      <a:lvl1pPr marR="0" lvl="0" algn="l" rtl="0">
         <a:lnSpc>
           <a:spcPct val="100000"/>
         </a:lnSpc>
@@ -5469,7 +5779,7 @@
           <a:srgbClr val="000000"/>
         </a:buClr>
         <a:buFont typeface="Arial"/>
-        <a:defRPr b="0" i="0" sz="1400" u="none" cap="none" strike="noStrike">
+        <a:defRPr sz="1400" b="0" i="0" u="none" strike="noStrike" cap="none">
           <a:solidFill>
             <a:srgbClr val="000000"/>
           </a:solidFill>
@@ -5479,7 +5789,7 @@
           <a:sym typeface="Arial"/>
         </a:defRPr>
       </a:lvl1pPr>
-      <a:lvl2pPr lvl="1" marR="0" rtl="0" algn="l">
+      <a:lvl2pPr marR="0" lvl="1" algn="l" rtl="0">
         <a:lnSpc>
           <a:spcPct val="100000"/>
         </a:lnSpc>
@@ -5493,7 +5803,7 @@
           <a:srgbClr val="000000"/>
         </a:buClr>
         <a:buFont typeface="Arial"/>
-        <a:defRPr b="0" i="0" sz="1400" u="none" cap="none" strike="noStrike">
+        <a:defRPr sz="1400" b="0" i="0" u="none" strike="noStrike" cap="none">
           <a:solidFill>
             <a:srgbClr val="000000"/>
           </a:solidFill>
@@ -5503,7 +5813,7 @@
           <a:sym typeface="Arial"/>
         </a:defRPr>
       </a:lvl2pPr>
-      <a:lvl3pPr lvl="2" marR="0" rtl="0" algn="l">
+      <a:lvl3pPr marR="0" lvl="2" algn="l" rtl="0">
         <a:lnSpc>
           <a:spcPct val="100000"/>
         </a:lnSpc>
@@ -5517,7 +5827,7 @@
           <a:srgbClr val="000000"/>
         </a:buClr>
         <a:buFont typeface="Arial"/>
-        <a:defRPr b="0" i="0" sz="1400" u="none" cap="none" strike="noStrike">
+        <a:defRPr sz="1400" b="0" i="0" u="none" strike="noStrike" cap="none">
           <a:solidFill>
             <a:srgbClr val="000000"/>
           </a:solidFill>
@@ -5527,7 +5837,7 @@
           <a:sym typeface="Arial"/>
         </a:defRPr>
       </a:lvl3pPr>
-      <a:lvl4pPr lvl="3" marR="0" rtl="0" algn="l">
+      <a:lvl4pPr marR="0" lvl="3" algn="l" rtl="0">
         <a:lnSpc>
           <a:spcPct val="100000"/>
         </a:lnSpc>
@@ -5541,7 +5851,7 @@
           <a:srgbClr val="000000"/>
         </a:buClr>
         <a:buFont typeface="Arial"/>
-        <a:defRPr b="0" i="0" sz="1400" u="none" cap="none" strike="noStrike">
+        <a:defRPr sz="1400" b="0" i="0" u="none" strike="noStrike" cap="none">
           <a:solidFill>
             <a:srgbClr val="000000"/>
           </a:solidFill>
@@ -5551,7 +5861,7 @@
           <a:sym typeface="Arial"/>
         </a:defRPr>
       </a:lvl4pPr>
-      <a:lvl5pPr lvl="4" marR="0" rtl="0" algn="l">
+      <a:lvl5pPr marR="0" lvl="4" algn="l" rtl="0">
         <a:lnSpc>
           <a:spcPct val="100000"/>
         </a:lnSpc>
@@ -5565,7 +5875,7 @@
           <a:srgbClr val="000000"/>
         </a:buClr>
         <a:buFont typeface="Arial"/>
-        <a:defRPr b="0" i="0" sz="1400" u="none" cap="none" strike="noStrike">
+        <a:defRPr sz="1400" b="0" i="0" u="none" strike="noStrike" cap="none">
           <a:solidFill>
             <a:srgbClr val="000000"/>
           </a:solidFill>
@@ -5575,7 +5885,7 @@
           <a:sym typeface="Arial"/>
         </a:defRPr>
       </a:lvl5pPr>
-      <a:lvl6pPr lvl="5" marR="0" rtl="0" algn="l">
+      <a:lvl6pPr marR="0" lvl="5" algn="l" rtl="0">
         <a:lnSpc>
           <a:spcPct val="100000"/>
         </a:lnSpc>
@@ -5589,7 +5899,7 @@
           <a:srgbClr val="000000"/>
         </a:buClr>
         <a:buFont typeface="Arial"/>
-        <a:defRPr b="0" i="0" sz="1400" u="none" cap="none" strike="noStrike">
+        <a:defRPr sz="1400" b="0" i="0" u="none" strike="noStrike" cap="none">
           <a:solidFill>
             <a:srgbClr val="000000"/>
           </a:solidFill>
@@ -5599,7 +5909,7 @@
           <a:sym typeface="Arial"/>
         </a:defRPr>
       </a:lvl6pPr>
-      <a:lvl7pPr lvl="6" marR="0" rtl="0" algn="l">
+      <a:lvl7pPr marR="0" lvl="6" algn="l" rtl="0">
         <a:lnSpc>
           <a:spcPct val="100000"/>
         </a:lnSpc>
@@ -5613,7 +5923,7 @@
           <a:srgbClr val="000000"/>
         </a:buClr>
         <a:buFont typeface="Arial"/>
-        <a:defRPr b="0" i="0" sz="1400" u="none" cap="none" strike="noStrike">
+        <a:defRPr sz="1400" b="0" i="0" u="none" strike="noStrike" cap="none">
           <a:solidFill>
             <a:srgbClr val="000000"/>
           </a:solidFill>
@@ -5623,7 +5933,7 @@
           <a:sym typeface="Arial"/>
         </a:defRPr>
       </a:lvl7pPr>
-      <a:lvl8pPr lvl="7" marR="0" rtl="0" algn="l">
+      <a:lvl8pPr marR="0" lvl="7" algn="l" rtl="0">
         <a:lnSpc>
           <a:spcPct val="100000"/>
         </a:lnSpc>
@@ -5637,7 +5947,7 @@
           <a:srgbClr val="000000"/>
         </a:buClr>
         <a:buFont typeface="Arial"/>
-        <a:defRPr b="0" i="0" sz="1400" u="none" cap="none" strike="noStrike">
+        <a:defRPr sz="1400" b="0" i="0" u="none" strike="noStrike" cap="none">
           <a:solidFill>
             <a:srgbClr val="000000"/>
           </a:solidFill>
@@ -5647,7 +5957,7 @@
           <a:sym typeface="Arial"/>
         </a:defRPr>
       </a:lvl8pPr>
-      <a:lvl9pPr lvl="8" marR="0" rtl="0" algn="l">
+      <a:lvl9pPr marR="0" lvl="8" algn="l" rtl="0">
         <a:lnSpc>
           <a:spcPct val="100000"/>
         </a:lnSpc>
@@ -5661,7 +5971,7 @@
           <a:srgbClr val="000000"/>
         </a:buClr>
         <a:buFont typeface="Arial"/>
-        <a:defRPr b="0" i="0" sz="1400" u="none" cap="none" strike="noStrike">
+        <a:defRPr sz="1400" b="0" i="0" u="none" strike="noStrike" cap="none">
           <a:solidFill>
             <a:srgbClr val="000000"/>
           </a:solidFill>
@@ -5673,7 +5983,7 @@
       </a:lvl9pPr>
     </p:titleStyle>
     <p:bodyStyle>
-      <a:defPPr lvl="0" marR="0" rtl="0" algn="l">
+      <a:defPPr marR="0" lvl="0" algn="l" rtl="0">
         <a:lnSpc>
           <a:spcPct val="100000"/>
         </a:lnSpc>
@@ -5684,7 +5994,7 @@
           <a:spcPts val="0"/>
         </a:spcAft>
       </a:defPPr>
-      <a:lvl1pPr lvl="0" marR="0" rtl="0" algn="l">
+      <a:lvl1pPr marR="0" lvl="0" algn="l" rtl="0">
         <a:lnSpc>
           <a:spcPct val="100000"/>
         </a:lnSpc>
@@ -5698,7 +6008,7 @@
           <a:srgbClr val="000000"/>
         </a:buClr>
         <a:buFont typeface="Arial"/>
-        <a:defRPr b="0" i="0" sz="1400" u="none" cap="none" strike="noStrike">
+        <a:defRPr sz="1400" b="0" i="0" u="none" strike="noStrike" cap="none">
           <a:solidFill>
             <a:srgbClr val="000000"/>
           </a:solidFill>
@@ -5708,7 +6018,7 @@
           <a:sym typeface="Arial"/>
         </a:defRPr>
       </a:lvl1pPr>
-      <a:lvl2pPr lvl="1" marR="0" rtl="0" algn="l">
+      <a:lvl2pPr marR="0" lvl="1" algn="l" rtl="0">
         <a:lnSpc>
           <a:spcPct val="100000"/>
         </a:lnSpc>
@@ -5722,7 +6032,7 @@
           <a:srgbClr val="000000"/>
         </a:buClr>
         <a:buFont typeface="Arial"/>
-        <a:defRPr b="0" i="0" sz="1400" u="none" cap="none" strike="noStrike">
+        <a:defRPr sz="1400" b="0" i="0" u="none" strike="noStrike" cap="none">
           <a:solidFill>
             <a:srgbClr val="000000"/>
           </a:solidFill>
@@ -5732,7 +6042,7 @@
           <a:sym typeface="Arial"/>
         </a:defRPr>
       </a:lvl2pPr>
-      <a:lvl3pPr lvl="2" marR="0" rtl="0" algn="l">
+      <a:lvl3pPr marR="0" lvl="2" algn="l" rtl="0">
         <a:lnSpc>
           <a:spcPct val="100000"/>
         </a:lnSpc>
@@ -5746,7 +6056,7 @@
           <a:srgbClr val="000000"/>
         </a:buClr>
         <a:buFont typeface="Arial"/>
-        <a:defRPr b="0" i="0" sz="1400" u="none" cap="none" strike="noStrike">
+        <a:defRPr sz="1400" b="0" i="0" u="none" strike="noStrike" cap="none">
           <a:solidFill>
             <a:srgbClr val="000000"/>
           </a:solidFill>
@@ -5756,7 +6066,7 @@
           <a:sym typeface="Arial"/>
         </a:defRPr>
       </a:lvl3pPr>
-      <a:lvl4pPr lvl="3" marR="0" rtl="0" algn="l">
+      <a:lvl4pPr marR="0" lvl="3" algn="l" rtl="0">
         <a:lnSpc>
           <a:spcPct val="100000"/>
         </a:lnSpc>
@@ -5770,7 +6080,7 @@
           <a:srgbClr val="000000"/>
         </a:buClr>
         <a:buFont typeface="Arial"/>
-        <a:defRPr b="0" i="0" sz="1400" u="none" cap="none" strike="noStrike">
+        <a:defRPr sz="1400" b="0" i="0" u="none" strike="noStrike" cap="none">
           <a:solidFill>
             <a:srgbClr val="000000"/>
           </a:solidFill>
@@ -5780,7 +6090,7 @@
           <a:sym typeface="Arial"/>
         </a:defRPr>
       </a:lvl4pPr>
-      <a:lvl5pPr lvl="4" marR="0" rtl="0" algn="l">
+      <a:lvl5pPr marR="0" lvl="4" algn="l" rtl="0">
         <a:lnSpc>
           <a:spcPct val="100000"/>
         </a:lnSpc>
@@ -5794,7 +6104,7 @@
           <a:srgbClr val="000000"/>
         </a:buClr>
         <a:buFont typeface="Arial"/>
-        <a:defRPr b="0" i="0" sz="1400" u="none" cap="none" strike="noStrike">
+        <a:defRPr sz="1400" b="0" i="0" u="none" strike="noStrike" cap="none">
           <a:solidFill>
             <a:srgbClr val="000000"/>
           </a:solidFill>
@@ -5804,7 +6114,7 @@
           <a:sym typeface="Arial"/>
         </a:defRPr>
       </a:lvl5pPr>
-      <a:lvl6pPr lvl="5" marR="0" rtl="0" algn="l">
+      <a:lvl6pPr marR="0" lvl="5" algn="l" rtl="0">
         <a:lnSpc>
           <a:spcPct val="100000"/>
         </a:lnSpc>
@@ -5818,7 +6128,7 @@
           <a:srgbClr val="000000"/>
         </a:buClr>
         <a:buFont typeface="Arial"/>
-        <a:defRPr b="0" i="0" sz="1400" u="none" cap="none" strike="noStrike">
+        <a:defRPr sz="1400" b="0" i="0" u="none" strike="noStrike" cap="none">
           <a:solidFill>
             <a:srgbClr val="000000"/>
           </a:solidFill>
@@ -5828,7 +6138,7 @@
           <a:sym typeface="Arial"/>
         </a:defRPr>
       </a:lvl6pPr>
-      <a:lvl7pPr lvl="6" marR="0" rtl="0" algn="l">
+      <a:lvl7pPr marR="0" lvl="6" algn="l" rtl="0">
         <a:lnSpc>
           <a:spcPct val="100000"/>
         </a:lnSpc>
@@ -5842,7 +6152,7 @@
           <a:srgbClr val="000000"/>
         </a:buClr>
         <a:buFont typeface="Arial"/>
-        <a:defRPr b="0" i="0" sz="1400" u="none" cap="none" strike="noStrike">
+        <a:defRPr sz="1400" b="0" i="0" u="none" strike="noStrike" cap="none">
           <a:solidFill>
             <a:srgbClr val="000000"/>
           </a:solidFill>
@@ -5852,7 +6162,7 @@
           <a:sym typeface="Arial"/>
         </a:defRPr>
       </a:lvl7pPr>
-      <a:lvl8pPr lvl="7" marR="0" rtl="0" algn="l">
+      <a:lvl8pPr marR="0" lvl="7" algn="l" rtl="0">
         <a:lnSpc>
           <a:spcPct val="100000"/>
         </a:lnSpc>
@@ -5866,7 +6176,7 @@
           <a:srgbClr val="000000"/>
         </a:buClr>
         <a:buFont typeface="Arial"/>
-        <a:defRPr b="0" i="0" sz="1400" u="none" cap="none" strike="noStrike">
+        <a:defRPr sz="1400" b="0" i="0" u="none" strike="noStrike" cap="none">
           <a:solidFill>
             <a:srgbClr val="000000"/>
           </a:solidFill>
@@ -5876,7 +6186,7 @@
           <a:sym typeface="Arial"/>
         </a:defRPr>
       </a:lvl8pPr>
-      <a:lvl9pPr lvl="8" marR="0" rtl="0" algn="l">
+      <a:lvl9pPr marR="0" lvl="8" algn="l" rtl="0">
         <a:lnSpc>
           <a:spcPct val="100000"/>
         </a:lnSpc>
@@ -5890,7 +6200,7 @@
           <a:srgbClr val="000000"/>
         </a:buClr>
         <a:buFont typeface="Arial"/>
-        <a:defRPr b="0" i="0" sz="1400" u="none" cap="none" strike="noStrike">
+        <a:defRPr sz="1400" b="0" i="0" u="none" strike="noStrike" cap="none">
           <a:solidFill>
             <a:srgbClr val="000000"/>
           </a:solidFill>
@@ -5902,7 +6212,7 @@
       </a:lvl9pPr>
     </p:bodyStyle>
     <p:otherStyle>
-      <a:defPPr lvl="0" marR="0" rtl="0" algn="l">
+      <a:defPPr marR="0" lvl="0" algn="l" rtl="0">
         <a:lnSpc>
           <a:spcPct val="100000"/>
         </a:lnSpc>
@@ -5913,7 +6223,7 @@
           <a:spcPts val="0"/>
         </a:spcAft>
       </a:defPPr>
-      <a:lvl1pPr lvl="0" marR="0" rtl="0" algn="l">
+      <a:lvl1pPr marR="0" lvl="0" algn="l" rtl="0">
         <a:lnSpc>
           <a:spcPct val="100000"/>
         </a:lnSpc>
@@ -5927,7 +6237,7 @@
           <a:srgbClr val="000000"/>
         </a:buClr>
         <a:buFont typeface="Arial"/>
-        <a:defRPr b="0" i="0" sz="1400" u="none" cap="none" strike="noStrike">
+        <a:defRPr sz="1400" b="0" i="0" u="none" strike="noStrike" cap="none">
           <a:solidFill>
             <a:srgbClr val="000000"/>
           </a:solidFill>
@@ -5937,7 +6247,7 @@
           <a:sym typeface="Arial"/>
         </a:defRPr>
       </a:lvl1pPr>
-      <a:lvl2pPr lvl="1" marR="0" rtl="0" algn="l">
+      <a:lvl2pPr marR="0" lvl="1" algn="l" rtl="0">
         <a:lnSpc>
           <a:spcPct val="100000"/>
         </a:lnSpc>
@@ -5951,7 +6261,7 @@
           <a:srgbClr val="000000"/>
         </a:buClr>
         <a:buFont typeface="Arial"/>
-        <a:defRPr b="0" i="0" sz="1400" u="none" cap="none" strike="noStrike">
+        <a:defRPr sz="1400" b="0" i="0" u="none" strike="noStrike" cap="none">
           <a:solidFill>
             <a:srgbClr val="000000"/>
           </a:solidFill>
@@ -5961,7 +6271,7 @@
           <a:sym typeface="Arial"/>
         </a:defRPr>
       </a:lvl2pPr>
-      <a:lvl3pPr lvl="2" marR="0" rtl="0" algn="l">
+      <a:lvl3pPr marR="0" lvl="2" algn="l" rtl="0">
         <a:lnSpc>
           <a:spcPct val="100000"/>
         </a:lnSpc>
@@ -5975,7 +6285,7 @@
           <a:srgbClr val="000000"/>
         </a:buClr>
         <a:buFont typeface="Arial"/>
-        <a:defRPr b="0" i="0" sz="1400" u="none" cap="none" strike="noStrike">
+        <a:defRPr sz="1400" b="0" i="0" u="none" strike="noStrike" cap="none">
           <a:solidFill>
             <a:srgbClr val="000000"/>
           </a:solidFill>
@@ -5985,7 +6295,7 @@
           <a:sym typeface="Arial"/>
         </a:defRPr>
       </a:lvl3pPr>
-      <a:lvl4pPr lvl="3" marR="0" rtl="0" algn="l">
+      <a:lvl4pPr marR="0" lvl="3" algn="l" rtl="0">
         <a:lnSpc>
           <a:spcPct val="100000"/>
         </a:lnSpc>
@@ -5999,7 +6309,7 @@
           <a:srgbClr val="000000"/>
         </a:buClr>
         <a:buFont typeface="Arial"/>
-        <a:defRPr b="0" i="0" sz="1400" u="none" cap="none" strike="noStrike">
+        <a:defRPr sz="1400" b="0" i="0" u="none" strike="noStrike" cap="none">
           <a:solidFill>
             <a:srgbClr val="000000"/>
           </a:solidFill>
@@ -6009,7 +6319,7 @@
           <a:sym typeface="Arial"/>
         </a:defRPr>
       </a:lvl4pPr>
-      <a:lvl5pPr lvl="4" marR="0" rtl="0" algn="l">
+      <a:lvl5pPr marR="0" lvl="4" algn="l" rtl="0">
         <a:lnSpc>
           <a:spcPct val="100000"/>
         </a:lnSpc>
@@ -6023,7 +6333,7 @@
           <a:srgbClr val="000000"/>
         </a:buClr>
         <a:buFont typeface="Arial"/>
-        <a:defRPr b="0" i="0" sz="1400" u="none" cap="none" strike="noStrike">
+        <a:defRPr sz="1400" b="0" i="0" u="none" strike="noStrike" cap="none">
           <a:solidFill>
             <a:srgbClr val="000000"/>
           </a:solidFill>
@@ -6033,7 +6343,7 @@
           <a:sym typeface="Arial"/>
         </a:defRPr>
       </a:lvl5pPr>
-      <a:lvl6pPr lvl="5" marR="0" rtl="0" algn="l">
+      <a:lvl6pPr marR="0" lvl="5" algn="l" rtl="0">
         <a:lnSpc>
           <a:spcPct val="100000"/>
         </a:lnSpc>
@@ -6047,7 +6357,7 @@
           <a:srgbClr val="000000"/>
         </a:buClr>
         <a:buFont typeface="Arial"/>
-        <a:defRPr b="0" i="0" sz="1400" u="none" cap="none" strike="noStrike">
+        <a:defRPr sz="1400" b="0" i="0" u="none" strike="noStrike" cap="none">
           <a:solidFill>
             <a:srgbClr val="000000"/>
           </a:solidFill>
@@ -6057,7 +6367,7 @@
           <a:sym typeface="Arial"/>
         </a:defRPr>
       </a:lvl6pPr>
-      <a:lvl7pPr lvl="6" marR="0" rtl="0" algn="l">
+      <a:lvl7pPr marR="0" lvl="6" algn="l" rtl="0">
         <a:lnSpc>
           <a:spcPct val="100000"/>
         </a:lnSpc>
@@ -6071,7 +6381,7 @@
           <a:srgbClr val="000000"/>
         </a:buClr>
         <a:buFont typeface="Arial"/>
-        <a:defRPr b="0" i="0" sz="1400" u="none" cap="none" strike="noStrike">
+        <a:defRPr sz="1400" b="0" i="0" u="none" strike="noStrike" cap="none">
           <a:solidFill>
             <a:srgbClr val="000000"/>
           </a:solidFill>
@@ -6081,7 +6391,7 @@
           <a:sym typeface="Arial"/>
         </a:defRPr>
       </a:lvl7pPr>
-      <a:lvl8pPr lvl="7" marR="0" rtl="0" algn="l">
+      <a:lvl8pPr marR="0" lvl="7" algn="l" rtl="0">
         <a:lnSpc>
           <a:spcPct val="100000"/>
         </a:lnSpc>
@@ -6095,7 +6405,7 @@
           <a:srgbClr val="000000"/>
         </a:buClr>
         <a:buFont typeface="Arial"/>
-        <a:defRPr b="0" i="0" sz="1400" u="none" cap="none" strike="noStrike">
+        <a:defRPr sz="1400" b="0" i="0" u="none" strike="noStrike" cap="none">
           <a:solidFill>
             <a:srgbClr val="000000"/>
           </a:solidFill>
@@ -6105,7 +6415,7 @@
           <a:sym typeface="Arial"/>
         </a:defRPr>
       </a:lvl8pPr>
-      <a:lvl9pPr lvl="8" marR="0" rtl="0" algn="l">
+      <a:lvl9pPr marR="0" lvl="8" algn="l" rtl="0">
         <a:lnSpc>
           <a:spcPct val="100000"/>
         </a:lnSpc>
@@ -6119,7 +6429,7 @@
           <a:srgbClr val="000000"/>
         </a:buClr>
         <a:buFont typeface="Arial"/>
-        <a:defRPr b="0" i="0" sz="1400" u="none" cap="none" strike="noStrike">
+        <a:defRPr sz="1400" b="0" i="0" u="none" strike="noStrike" cap="none">
           <a:solidFill>
             <a:srgbClr val="000000"/>
           </a:solidFill>
@@ -6135,11 +6445,11 @@
 </file>
 
 <file path=ppt/slides/slide1.xml><?xml version="1.0" encoding="utf-8"?>
-<p:sld xmlns:a="http://schemas.openxmlformats.org/drawingml/2006/main" xmlns:r="http://schemas.openxmlformats.org/officeDocument/2006/relationships" xmlns:mc="http://schemas.openxmlformats.org/markup-compatibility/2006" xmlns:mv="urn:schemas-microsoft-com:mac:vml" xmlns:p="http://schemas.openxmlformats.org/presentationml/2006/main" xmlns:c="http://schemas.openxmlformats.org/drawingml/2006/chart" xmlns:dgm="http://schemas.openxmlformats.org/drawingml/2006/diagram" xmlns:o="urn:schemas-microsoft-com:office:office" xmlns:v="urn:schemas-microsoft-com:vml" xmlns:pvml="urn:schemas-microsoft-com:office:powerpoint" xmlns:com="http://schemas.openxmlformats.org/drawingml/2006/compatibility" xmlns:p14="http://schemas.microsoft.com/office/powerpoint/2010/main" xmlns:p15="http://schemas.microsoft.com/office/powerpoint/2012/main">
+<p:sld xmlns:a="http://schemas.openxmlformats.org/drawingml/2006/main" xmlns:r="http://schemas.openxmlformats.org/officeDocument/2006/relationships" xmlns:p="http://schemas.openxmlformats.org/presentationml/2006/main">
   <p:cSld>
     <p:spTree>
       <p:nvGrpSpPr>
-        <p:cNvPr id="53" name="Shape 53"/>
+        <p:cNvPr id="1" name="Shape 53"/>
         <p:cNvGrpSpPr/>
         <p:nvPr/>
       </p:nvGrpSpPr>
@@ -6154,7 +6464,9 @@
       <p:sp>
         <p:nvSpPr>
           <p:cNvPr id="54" name="Google Shape;54;p13"/>
-          <p:cNvSpPr txBox="1"/>
+          <p:cNvSpPr txBox="1">
+            <a:spLocks noGrp="1"/>
+          </p:cNvSpPr>
           <p:nvPr>
             <p:ph type="ctrTitle"/>
           </p:nvPr>
@@ -6169,12 +6481,12 @@
           </a:prstGeom>
         </p:spPr>
         <p:txBody>
-          <a:bodyPr anchorCtr="0" anchor="b" bIns="91425" lIns="91425" spcFirstLastPara="1" rIns="91425" wrap="square" tIns="91425">
+          <a:bodyPr spcFirstLastPara="1" wrap="square" lIns="91425" tIns="91425" rIns="91425" bIns="91425" anchor="b" anchorCtr="0">
             <a:noAutofit/>
           </a:bodyPr>
           <a:lstStyle/>
           <a:p>
-            <a:pPr indent="0" lvl="0" marL="0" rtl="0" algn="ctr">
+            <a:pPr marL="0" lvl="0" indent="0" algn="ctr" rtl="0">
               <a:spcBef>
                 <a:spcPts val="0"/>
               </a:spcBef>
@@ -6190,7 +6502,7 @@
             <a:endParaRPr sz="3600"/>
           </a:p>
           <a:p>
-            <a:pPr indent="0" lvl="0" marL="0" rtl="0" algn="ctr">
+            <a:pPr marL="0" lvl="0" indent="0" algn="ctr" rtl="0">
               <a:spcBef>
                 <a:spcPts val="0"/>
               </a:spcBef>
@@ -6214,9 +6526,11 @@
       <p:sp>
         <p:nvSpPr>
           <p:cNvPr id="55" name="Google Shape;55;p13"/>
-          <p:cNvSpPr txBox="1"/>
+          <p:cNvSpPr txBox="1">
+            <a:spLocks noGrp="1"/>
+          </p:cNvSpPr>
           <p:nvPr>
-            <p:ph idx="1" type="subTitle"/>
+            <p:ph type="subTitle" idx="1"/>
           </p:nvPr>
         </p:nvSpPr>
         <p:spPr>
@@ -6229,12 +6543,12 @@
           </a:prstGeom>
         </p:spPr>
         <p:txBody>
-          <a:bodyPr anchorCtr="0" anchor="t" bIns="91425" lIns="91425" spcFirstLastPara="1" rIns="91425" wrap="square" tIns="91425">
+          <a:bodyPr spcFirstLastPara="1" wrap="square" lIns="91425" tIns="91425" rIns="91425" bIns="91425" anchor="t" anchorCtr="0">
             <a:noAutofit/>
           </a:bodyPr>
           <a:lstStyle/>
           <a:p>
-            <a:pPr indent="0" lvl="0" marL="0" rtl="0" algn="ctr">
+            <a:pPr marL="0" lvl="0" indent="0" algn="ctr" rtl="0">
               <a:spcBef>
                 <a:spcPts val="0"/>
               </a:spcBef>
@@ -6299,12 +6613,12 @@
           </a:ln>
         </p:spPr>
         <p:txBody>
-          <a:bodyPr anchorCtr="0" anchor="t" bIns="91425" lIns="91425" spcFirstLastPara="1" rIns="91425" wrap="square" tIns="91425">
+          <a:bodyPr spcFirstLastPara="1" wrap="square" lIns="91425" tIns="91425" rIns="91425" bIns="91425" anchor="t" anchorCtr="0">
             <a:noAutofit/>
           </a:bodyPr>
           <a:lstStyle/>
           <a:p>
-            <a:pPr indent="0" lvl="0" marL="0" rtl="0" algn="l">
+            <a:pPr marL="0" lvl="0" indent="0" algn="l" rtl="0">
               <a:spcBef>
                 <a:spcPts val="0"/>
               </a:spcBef>
@@ -6330,11 +6644,11 @@
 </file>
 
 <file path=ppt/slides/slide2.xml><?xml version="1.0" encoding="utf-8"?>
-<p:sld xmlns:a="http://schemas.openxmlformats.org/drawingml/2006/main" xmlns:r="http://schemas.openxmlformats.org/officeDocument/2006/relationships" xmlns:mc="http://schemas.openxmlformats.org/markup-compatibility/2006" xmlns:mv="urn:schemas-microsoft-com:mac:vml" xmlns:p="http://schemas.openxmlformats.org/presentationml/2006/main" xmlns:c="http://schemas.openxmlformats.org/drawingml/2006/chart" xmlns:dgm="http://schemas.openxmlformats.org/drawingml/2006/diagram" xmlns:o="urn:schemas-microsoft-com:office:office" xmlns:v="urn:schemas-microsoft-com:vml" xmlns:pvml="urn:schemas-microsoft-com:office:powerpoint" xmlns:com="http://schemas.openxmlformats.org/drawingml/2006/compatibility" xmlns:p14="http://schemas.microsoft.com/office/powerpoint/2010/main" xmlns:p15="http://schemas.microsoft.com/office/powerpoint/2012/main">
+<p:sld xmlns:a="http://schemas.openxmlformats.org/drawingml/2006/main" xmlns:r="http://schemas.openxmlformats.org/officeDocument/2006/relationships" xmlns:p="http://schemas.openxmlformats.org/presentationml/2006/main">
   <p:cSld>
     <p:spTree>
       <p:nvGrpSpPr>
-        <p:cNvPr id="61" name="Shape 61"/>
+        <p:cNvPr id="1" name="Shape 61"/>
         <p:cNvGrpSpPr/>
         <p:nvPr/>
       </p:nvGrpSpPr>
@@ -6349,7 +6663,9 @@
       <p:sp>
         <p:nvSpPr>
           <p:cNvPr id="62" name="Google Shape;62;p14"/>
-          <p:cNvSpPr txBox="1"/>
+          <p:cNvSpPr txBox="1">
+            <a:spLocks noGrp="1"/>
+          </p:cNvSpPr>
           <p:nvPr>
             <p:ph type="title"/>
           </p:nvPr>
@@ -6364,12 +6680,12 @@
           </a:prstGeom>
         </p:spPr>
         <p:txBody>
-          <a:bodyPr anchorCtr="0" anchor="t" bIns="91425" lIns="91425" spcFirstLastPara="1" rIns="91425" wrap="square" tIns="91425">
+          <a:bodyPr spcFirstLastPara="1" wrap="square" lIns="91425" tIns="91425" rIns="91425" bIns="91425" anchor="t" anchorCtr="0">
             <a:noAutofit/>
           </a:bodyPr>
           <a:lstStyle/>
           <a:p>
-            <a:pPr indent="0" lvl="0" marL="0" rtl="0" algn="l">
+            <a:pPr marL="0" lvl="0" indent="0" algn="l" rtl="0">
               <a:spcBef>
                 <a:spcPts val="0"/>
               </a:spcBef>
@@ -6380,11 +6696,7 @@
             </a:pPr>
             <a:r>
               <a:rPr lang="en"/>
-              <a:t>What data to focus on</a:t>
-            </a:r>
-            <a:r>
-              <a:rPr lang="en"/>
-              <a:t>?</a:t>
+              <a:t>What data to focus on?</a:t>
             </a:r>
             <a:endParaRPr/>
           </a:p>
@@ -6393,9 +6705,11 @@
       <p:sp>
         <p:nvSpPr>
           <p:cNvPr id="63" name="Google Shape;63;p14"/>
-          <p:cNvSpPr txBox="1"/>
+          <p:cNvSpPr txBox="1">
+            <a:spLocks noGrp="1"/>
+          </p:cNvSpPr>
           <p:nvPr>
-            <p:ph idx="1" type="body"/>
+            <p:ph type="body" idx="1"/>
           </p:nvPr>
         </p:nvSpPr>
         <p:spPr>
@@ -6408,12 +6722,12 @@
           </a:prstGeom>
         </p:spPr>
         <p:txBody>
-          <a:bodyPr anchorCtr="0" anchor="t" bIns="91425" lIns="91425" spcFirstLastPara="1" rIns="91425" wrap="square" tIns="91425">
+          <a:bodyPr spcFirstLastPara="1" wrap="square" lIns="91425" tIns="91425" rIns="91425" bIns="91425" anchor="t" anchorCtr="0">
             <a:noAutofit/>
           </a:bodyPr>
           <a:lstStyle/>
           <a:p>
-            <a:pPr indent="-342900" lvl="0" marL="457200" rtl="0" algn="l">
+            <a:pPr marL="457200" lvl="0" indent="-342900" algn="l" rtl="0">
               <a:spcBef>
                 <a:spcPts val="0"/>
               </a:spcBef>
@@ -6430,7 +6744,7 @@
             <a:endParaRPr/>
           </a:p>
           <a:p>
-            <a:pPr indent="0" lvl="0" marL="914400" rtl="0" algn="l">
+            <a:pPr marL="914400" lvl="0" indent="0" algn="l" rtl="0">
               <a:spcBef>
                 <a:spcPts val="1600"/>
               </a:spcBef>
@@ -6439,13 +6753,10 @@
               </a:spcAft>
               <a:buNone/>
             </a:pPr>
-            <a:r>
-              <a:t/>
-            </a:r>
-            <a:endParaRPr/>
-          </a:p>
-          <a:p>
-            <a:pPr indent="-342900" lvl="0" marL="457200" rtl="0" algn="l">
+            <a:endParaRPr/>
+          </a:p>
+          <a:p>
+            <a:pPr marL="457200" lvl="0" indent="-342900" algn="l" rtl="0">
               <a:spcBef>
                 <a:spcPts val="1600"/>
               </a:spcBef>
@@ -6462,7 +6773,7 @@
             <a:endParaRPr/>
           </a:p>
           <a:p>
-            <a:pPr indent="-317500" lvl="1" marL="914400" rtl="0" algn="l">
+            <a:pPr marL="914400" lvl="1" indent="-317500" algn="l" rtl="0">
               <a:spcBef>
                 <a:spcPts val="0"/>
               </a:spcBef>
@@ -6479,7 +6790,7 @@
             <a:endParaRPr/>
           </a:p>
           <a:p>
-            <a:pPr indent="-317500" lvl="1" marL="914400" rtl="0" algn="l">
+            <a:pPr marL="914400" lvl="1" indent="-317500" algn="l" rtl="0">
               <a:spcBef>
                 <a:spcPts val="0"/>
               </a:spcBef>
@@ -6496,7 +6807,7 @@
             <a:endParaRPr/>
           </a:p>
           <a:p>
-            <a:pPr indent="-317500" lvl="1" marL="914400" rtl="0" algn="l">
+            <a:pPr marL="914400" lvl="1" indent="-317500" algn="l" rtl="0">
               <a:spcBef>
                 <a:spcPts val="0"/>
               </a:spcBef>
@@ -6513,7 +6824,7 @@
             <a:endParaRPr/>
           </a:p>
           <a:p>
-            <a:pPr indent="0" lvl="0" marL="0" rtl="0" algn="l">
+            <a:pPr marL="0" lvl="0" indent="0" algn="l" rtl="0">
               <a:spcBef>
                 <a:spcPts val="1600"/>
               </a:spcBef>
@@ -6522,13 +6833,10 @@
               </a:spcAft>
               <a:buNone/>
             </a:pPr>
-            <a:r>
-              <a:t/>
-            </a:r>
-            <a:endParaRPr/>
-          </a:p>
-          <a:p>
-            <a:pPr indent="-342900" lvl="0" marL="457200" rtl="0" algn="l">
+            <a:endParaRPr/>
+          </a:p>
+          <a:p>
+            <a:pPr marL="457200" lvl="0" indent="-342900" algn="l" rtl="0">
               <a:spcBef>
                 <a:spcPts val="1600"/>
               </a:spcBef>
@@ -6545,7 +6853,7 @@
             <a:endParaRPr/>
           </a:p>
           <a:p>
-            <a:pPr indent="-317500" lvl="1" marL="914400" rtl="0" algn="l">
+            <a:pPr marL="914400" lvl="1" indent="-317500" algn="l" rtl="0">
               <a:spcBef>
                 <a:spcPts val="0"/>
               </a:spcBef>
@@ -6562,7 +6870,7 @@
             <a:endParaRPr/>
           </a:p>
           <a:p>
-            <a:pPr indent="-317500" lvl="1" marL="914400" rtl="0" algn="l">
+            <a:pPr marL="914400" lvl="1" indent="-317500" algn="l" rtl="0">
               <a:spcBef>
                 <a:spcPts val="0"/>
               </a:spcBef>
@@ -6579,7 +6887,7 @@
             <a:endParaRPr/>
           </a:p>
           <a:p>
-            <a:pPr indent="-317500" lvl="1" marL="914400" rtl="0" algn="l">
+            <a:pPr marL="914400" lvl="1" indent="-317500" algn="l" rtl="0">
               <a:spcBef>
                 <a:spcPts val="0"/>
               </a:spcBef>
@@ -6634,11 +6942,11 @@
 </file>
 
 <file path=ppt/slides/slide3.xml><?xml version="1.0" encoding="utf-8"?>
-<p:sld xmlns:a="http://schemas.openxmlformats.org/drawingml/2006/main" xmlns:r="http://schemas.openxmlformats.org/officeDocument/2006/relationships" xmlns:mc="http://schemas.openxmlformats.org/markup-compatibility/2006" xmlns:mv="urn:schemas-microsoft-com:mac:vml" xmlns:p="http://schemas.openxmlformats.org/presentationml/2006/main" xmlns:c="http://schemas.openxmlformats.org/drawingml/2006/chart" xmlns:dgm="http://schemas.openxmlformats.org/drawingml/2006/diagram" xmlns:o="urn:schemas-microsoft-com:office:office" xmlns:v="urn:schemas-microsoft-com:vml" xmlns:pvml="urn:schemas-microsoft-com:office:powerpoint" xmlns:com="http://schemas.openxmlformats.org/drawingml/2006/compatibility" xmlns:p14="http://schemas.microsoft.com/office/powerpoint/2010/main" xmlns:p15="http://schemas.microsoft.com/office/powerpoint/2012/main">
+<p:sld xmlns:a="http://schemas.openxmlformats.org/drawingml/2006/main" xmlns:r="http://schemas.openxmlformats.org/officeDocument/2006/relationships" xmlns:p="http://schemas.openxmlformats.org/presentationml/2006/main">
   <p:cSld>
     <p:spTree>
       <p:nvGrpSpPr>
-        <p:cNvPr id="68" name="Shape 68"/>
+        <p:cNvPr id="1" name="Shape 68"/>
         <p:cNvGrpSpPr/>
         <p:nvPr/>
       </p:nvGrpSpPr>
@@ -6653,7 +6961,9 @@
       <p:sp>
         <p:nvSpPr>
           <p:cNvPr id="69" name="Google Shape;69;p15"/>
-          <p:cNvSpPr txBox="1"/>
+          <p:cNvSpPr txBox="1">
+            <a:spLocks noGrp="1"/>
+          </p:cNvSpPr>
           <p:nvPr>
             <p:ph type="title"/>
           </p:nvPr>
@@ -6668,12 +6978,12 @@
           </a:prstGeom>
         </p:spPr>
         <p:txBody>
-          <a:bodyPr anchorCtr="0" anchor="t" bIns="91425" lIns="91425" spcFirstLastPara="1" rIns="91425" wrap="square" tIns="91425">
+          <a:bodyPr spcFirstLastPara="1" wrap="square" lIns="91425" tIns="91425" rIns="91425" bIns="91425" anchor="t" anchorCtr="0">
             <a:noAutofit/>
           </a:bodyPr>
           <a:lstStyle/>
           <a:p>
-            <a:pPr indent="0" lvl="0" marL="0" rtl="0" algn="l">
+            <a:pPr marL="0" lvl="0" indent="0" algn="l" rtl="0">
               <a:spcBef>
                 <a:spcPts val="0"/>
               </a:spcBef>
@@ -6689,7 +6999,7 @@
             <a:endParaRPr/>
           </a:p>
           <a:p>
-            <a:pPr indent="0" lvl="0" marL="0" rtl="0" algn="l">
+            <a:pPr marL="0" lvl="0" indent="0" algn="l" rtl="0">
               <a:spcBef>
                 <a:spcPts val="0"/>
               </a:spcBef>
@@ -6709,9 +7019,11 @@
       <p:sp>
         <p:nvSpPr>
           <p:cNvPr id="70" name="Google Shape;70;p15"/>
-          <p:cNvSpPr txBox="1"/>
+          <p:cNvSpPr txBox="1">
+            <a:spLocks noGrp="1"/>
+          </p:cNvSpPr>
           <p:nvPr>
-            <p:ph idx="1" type="body"/>
+            <p:ph type="body" idx="1"/>
           </p:nvPr>
         </p:nvSpPr>
         <p:spPr>
@@ -6724,12 +7036,12 @@
           </a:prstGeom>
         </p:spPr>
         <p:txBody>
-          <a:bodyPr anchorCtr="0" anchor="t" bIns="91425" lIns="91425" spcFirstLastPara="1" rIns="91425" wrap="square" tIns="91425">
+          <a:bodyPr spcFirstLastPara="1" wrap="square" lIns="91425" tIns="91425" rIns="91425" bIns="91425" anchor="t" anchorCtr="0">
             <a:noAutofit/>
           </a:bodyPr>
           <a:lstStyle/>
           <a:p>
-            <a:pPr indent="-342900" lvl="0" marL="457200" rtl="0" algn="l">
+            <a:pPr marL="457200" lvl="0" indent="-342900" algn="l" rtl="0">
               <a:spcBef>
                 <a:spcPts val="0"/>
               </a:spcBef>
@@ -6746,7 +7058,7 @@
             <a:endParaRPr/>
           </a:p>
           <a:p>
-            <a:pPr indent="0" lvl="0" marL="457200" rtl="0" algn="l">
+            <a:pPr marL="457200" lvl="0" indent="0" algn="l" rtl="0">
               <a:spcBef>
                 <a:spcPts val="1600"/>
               </a:spcBef>
@@ -6755,13 +7067,10 @@
               </a:spcAft>
               <a:buNone/>
             </a:pPr>
-            <a:r>
-              <a:t/>
-            </a:r>
-            <a:endParaRPr/>
-          </a:p>
-          <a:p>
-            <a:pPr indent="-342900" lvl="0" marL="457200" rtl="0" algn="l">
+            <a:endParaRPr/>
+          </a:p>
+          <a:p>
+            <a:pPr marL="457200" lvl="0" indent="-342900" algn="l" rtl="0">
               <a:spcBef>
                 <a:spcPts val="1600"/>
               </a:spcBef>
@@ -6778,7 +7087,7 @@
             <a:endParaRPr/>
           </a:p>
           <a:p>
-            <a:pPr indent="0" lvl="0" marL="457200" rtl="0" algn="l">
+            <a:pPr marL="457200" lvl="0" indent="0" algn="l" rtl="0">
               <a:spcBef>
                 <a:spcPts val="1600"/>
               </a:spcBef>
@@ -6787,13 +7096,10 @@
               </a:spcAft>
               <a:buNone/>
             </a:pPr>
-            <a:r>
-              <a:t/>
-            </a:r>
-            <a:endParaRPr/>
-          </a:p>
-          <a:p>
-            <a:pPr indent="-342900" lvl="0" marL="457200" rtl="0" algn="l">
+            <a:endParaRPr/>
+          </a:p>
+          <a:p>
+            <a:pPr marL="457200" lvl="0" indent="-342900" algn="l" rtl="0">
               <a:spcBef>
                 <a:spcPts val="1600"/>
               </a:spcBef>
@@ -6876,11 +7182,11 @@
 </file>
 
 <file path=ppt/slides/slide4.xml><?xml version="1.0" encoding="utf-8"?>
-<p:sld xmlns:a="http://schemas.openxmlformats.org/drawingml/2006/main" xmlns:r="http://schemas.openxmlformats.org/officeDocument/2006/relationships" xmlns:mc="http://schemas.openxmlformats.org/markup-compatibility/2006" xmlns:mv="urn:schemas-microsoft-com:mac:vml" xmlns:p="http://schemas.openxmlformats.org/presentationml/2006/main" xmlns:c="http://schemas.openxmlformats.org/drawingml/2006/chart" xmlns:dgm="http://schemas.openxmlformats.org/drawingml/2006/diagram" xmlns:o="urn:schemas-microsoft-com:office:office" xmlns:v="urn:schemas-microsoft-com:vml" xmlns:pvml="urn:schemas-microsoft-com:office:powerpoint" xmlns:com="http://schemas.openxmlformats.org/drawingml/2006/compatibility" xmlns:p14="http://schemas.microsoft.com/office/powerpoint/2010/main" xmlns:p15="http://schemas.microsoft.com/office/powerpoint/2012/main">
+<p:sld xmlns:a="http://schemas.openxmlformats.org/drawingml/2006/main" xmlns:r="http://schemas.openxmlformats.org/officeDocument/2006/relationships" xmlns:p="http://schemas.openxmlformats.org/presentationml/2006/main">
   <p:cSld>
     <p:spTree>
       <p:nvGrpSpPr>
-        <p:cNvPr id="76" name="Shape 76"/>
+        <p:cNvPr id="1" name="Shape 76"/>
         <p:cNvGrpSpPr/>
         <p:nvPr/>
       </p:nvGrpSpPr>
@@ -6895,7 +7201,9 @@
       <p:sp>
         <p:nvSpPr>
           <p:cNvPr id="77" name="Google Shape;77;p16"/>
-          <p:cNvSpPr txBox="1"/>
+          <p:cNvSpPr txBox="1">
+            <a:spLocks noGrp="1"/>
+          </p:cNvSpPr>
           <p:nvPr>
             <p:ph type="title"/>
           </p:nvPr>
@@ -6910,12 +7218,12 @@
           </a:prstGeom>
         </p:spPr>
         <p:txBody>
-          <a:bodyPr anchorCtr="0" anchor="t" bIns="91425" lIns="91425" spcFirstLastPara="1" rIns="91425" wrap="square" tIns="91425">
+          <a:bodyPr spcFirstLastPara="1" wrap="square" lIns="91425" tIns="91425" rIns="91425" bIns="91425" anchor="t" anchorCtr="0">
             <a:noAutofit/>
           </a:bodyPr>
           <a:lstStyle/>
           <a:p>
-            <a:pPr indent="0" lvl="0" marL="0" rtl="0" algn="l">
+            <a:pPr marL="0" lvl="0" indent="0" algn="l" rtl="0">
               <a:spcBef>
                 <a:spcPts val="0"/>
               </a:spcBef>
@@ -6931,7 +7239,7 @@
             <a:endParaRPr/>
           </a:p>
           <a:p>
-            <a:pPr indent="0" lvl="0" marL="0" rtl="0" algn="l">
+            <a:pPr marL="0" lvl="0" indent="0" algn="l" rtl="0">
               <a:spcBef>
                 <a:spcPts val="0"/>
               </a:spcBef>
@@ -6951,9 +7259,11 @@
       <p:sp>
         <p:nvSpPr>
           <p:cNvPr id="78" name="Google Shape;78;p16"/>
-          <p:cNvSpPr txBox="1"/>
+          <p:cNvSpPr txBox="1">
+            <a:spLocks noGrp="1"/>
+          </p:cNvSpPr>
           <p:nvPr>
-            <p:ph idx="1" type="body"/>
+            <p:ph type="body" idx="1"/>
           </p:nvPr>
         </p:nvSpPr>
         <p:spPr>
@@ -6966,12 +7276,12 @@
           </a:prstGeom>
         </p:spPr>
         <p:txBody>
-          <a:bodyPr anchorCtr="0" anchor="t" bIns="91425" lIns="91425" spcFirstLastPara="1" rIns="91425" wrap="square" tIns="91425">
+          <a:bodyPr spcFirstLastPara="1" wrap="square" lIns="91425" tIns="91425" rIns="91425" bIns="91425" anchor="t" anchorCtr="0">
             <a:noAutofit/>
           </a:bodyPr>
           <a:lstStyle/>
           <a:p>
-            <a:pPr indent="-342900" lvl="0" marL="457200" rtl="0" algn="l">
+            <a:pPr marL="457200" lvl="0" indent="-342900" algn="l" rtl="0">
               <a:spcBef>
                 <a:spcPts val="0"/>
               </a:spcBef>
@@ -6988,7 +7298,7 @@
             <a:endParaRPr/>
           </a:p>
           <a:p>
-            <a:pPr indent="0" lvl="0" marL="457200" rtl="0" algn="l">
+            <a:pPr marL="457200" lvl="0" indent="0" algn="l" rtl="0">
               <a:spcBef>
                 <a:spcPts val="1600"/>
               </a:spcBef>
@@ -6997,13 +7307,10 @@
               </a:spcAft>
               <a:buNone/>
             </a:pPr>
-            <a:r>
-              <a:t/>
-            </a:r>
-            <a:endParaRPr/>
-          </a:p>
-          <a:p>
-            <a:pPr indent="-342900" lvl="0" marL="457200" rtl="0" algn="l">
+            <a:endParaRPr/>
+          </a:p>
+          <a:p>
+            <a:pPr marL="457200" lvl="0" indent="-342900" algn="l" rtl="0">
               <a:spcBef>
                 <a:spcPts val="1600"/>
               </a:spcBef>
@@ -7020,7 +7327,7 @@
             <a:endParaRPr/>
           </a:p>
           <a:p>
-            <a:pPr indent="0" lvl="0" marL="457200" rtl="0" algn="l">
+            <a:pPr marL="457200" lvl="0" indent="0" algn="l" rtl="0">
               <a:spcBef>
                 <a:spcPts val="1600"/>
               </a:spcBef>
@@ -7029,13 +7336,10 @@
               </a:spcAft>
               <a:buNone/>
             </a:pPr>
-            <a:r>
-              <a:t/>
-            </a:r>
-            <a:endParaRPr/>
-          </a:p>
-          <a:p>
-            <a:pPr indent="-342900" lvl="0" marL="457200" rtl="0" algn="l">
+            <a:endParaRPr/>
+          </a:p>
+          <a:p>
+            <a:pPr marL="457200" lvl="0" indent="-342900" algn="l" rtl="0">
               <a:spcBef>
                 <a:spcPts val="1600"/>
               </a:spcBef>
@@ -7118,11 +7422,11 @@
 </file>
 
 <file path=ppt/slides/slide5.xml><?xml version="1.0" encoding="utf-8"?>
-<p:sld xmlns:a="http://schemas.openxmlformats.org/drawingml/2006/main" xmlns:r="http://schemas.openxmlformats.org/officeDocument/2006/relationships" xmlns:mc="http://schemas.openxmlformats.org/markup-compatibility/2006" xmlns:mv="urn:schemas-microsoft-com:mac:vml" xmlns:p="http://schemas.openxmlformats.org/presentationml/2006/main" xmlns:c="http://schemas.openxmlformats.org/drawingml/2006/chart" xmlns:dgm="http://schemas.openxmlformats.org/drawingml/2006/diagram" xmlns:o="urn:schemas-microsoft-com:office:office" xmlns:v="urn:schemas-microsoft-com:vml" xmlns:pvml="urn:schemas-microsoft-com:office:powerpoint" xmlns:com="http://schemas.openxmlformats.org/drawingml/2006/compatibility" xmlns:p14="http://schemas.microsoft.com/office/powerpoint/2010/main" xmlns:p15="http://schemas.microsoft.com/office/powerpoint/2012/main">
+<p:sld xmlns:a="http://schemas.openxmlformats.org/drawingml/2006/main" xmlns:r="http://schemas.openxmlformats.org/officeDocument/2006/relationships" xmlns:p="http://schemas.openxmlformats.org/presentationml/2006/main">
   <p:cSld>
     <p:spTree>
       <p:nvGrpSpPr>
-        <p:cNvPr id="84" name="Shape 84"/>
+        <p:cNvPr id="1" name="Shape 84"/>
         <p:cNvGrpSpPr/>
         <p:nvPr/>
       </p:nvGrpSpPr>
@@ -7137,7 +7441,9 @@
       <p:sp>
         <p:nvSpPr>
           <p:cNvPr id="85" name="Google Shape;85;p17"/>
-          <p:cNvSpPr txBox="1"/>
+          <p:cNvSpPr txBox="1">
+            <a:spLocks noGrp="1"/>
+          </p:cNvSpPr>
           <p:nvPr>
             <p:ph type="title"/>
           </p:nvPr>
@@ -7152,12 +7458,12 @@
           </a:prstGeom>
         </p:spPr>
         <p:txBody>
-          <a:bodyPr anchorCtr="0" anchor="t" bIns="91425" lIns="91425" spcFirstLastPara="1" rIns="91425" wrap="square" tIns="91425">
+          <a:bodyPr spcFirstLastPara="1" wrap="square" lIns="91425" tIns="91425" rIns="91425" bIns="91425" anchor="t" anchorCtr="0">
             <a:noAutofit/>
           </a:bodyPr>
           <a:lstStyle/>
           <a:p>
-            <a:pPr indent="0" lvl="0" marL="0" rtl="0" algn="l">
+            <a:pPr marL="0" lvl="0" indent="0" algn="l" rtl="0">
               <a:spcBef>
                 <a:spcPts val="0"/>
               </a:spcBef>
@@ -7173,7 +7479,7 @@
             <a:endParaRPr/>
           </a:p>
           <a:p>
-            <a:pPr indent="0" lvl="0" marL="0" rtl="0" algn="l">
+            <a:pPr marL="0" lvl="0" indent="0" algn="l" rtl="0">
               <a:spcBef>
                 <a:spcPts val="0"/>
               </a:spcBef>
@@ -7193,9 +7499,11 @@
       <p:sp>
         <p:nvSpPr>
           <p:cNvPr id="86" name="Google Shape;86;p17"/>
-          <p:cNvSpPr txBox="1"/>
+          <p:cNvSpPr txBox="1">
+            <a:spLocks noGrp="1"/>
+          </p:cNvSpPr>
           <p:nvPr>
-            <p:ph idx="1" type="body"/>
+            <p:ph type="body" idx="1"/>
           </p:nvPr>
         </p:nvSpPr>
         <p:spPr>
@@ -7208,12 +7516,12 @@
           </a:prstGeom>
         </p:spPr>
         <p:txBody>
-          <a:bodyPr anchorCtr="0" anchor="t" bIns="91425" lIns="91425" spcFirstLastPara="1" rIns="91425" wrap="square" tIns="91425">
+          <a:bodyPr spcFirstLastPara="1" wrap="square" lIns="91425" tIns="91425" rIns="91425" bIns="91425" anchor="t" anchorCtr="0">
             <a:noAutofit/>
           </a:bodyPr>
           <a:lstStyle/>
           <a:p>
-            <a:pPr indent="-342900" lvl="0" marL="457200" rtl="0" algn="l">
+            <a:pPr marL="457200" lvl="0" indent="-342900" algn="l" rtl="0">
               <a:spcBef>
                 <a:spcPts val="0"/>
               </a:spcBef>
@@ -7230,7 +7538,7 @@
             <a:endParaRPr/>
           </a:p>
           <a:p>
-            <a:pPr indent="0" lvl="0" marL="457200" rtl="0" algn="l">
+            <a:pPr marL="457200" lvl="0" indent="0" algn="l" rtl="0">
               <a:spcBef>
                 <a:spcPts val="1600"/>
               </a:spcBef>
@@ -7239,13 +7547,10 @@
               </a:spcAft>
               <a:buNone/>
             </a:pPr>
-            <a:r>
-              <a:t/>
-            </a:r>
-            <a:endParaRPr/>
-          </a:p>
-          <a:p>
-            <a:pPr indent="-342900" lvl="0" marL="457200" rtl="0" algn="l">
+            <a:endParaRPr/>
+          </a:p>
+          <a:p>
+            <a:pPr marL="457200" lvl="0" indent="-342900" algn="l" rtl="0">
               <a:spcBef>
                 <a:spcPts val="1600"/>
               </a:spcBef>
@@ -7328,11 +7633,11 @@
 </file>
 
 <file path=ppt/slides/slide6.xml><?xml version="1.0" encoding="utf-8"?>
-<p:sld xmlns:a="http://schemas.openxmlformats.org/drawingml/2006/main" xmlns:r="http://schemas.openxmlformats.org/officeDocument/2006/relationships" xmlns:mc="http://schemas.openxmlformats.org/markup-compatibility/2006" xmlns:mv="urn:schemas-microsoft-com:mac:vml" xmlns:p="http://schemas.openxmlformats.org/presentationml/2006/main" xmlns:c="http://schemas.openxmlformats.org/drawingml/2006/chart" xmlns:dgm="http://schemas.openxmlformats.org/drawingml/2006/diagram" xmlns:o="urn:schemas-microsoft-com:office:office" xmlns:v="urn:schemas-microsoft-com:vml" xmlns:pvml="urn:schemas-microsoft-com:office:powerpoint" xmlns:com="http://schemas.openxmlformats.org/drawingml/2006/compatibility" xmlns:p14="http://schemas.microsoft.com/office/powerpoint/2010/main" xmlns:p15="http://schemas.microsoft.com/office/powerpoint/2012/main">
+<p:sld xmlns:a="http://schemas.openxmlformats.org/drawingml/2006/main" xmlns:r="http://schemas.openxmlformats.org/officeDocument/2006/relationships" xmlns:p="http://schemas.openxmlformats.org/presentationml/2006/main">
   <p:cSld>
     <p:spTree>
       <p:nvGrpSpPr>
-        <p:cNvPr id="92" name="Shape 92"/>
+        <p:cNvPr id="1" name="Shape 92"/>
         <p:cNvGrpSpPr/>
         <p:nvPr/>
       </p:nvGrpSpPr>
@@ -7347,7 +7652,9 @@
       <p:sp>
         <p:nvSpPr>
           <p:cNvPr id="93" name="Google Shape;93;p18"/>
-          <p:cNvSpPr txBox="1"/>
+          <p:cNvSpPr txBox="1">
+            <a:spLocks noGrp="1"/>
+          </p:cNvSpPr>
           <p:nvPr>
             <p:ph type="title"/>
           </p:nvPr>
@@ -7362,12 +7669,12 @@
           </a:prstGeom>
         </p:spPr>
         <p:txBody>
-          <a:bodyPr anchorCtr="0" anchor="t" bIns="91425" lIns="91425" spcFirstLastPara="1" rIns="91425" wrap="square" tIns="91425">
+          <a:bodyPr spcFirstLastPara="1" wrap="square" lIns="91425" tIns="91425" rIns="91425" bIns="91425" anchor="t" anchorCtr="0">
             <a:noAutofit/>
           </a:bodyPr>
           <a:lstStyle/>
           <a:p>
-            <a:pPr indent="0" lvl="0" marL="0" rtl="0" algn="l">
+            <a:pPr marL="0" lvl="0" indent="0" algn="l" rtl="0">
               <a:spcBef>
                 <a:spcPts val="0"/>
               </a:spcBef>
@@ -7383,7 +7690,7 @@
             <a:endParaRPr/>
           </a:p>
           <a:p>
-            <a:pPr indent="0" lvl="0" marL="0" rtl="0" algn="l">
+            <a:pPr marL="0" lvl="0" indent="0" algn="l" rtl="0">
               <a:spcBef>
                 <a:spcPts val="0"/>
               </a:spcBef>
@@ -7403,9 +7710,11 @@
       <p:sp>
         <p:nvSpPr>
           <p:cNvPr id="94" name="Google Shape;94;p18"/>
-          <p:cNvSpPr txBox="1"/>
+          <p:cNvSpPr txBox="1">
+            <a:spLocks noGrp="1"/>
+          </p:cNvSpPr>
           <p:nvPr>
-            <p:ph idx="1" type="body"/>
+            <p:ph type="body" idx="1"/>
           </p:nvPr>
         </p:nvSpPr>
         <p:spPr>
@@ -7418,12 +7727,12 @@
           </a:prstGeom>
         </p:spPr>
         <p:txBody>
-          <a:bodyPr anchorCtr="0" anchor="t" bIns="91425" lIns="91425" spcFirstLastPara="1" rIns="91425" wrap="square" tIns="91425">
+          <a:bodyPr spcFirstLastPara="1" wrap="square" lIns="91425" tIns="91425" rIns="91425" bIns="91425" anchor="t" anchorCtr="0">
             <a:noAutofit/>
           </a:bodyPr>
           <a:lstStyle/>
           <a:p>
-            <a:pPr indent="-342900" lvl="0" marL="457200" rtl="0" algn="l">
+            <a:pPr marL="457200" lvl="0" indent="-342900" algn="l" rtl="0">
               <a:spcBef>
                 <a:spcPts val="0"/>
               </a:spcBef>
@@ -7440,7 +7749,7 @@
             <a:endParaRPr/>
           </a:p>
           <a:p>
-            <a:pPr indent="0" lvl="0" marL="457200" rtl="0" algn="l">
+            <a:pPr marL="457200" lvl="0" indent="0" algn="l" rtl="0">
               <a:spcBef>
                 <a:spcPts val="1600"/>
               </a:spcBef>
@@ -7449,13 +7758,10 @@
               </a:spcAft>
               <a:buNone/>
             </a:pPr>
-            <a:r>
-              <a:t/>
-            </a:r>
-            <a:endParaRPr/>
-          </a:p>
-          <a:p>
-            <a:pPr indent="-342900" lvl="0" marL="457200" rtl="0" algn="l">
+            <a:endParaRPr/>
+          </a:p>
+          <a:p>
+            <a:pPr marL="457200" lvl="0" indent="-342900" algn="l" rtl="0">
               <a:spcBef>
                 <a:spcPts val="1600"/>
               </a:spcBef>
@@ -7472,7 +7778,7 @@
             <a:endParaRPr/>
           </a:p>
           <a:p>
-            <a:pPr indent="0" lvl="0" marL="457200" rtl="0" algn="l">
+            <a:pPr marL="457200" lvl="0" indent="0" algn="l" rtl="0">
               <a:spcBef>
                 <a:spcPts val="1600"/>
               </a:spcBef>
@@ -7481,13 +7787,10 @@
               </a:spcAft>
               <a:buNone/>
             </a:pPr>
-            <a:r>
-              <a:t/>
-            </a:r>
-            <a:endParaRPr/>
-          </a:p>
-          <a:p>
-            <a:pPr indent="-342900" lvl="0" marL="457200" rtl="0" algn="l">
+            <a:endParaRPr/>
+          </a:p>
+          <a:p>
+            <a:pPr marL="457200" lvl="0" indent="-342900" algn="l" rtl="0">
               <a:spcBef>
                 <a:spcPts val="1600"/>
               </a:spcBef>
@@ -7598,11 +7901,11 @@
 </file>
 
 <file path=ppt/slides/slide7.xml><?xml version="1.0" encoding="utf-8"?>
-<p:sld xmlns:a="http://schemas.openxmlformats.org/drawingml/2006/main" xmlns:r="http://schemas.openxmlformats.org/officeDocument/2006/relationships" xmlns:mc="http://schemas.openxmlformats.org/markup-compatibility/2006" xmlns:mv="urn:schemas-microsoft-com:mac:vml" xmlns:p="http://schemas.openxmlformats.org/presentationml/2006/main" xmlns:c="http://schemas.openxmlformats.org/drawingml/2006/chart" xmlns:dgm="http://schemas.openxmlformats.org/drawingml/2006/diagram" xmlns:o="urn:schemas-microsoft-com:office:office" xmlns:v="urn:schemas-microsoft-com:vml" xmlns:pvml="urn:schemas-microsoft-com:office:powerpoint" xmlns:com="http://schemas.openxmlformats.org/drawingml/2006/compatibility" xmlns:p14="http://schemas.microsoft.com/office/powerpoint/2010/main" xmlns:p15="http://schemas.microsoft.com/office/powerpoint/2012/main">
+<p:sld xmlns:a="http://schemas.openxmlformats.org/drawingml/2006/main" xmlns:r="http://schemas.openxmlformats.org/officeDocument/2006/relationships" xmlns:p="http://schemas.openxmlformats.org/presentationml/2006/main">
   <p:cSld>
     <p:spTree>
       <p:nvGrpSpPr>
-        <p:cNvPr id="101" name="Shape 101"/>
+        <p:cNvPr id="1" name="Shape 101"/>
         <p:cNvGrpSpPr/>
         <p:nvPr/>
       </p:nvGrpSpPr>
@@ -7617,7 +7920,9 @@
       <p:sp>
         <p:nvSpPr>
           <p:cNvPr id="102" name="Google Shape;102;p19"/>
-          <p:cNvSpPr txBox="1"/>
+          <p:cNvSpPr txBox="1">
+            <a:spLocks noGrp="1"/>
+          </p:cNvSpPr>
           <p:nvPr>
             <p:ph type="title"/>
           </p:nvPr>
@@ -7632,12 +7937,12 @@
           </a:prstGeom>
         </p:spPr>
         <p:txBody>
-          <a:bodyPr anchorCtr="0" anchor="t" bIns="91425" lIns="91425" spcFirstLastPara="1" rIns="91425" wrap="square" tIns="91425">
+          <a:bodyPr spcFirstLastPara="1" wrap="square" lIns="91425" tIns="91425" rIns="91425" bIns="91425" anchor="t" anchorCtr="0">
             <a:noAutofit/>
           </a:bodyPr>
           <a:lstStyle/>
           <a:p>
-            <a:pPr indent="0" lvl="0" marL="0" rtl="0" algn="l">
+            <a:pPr marL="0" lvl="0" indent="0" algn="l" rtl="0">
               <a:spcBef>
                 <a:spcPts val="0"/>
               </a:spcBef>
@@ -7653,7 +7958,7 @@
             <a:endParaRPr/>
           </a:p>
           <a:p>
-            <a:pPr indent="0" lvl="0" marL="0" rtl="0" algn="l">
+            <a:pPr marL="0" lvl="0" indent="0" algn="l" rtl="0">
               <a:spcBef>
                 <a:spcPts val="0"/>
               </a:spcBef>
@@ -7673,9 +7978,11 @@
       <p:sp>
         <p:nvSpPr>
           <p:cNvPr id="103" name="Google Shape;103;p19"/>
-          <p:cNvSpPr txBox="1"/>
+          <p:cNvSpPr txBox="1">
+            <a:spLocks noGrp="1"/>
+          </p:cNvSpPr>
           <p:nvPr>
-            <p:ph idx="1" type="body"/>
+            <p:ph type="body" idx="1"/>
           </p:nvPr>
         </p:nvSpPr>
         <p:spPr>
@@ -7688,12 +7995,12 @@
           </a:prstGeom>
         </p:spPr>
         <p:txBody>
-          <a:bodyPr anchorCtr="0" anchor="t" bIns="91425" lIns="91425" spcFirstLastPara="1" rIns="91425" wrap="square" tIns="91425">
+          <a:bodyPr spcFirstLastPara="1" wrap="square" lIns="91425" tIns="91425" rIns="91425" bIns="91425" anchor="t" anchorCtr="0">
             <a:noAutofit/>
           </a:bodyPr>
           <a:lstStyle/>
           <a:p>
-            <a:pPr indent="-342900" lvl="0" marL="457200" rtl="0" algn="l">
+            <a:pPr marL="457200" lvl="0" indent="-342900" algn="l" rtl="0">
               <a:spcBef>
                 <a:spcPts val="0"/>
               </a:spcBef>
@@ -7710,7 +8017,7 @@
             <a:endParaRPr/>
           </a:p>
           <a:p>
-            <a:pPr indent="0" lvl="0" marL="457200" rtl="0" algn="l">
+            <a:pPr marL="457200" lvl="0" indent="0" algn="l" rtl="0">
               <a:spcBef>
                 <a:spcPts val="1600"/>
               </a:spcBef>
@@ -7719,13 +8026,10 @@
               </a:spcAft>
               <a:buNone/>
             </a:pPr>
-            <a:r>
-              <a:t/>
-            </a:r>
-            <a:endParaRPr/>
-          </a:p>
-          <a:p>
-            <a:pPr indent="-342900" lvl="0" marL="457200" rtl="0" algn="l">
+            <a:endParaRPr/>
+          </a:p>
+          <a:p>
+            <a:pPr marL="457200" lvl="0" indent="-342900" algn="l" rtl="0">
               <a:spcBef>
                 <a:spcPts val="1600"/>
               </a:spcBef>
@@ -7742,7 +8046,7 @@
             <a:endParaRPr/>
           </a:p>
           <a:p>
-            <a:pPr indent="0" lvl="0" marL="457200" rtl="0" algn="l">
+            <a:pPr marL="457200" lvl="0" indent="0" algn="l" rtl="0">
               <a:spcBef>
                 <a:spcPts val="1600"/>
               </a:spcBef>
@@ -7751,13 +8055,10 @@
               </a:spcAft>
               <a:buNone/>
             </a:pPr>
-            <a:r>
-              <a:t/>
-            </a:r>
-            <a:endParaRPr/>
-          </a:p>
-          <a:p>
-            <a:pPr indent="-342900" lvl="0" marL="457200" rtl="0" algn="l">
+            <a:endParaRPr/>
+          </a:p>
+          <a:p>
+            <a:pPr marL="457200" lvl="0" indent="-342900" algn="l" rtl="0">
               <a:spcBef>
                 <a:spcPts val="1600"/>
               </a:spcBef>
@@ -7840,11 +8141,11 @@
 </file>
 
 <file path=ppt/slides/slide8.xml><?xml version="1.0" encoding="utf-8"?>
-<p:sld xmlns:a="http://schemas.openxmlformats.org/drawingml/2006/main" xmlns:r="http://schemas.openxmlformats.org/officeDocument/2006/relationships" xmlns:mc="http://schemas.openxmlformats.org/markup-compatibility/2006" xmlns:mv="urn:schemas-microsoft-com:mac:vml" xmlns:p="http://schemas.openxmlformats.org/presentationml/2006/main" xmlns:c="http://schemas.openxmlformats.org/drawingml/2006/chart" xmlns:dgm="http://schemas.openxmlformats.org/drawingml/2006/diagram" xmlns:o="urn:schemas-microsoft-com:office:office" xmlns:v="urn:schemas-microsoft-com:vml" xmlns:pvml="urn:schemas-microsoft-com:office:powerpoint" xmlns:com="http://schemas.openxmlformats.org/drawingml/2006/compatibility" xmlns:p14="http://schemas.microsoft.com/office/powerpoint/2010/main" xmlns:p15="http://schemas.microsoft.com/office/powerpoint/2012/main">
+<p:sld xmlns:a="http://schemas.openxmlformats.org/drawingml/2006/main" xmlns:r="http://schemas.openxmlformats.org/officeDocument/2006/relationships" xmlns:p="http://schemas.openxmlformats.org/presentationml/2006/main">
   <p:cSld>
     <p:spTree>
       <p:nvGrpSpPr>
-        <p:cNvPr id="109" name="Shape 109"/>
+        <p:cNvPr id="1" name="Shape 109"/>
         <p:cNvGrpSpPr/>
         <p:nvPr/>
       </p:nvGrpSpPr>
@@ -7859,7 +8160,9 @@
       <p:sp>
         <p:nvSpPr>
           <p:cNvPr id="110" name="Google Shape;110;p20"/>
-          <p:cNvSpPr txBox="1"/>
+          <p:cNvSpPr txBox="1">
+            <a:spLocks noGrp="1"/>
+          </p:cNvSpPr>
           <p:nvPr>
             <p:ph type="title"/>
           </p:nvPr>
@@ -7874,12 +8177,12 @@
           </a:prstGeom>
         </p:spPr>
         <p:txBody>
-          <a:bodyPr anchorCtr="0" anchor="t" bIns="91425" lIns="91425" spcFirstLastPara="1" rIns="91425" wrap="square" tIns="91425">
+          <a:bodyPr spcFirstLastPara="1" wrap="square" lIns="91425" tIns="91425" rIns="91425" bIns="91425" anchor="t" anchorCtr="0">
             <a:noAutofit/>
           </a:bodyPr>
           <a:lstStyle/>
           <a:p>
-            <a:pPr indent="0" lvl="0" marL="0" rtl="0" algn="l">
+            <a:pPr marL="0" lvl="0" indent="0" algn="l" rtl="0">
               <a:spcBef>
                 <a:spcPts val="0"/>
               </a:spcBef>
@@ -7895,7 +8198,7 @@
             <a:endParaRPr/>
           </a:p>
           <a:p>
-            <a:pPr indent="0" lvl="0" marL="0" rtl="0" algn="l">
+            <a:pPr marL="0" lvl="0" indent="0" algn="l" rtl="0">
               <a:spcBef>
                 <a:spcPts val="0"/>
               </a:spcBef>
@@ -7915,9 +8218,11 @@
       <p:sp>
         <p:nvSpPr>
           <p:cNvPr id="111" name="Google Shape;111;p20"/>
-          <p:cNvSpPr txBox="1"/>
+          <p:cNvSpPr txBox="1">
+            <a:spLocks noGrp="1"/>
+          </p:cNvSpPr>
           <p:nvPr>
-            <p:ph idx="1" type="body"/>
+            <p:ph type="body" idx="1"/>
           </p:nvPr>
         </p:nvSpPr>
         <p:spPr>
@@ -7930,12 +8235,12 @@
           </a:prstGeom>
         </p:spPr>
         <p:txBody>
-          <a:bodyPr anchorCtr="0" anchor="t" bIns="91425" lIns="91425" spcFirstLastPara="1" rIns="91425" wrap="square" tIns="91425">
+          <a:bodyPr spcFirstLastPara="1" wrap="square" lIns="91425" tIns="91425" rIns="91425" bIns="91425" anchor="t" anchorCtr="0">
             <a:noAutofit/>
           </a:bodyPr>
           <a:lstStyle/>
           <a:p>
-            <a:pPr indent="-342900" lvl="0" marL="457200" rtl="0" algn="l">
+            <a:pPr marL="457200" lvl="0" indent="-342900" algn="l" rtl="0">
               <a:spcBef>
                 <a:spcPts val="0"/>
               </a:spcBef>
@@ -7952,7 +8257,7 @@
             <a:endParaRPr/>
           </a:p>
           <a:p>
-            <a:pPr indent="0" lvl="0" marL="457200" rtl="0" algn="l">
+            <a:pPr marL="457200" lvl="0" indent="0" algn="l" rtl="0">
               <a:spcBef>
                 <a:spcPts val="1600"/>
               </a:spcBef>
@@ -7961,13 +8266,10 @@
               </a:spcAft>
               <a:buNone/>
             </a:pPr>
-            <a:r>
-              <a:t/>
-            </a:r>
-            <a:endParaRPr/>
-          </a:p>
-          <a:p>
-            <a:pPr indent="-342900" lvl="0" marL="457200" rtl="0" algn="l">
+            <a:endParaRPr/>
+          </a:p>
+          <a:p>
+            <a:pPr marL="457200" lvl="0" indent="-342900" algn="l" rtl="0">
               <a:spcBef>
                 <a:spcPts val="1600"/>
               </a:spcBef>
@@ -7984,7 +8286,7 @@
             <a:endParaRPr/>
           </a:p>
           <a:p>
-            <a:pPr indent="0" lvl="0" marL="457200" rtl="0" algn="l">
+            <a:pPr marL="457200" lvl="0" indent="0" algn="l" rtl="0">
               <a:spcBef>
                 <a:spcPts val="1600"/>
               </a:spcBef>
@@ -7993,13 +8295,10 @@
               </a:spcAft>
               <a:buNone/>
             </a:pPr>
-            <a:r>
-              <a:t/>
-            </a:r>
-            <a:endParaRPr/>
-          </a:p>
-          <a:p>
-            <a:pPr indent="-342900" lvl="0" marL="457200" rtl="0" algn="l">
+            <a:endParaRPr/>
+          </a:p>
+          <a:p>
+            <a:pPr marL="457200" lvl="0" indent="-342900" algn="l" rtl="0">
               <a:spcBef>
                 <a:spcPts val="1600"/>
               </a:spcBef>
@@ -8081,8 +8380,223 @@
 </p:sld>
 </file>
 
+<file path=ppt/slides/slide9.xml><?xml version="1.0" encoding="utf-8"?>
+<p:sld xmlns:a="http://schemas.openxmlformats.org/drawingml/2006/main" xmlns:r="http://schemas.openxmlformats.org/officeDocument/2006/relationships" xmlns:p="http://schemas.openxmlformats.org/presentationml/2006/main">
+  <p:cSld>
+    <p:spTree>
+      <p:nvGrpSpPr>
+        <p:cNvPr id="1" name="Shape 109"/>
+        <p:cNvGrpSpPr/>
+        <p:nvPr/>
+      </p:nvGrpSpPr>
+      <p:grpSpPr>
+        <a:xfrm>
+          <a:off x="0" y="0"/>
+          <a:ext cx="0" cy="0"/>
+          <a:chOff x="0" y="0"/>
+          <a:chExt cx="0" cy="0"/>
+        </a:xfrm>
+      </p:grpSpPr>
+      <p:sp>
+        <p:nvSpPr>
+          <p:cNvPr id="110" name="Google Shape;110;p20"/>
+          <p:cNvSpPr txBox="1">
+            <a:spLocks noGrp="1"/>
+          </p:cNvSpPr>
+          <p:nvPr>
+            <p:ph type="title"/>
+          </p:nvPr>
+        </p:nvSpPr>
+        <p:spPr>
+          <a:xfrm>
+            <a:off x="185401" y="150800"/>
+            <a:ext cx="8520600" cy="1026000"/>
+          </a:xfrm>
+          <a:prstGeom prst="rect">
+            <a:avLst/>
+          </a:prstGeom>
+        </p:spPr>
+        <p:txBody>
+          <a:bodyPr spcFirstLastPara="1" wrap="square" lIns="91425" tIns="91425" rIns="91425" bIns="91425" anchor="t" anchorCtr="0">
+            <a:noAutofit/>
+          </a:bodyPr>
+          <a:lstStyle/>
+          <a:p>
+            <a:pPr marL="0" lvl="0" indent="0" algn="l" rtl="0">
+              <a:spcBef>
+                <a:spcPts val="0"/>
+              </a:spcBef>
+              <a:spcAft>
+                <a:spcPts val="0"/>
+              </a:spcAft>
+              <a:buNone/>
+            </a:pPr>
+            <a:r>
+              <a:rPr lang="en-US" dirty="0"/>
+              <a:t>Next steps?</a:t>
+            </a:r>
+            <a:endParaRPr dirty="0"/>
+          </a:p>
+        </p:txBody>
+      </p:sp>
+      <p:sp>
+        <p:nvSpPr>
+          <p:cNvPr id="111" name="Google Shape;111;p20"/>
+          <p:cNvSpPr txBox="1">
+            <a:spLocks noGrp="1"/>
+          </p:cNvSpPr>
+          <p:nvPr>
+            <p:ph type="body" idx="1"/>
+          </p:nvPr>
+        </p:nvSpPr>
+        <p:spPr>
+          <a:xfrm>
+            <a:off x="1075715" y="1428914"/>
+            <a:ext cx="6077643" cy="3369663"/>
+          </a:xfrm>
+          <a:prstGeom prst="rect">
+            <a:avLst/>
+          </a:prstGeom>
+        </p:spPr>
+        <p:txBody>
+          <a:bodyPr spcFirstLastPara="1" wrap="square" lIns="91425" tIns="91425" rIns="91425" bIns="91425" anchor="t" anchorCtr="0">
+            <a:noAutofit/>
+          </a:bodyPr>
+          <a:lstStyle/>
+          <a:p>
+            <a:pPr marL="457200" lvl="0" indent="-342900" algn="l" rtl="0">
+              <a:spcBef>
+                <a:spcPts val="0"/>
+              </a:spcBef>
+              <a:spcAft>
+                <a:spcPts val="0"/>
+              </a:spcAft>
+              <a:buSzPts val="1800"/>
+              <a:buChar char="●"/>
+            </a:pPr>
+            <a:r>
+              <a:rPr lang="en-US" dirty="0"/>
+              <a:t>Check back with UMD to get their feedback.</a:t>
+            </a:r>
+            <a:endParaRPr dirty="0"/>
+          </a:p>
+          <a:p>
+            <a:pPr marL="457200" lvl="0" indent="-342900" algn="l" rtl="0">
+              <a:spcBef>
+                <a:spcPts val="1600"/>
+              </a:spcBef>
+              <a:spcAft>
+                <a:spcPts val="0"/>
+              </a:spcAft>
+              <a:buSzPts val="1800"/>
+              <a:buChar char="●"/>
+            </a:pPr>
+            <a:endParaRPr lang="en" dirty="0"/>
+          </a:p>
+          <a:p>
+            <a:pPr marL="457200" lvl="0" indent="-342900" algn="l" rtl="0">
+              <a:spcBef>
+                <a:spcPts val="1600"/>
+              </a:spcBef>
+              <a:spcAft>
+                <a:spcPts val="0"/>
+              </a:spcAft>
+              <a:buSzPts val="1800"/>
+              <a:buChar char="●"/>
+            </a:pPr>
+            <a:r>
+              <a:rPr lang="en" dirty="0"/>
+              <a:t>Analyze further, </a:t>
+            </a:r>
+            <a:r>
+              <a:rPr lang="en-US" dirty="0"/>
+              <a:t>based on </a:t>
+            </a:r>
+            <a:r>
+              <a:rPr lang="en" dirty="0"/>
+              <a:t>directions from </a:t>
+            </a:r>
+            <a:r>
+              <a:rPr lang="en-US" dirty="0"/>
+              <a:t>UMD.</a:t>
+            </a:r>
+            <a:endParaRPr dirty="0"/>
+          </a:p>
+          <a:p>
+            <a:pPr marL="457200" lvl="0" indent="-342900" algn="l" rtl="0">
+              <a:spcBef>
+                <a:spcPts val="1600"/>
+              </a:spcBef>
+              <a:spcAft>
+                <a:spcPts val="0"/>
+              </a:spcAft>
+              <a:buSzPts val="1800"/>
+              <a:buChar char="●"/>
+            </a:pPr>
+            <a:endParaRPr lang="en" dirty="0"/>
+          </a:p>
+          <a:p>
+            <a:pPr marL="457200" lvl="0" indent="-342900" algn="l" rtl="0">
+              <a:spcBef>
+                <a:spcPts val="1600"/>
+              </a:spcBef>
+              <a:spcAft>
+                <a:spcPts val="0"/>
+              </a:spcAft>
+              <a:buSzPts val="1800"/>
+              <a:buChar char="●"/>
+            </a:pPr>
+            <a:r>
+              <a:rPr lang="en" dirty="0"/>
+              <a:t>Keep iterating!</a:t>
+            </a:r>
+            <a:endParaRPr dirty="0"/>
+          </a:p>
+        </p:txBody>
+      </p:sp>
+      <p:pic>
+        <p:nvPicPr>
+          <p:cNvPr id="112" name="Google Shape;112;p20"/>
+          <p:cNvPicPr preferRelativeResize="0"/>
+          <p:nvPr/>
+        </p:nvPicPr>
+        <p:blipFill>
+          <a:blip r:embed="rId3">
+            <a:alphaModFix/>
+          </a:blip>
+          <a:stretch>
+            <a:fillRect/>
+          </a:stretch>
+        </p:blipFill>
+        <p:spPr>
+          <a:xfrm>
+            <a:off x="4698300" y="150800"/>
+            <a:ext cx="4333875" cy="523875"/>
+          </a:xfrm>
+          <a:prstGeom prst="rect">
+            <a:avLst/>
+          </a:prstGeom>
+          <a:noFill/>
+          <a:ln>
+            <a:noFill/>
+          </a:ln>
+        </p:spPr>
+      </p:pic>
+    </p:spTree>
+    <p:extLst>
+      <p:ext uri="{BB962C8B-B14F-4D97-AF65-F5344CB8AC3E}">
+        <p14:creationId xmlns:p14="http://schemas.microsoft.com/office/powerpoint/2010/main" val="3124539673"/>
+      </p:ext>
+    </p:extLst>
+  </p:cSld>
+  <p:clrMapOvr>
+    <a:masterClrMapping/>
+  </p:clrMapOvr>
+</p:sld>
+</file>
+
 <file path=ppt/theme/theme1.xml><?xml version="1.0" encoding="utf-8"?>
-<a:theme xmlns:a="http://schemas.openxmlformats.org/drawingml/2006/main" xmlns:r="http://schemas.openxmlformats.org/officeDocument/2006/relationships" name="Simple Light">
+<a:theme xmlns:a="http://schemas.openxmlformats.org/drawingml/2006/main" name="Simple Light">
   <a:themeElements>
     <a:clrScheme name="Simple Light">
       <a:dk1>
@@ -8357,11 +8871,13 @@
       </a:bgFillStyleLst>
     </a:fmtScheme>
   </a:themeElements>
+  <a:objectDefaults/>
+  <a:extraClrSchemeLst/>
 </a:theme>
 </file>
 
 <file path=ppt/theme/theme2.xml><?xml version="1.0" encoding="utf-8"?>
-<a:theme xmlns:a="http://schemas.openxmlformats.org/drawingml/2006/main" xmlns:r="http://schemas.openxmlformats.org/officeDocument/2006/relationships">
+<a:theme xmlns:a="http://schemas.openxmlformats.org/drawingml/2006/main">
   <a:themeElements>
     <a:clrScheme name="Default">
       <a:dk1>
@@ -8636,5 +9152,7 @@
       </a:bgFillStyleLst>
     </a:fmtScheme>
   </a:themeElements>
+  <a:objectDefaults/>
+  <a:extraClrSchemeLst/>
 </a:theme>
 </file>
--- a/project_1/results/project1_presentation.pptx
+++ b/project_1/results/project1_presentation.pptx
@@ -8433,7 +8433,7 @@
             </a:pPr>
             <a:r>
               <a:rPr lang="en-US" dirty="0"/>
-              <a:t>Next steps?</a:t>
+              <a:t>Conclusions</a:t>
             </a:r>
             <a:endParaRPr dirty="0"/>
           </a:p>
@@ -8451,8 +8451,8 @@
         </p:nvSpPr>
         <p:spPr>
           <a:xfrm>
-            <a:off x="1075715" y="1428914"/>
-            <a:ext cx="6077643" cy="3369663"/>
+            <a:off x="1075715" y="1176800"/>
+            <a:ext cx="6077643" cy="3621777"/>
           </a:xfrm>
           <a:prstGeom prst="rect">
             <a:avLst/>
@@ -8476,81 +8476,115 @@
             </a:pPr>
             <a:r>
               <a:rPr lang="en-US" dirty="0"/>
-              <a:t>Check back with UMD to get their feedback.</a:t>
+              <a:t>Different strata of clients worth analyzing further</a:t>
             </a:r>
-            <a:endParaRPr dirty="0"/>
-          </a:p>
-          <a:p>
-            <a:pPr marL="457200" lvl="0" indent="-342900" algn="l" rtl="0">
-              <a:spcBef>
-                <a:spcPts val="1600"/>
-              </a:spcBef>
-              <a:spcAft>
-                <a:spcPts val="0"/>
-              </a:spcAft>
-              <a:buSzPts val="1800"/>
-              <a:buChar char="●"/>
-            </a:pPr>
-            <a:endParaRPr lang="en" dirty="0"/>
-          </a:p>
-          <a:p>
-            <a:pPr marL="457200" lvl="0" indent="-342900" algn="l" rtl="0">
-              <a:spcBef>
-                <a:spcPts val="1600"/>
-              </a:spcBef>
-              <a:spcAft>
-                <a:spcPts val="0"/>
-              </a:spcAft>
+          </a:p>
+          <a:p>
+            <a:pPr lvl="1" indent="-342900">
+              <a:spcBef>
+                <a:spcPts val="0"/>
+              </a:spcBef>
               <a:buSzPts val="1800"/>
               <a:buChar char="●"/>
             </a:pPr>
             <a:r>
-              <a:rPr lang="en" dirty="0"/>
-              <a:t>Analyze further, </a:t>
+              <a:rPr lang="en-US" dirty="0"/>
+              <a:t>Single-visit clients</a:t>
             </a:r>
-            <a:r>
-              <a:rPr lang="en-US" dirty="0"/>
-              <a:t>based on </a:t>
-            </a:r>
-            <a:r>
-              <a:rPr lang="en" dirty="0"/>
-              <a:t>directions from </a:t>
-            </a:r>
-            <a:r>
-              <a:rPr lang="en-US" dirty="0"/>
-              <a:t>UMD.</a:t>
-            </a:r>
-            <a:endParaRPr dirty="0"/>
-          </a:p>
-          <a:p>
-            <a:pPr marL="457200" lvl="0" indent="-342900" algn="l" rtl="0">
-              <a:spcBef>
-                <a:spcPts val="1600"/>
-              </a:spcBef>
-              <a:spcAft>
-                <a:spcPts val="0"/>
-              </a:spcAft>
-              <a:buSzPts val="1800"/>
-              <a:buChar char="●"/>
-            </a:pPr>
-            <a:endParaRPr lang="en" dirty="0"/>
-          </a:p>
-          <a:p>
-            <a:pPr marL="457200" lvl="0" indent="-342900" algn="l" rtl="0">
-              <a:spcBef>
-                <a:spcPts val="1600"/>
-              </a:spcBef>
-              <a:spcAft>
-                <a:spcPts val="0"/>
-              </a:spcAft>
+          </a:p>
+          <a:p>
+            <a:pPr lvl="1" indent="-342900">
+              <a:spcBef>
+                <a:spcPts val="0"/>
+              </a:spcBef>
               <a:buSzPts val="1800"/>
               <a:buChar char="●"/>
             </a:pPr>
             <a:r>
-              <a:rPr lang="en" dirty="0"/>
-              <a:t>Keep iterating!</a:t>
+              <a:rPr lang="en-US" dirty="0"/>
+              <a:t>Short-term clients</a:t>
             </a:r>
-            <a:endParaRPr dirty="0"/>
+          </a:p>
+          <a:p>
+            <a:pPr lvl="1" indent="-342900">
+              <a:spcBef>
+                <a:spcPts val="0"/>
+              </a:spcBef>
+              <a:buSzPts val="1800"/>
+              <a:buChar char="●"/>
+            </a:pPr>
+            <a:r>
+              <a:rPr lang="en-US" dirty="0"/>
+              <a:t>Extra long-term clients</a:t>
+            </a:r>
+          </a:p>
+          <a:p>
+            <a:pPr marL="114300" lvl="0" indent="0" algn="l" rtl="0">
+              <a:spcBef>
+                <a:spcPts val="0"/>
+              </a:spcBef>
+              <a:spcAft>
+                <a:spcPts val="0"/>
+              </a:spcAft>
+              <a:buSzPts val="1800"/>
+              <a:buNone/>
+            </a:pPr>
+            <a:endParaRPr lang="en-US" dirty="0"/>
+          </a:p>
+          <a:p>
+            <a:pPr marL="457200" lvl="0" indent="-342900" algn="l" rtl="0">
+              <a:spcBef>
+                <a:spcPts val="0"/>
+              </a:spcBef>
+              <a:spcAft>
+                <a:spcPts val="0"/>
+              </a:spcAft>
+              <a:buSzPts val="1800"/>
+              <a:buChar char="●"/>
+            </a:pPr>
+            <a:endParaRPr lang="en-US" dirty="0"/>
+          </a:p>
+          <a:p>
+            <a:pPr marL="457200" lvl="0" indent="-342900" algn="l" rtl="0">
+              <a:spcBef>
+                <a:spcPts val="0"/>
+              </a:spcBef>
+              <a:spcAft>
+                <a:spcPts val="0"/>
+              </a:spcAft>
+              <a:buSzPts val="1800"/>
+              <a:buChar char="●"/>
+            </a:pPr>
+            <a:r>
+              <a:rPr lang="en-US" dirty="0"/>
+              <a:t>Next step would be to check in with UMD</a:t>
+            </a:r>
+          </a:p>
+          <a:p>
+            <a:pPr lvl="1" indent="-342900">
+              <a:spcBef>
+                <a:spcPts val="0"/>
+              </a:spcBef>
+              <a:buSzPts val="1800"/>
+              <a:buChar char="●"/>
+            </a:pPr>
+            <a:r>
+              <a:rPr lang="en-US" dirty="0"/>
+              <a:t>Receive feedback on progress so far</a:t>
+            </a:r>
+          </a:p>
+          <a:p>
+            <a:pPr lvl="1" indent="-342900">
+              <a:spcBef>
+                <a:spcPts val="0"/>
+              </a:spcBef>
+              <a:buSzPts val="1800"/>
+              <a:buChar char="●"/>
+            </a:pPr>
+            <a:r>
+              <a:rPr lang="en-US" dirty="0"/>
+              <a:t>Determine what directions they would like to continue in further</a:t>
+            </a:r>
           </a:p>
         </p:txBody>
       </p:sp>
